--- a/4.DönemDersNotları/BG/Sunumlar/08_Şeritler.pptx
+++ b/4.DönemDersNotları/BG/Sunumlar/08_Şeritler.pptx
@@ -259,7 +259,7 @@
           <a:p>
             <a:fld id="{28766AD4-FA3B-4BBE-8CC4-51DEFAC11352}" type="datetimeFigureOut">
               <a:rPr lang="tr-TR" smtClean="0"/>
-              <a:t>28.04.2024</a:t>
+              <a:t>25.05.2024</a:t>
             </a:fld>
             <a:endParaRPr lang="tr-TR"/>
           </a:p>
@@ -323,38 +323,37 @@
           <a:p>
             <a:pPr lvl="0"/>
             <a:r>
-              <a:rPr lang="tr-TR" smtClean="0"/>
+              <a:rPr lang="tr-TR"/>
               <a:t>Asıl metin stillerini düzenlemek için tıklatın</a:t>
             </a:r>
           </a:p>
           <a:p>
             <a:pPr lvl="1"/>
             <a:r>
-              <a:rPr lang="tr-TR" smtClean="0"/>
+              <a:rPr lang="tr-TR"/>
               <a:t>İkinci düzey</a:t>
             </a:r>
           </a:p>
           <a:p>
             <a:pPr lvl="2"/>
             <a:r>
-              <a:rPr lang="tr-TR" smtClean="0"/>
+              <a:rPr lang="tr-TR"/>
               <a:t>Üçüncü düzey</a:t>
             </a:r>
           </a:p>
           <a:p>
             <a:pPr lvl="3"/>
             <a:r>
-              <a:rPr lang="tr-TR" smtClean="0"/>
+              <a:rPr lang="tr-TR"/>
               <a:t>Dördüncü düzey</a:t>
             </a:r>
           </a:p>
           <a:p>
             <a:pPr lvl="4"/>
             <a:r>
-              <a:rPr lang="tr-TR" smtClean="0"/>
+              <a:rPr lang="tr-TR"/>
               <a:t>Beşinci düzey</a:t>
             </a:r>
-            <a:endParaRPr lang="tr-TR"/>
           </a:p>
         </p:txBody>
       </p:sp>
@@ -823,7 +822,7 @@
           <a:lstStyle/>
           <a:p>
             <a:pPr eaLnBrk="1" hangingPunct="1"/>
-            <a:endParaRPr lang="tr-TR" smtClean="0"/>
+            <a:endParaRPr lang="tr-TR"/>
           </a:p>
         </p:txBody>
       </p:sp>
@@ -1052,7 +1051,7 @@
           <a:lstStyle/>
           <a:p>
             <a:pPr eaLnBrk="1" hangingPunct="1"/>
-            <a:endParaRPr lang="tr-TR" smtClean="0"/>
+            <a:endParaRPr lang="tr-TR"/>
           </a:p>
         </p:txBody>
       </p:sp>
@@ -1276,7 +1275,7 @@
           <a:lstStyle/>
           <a:p>
             <a:pPr eaLnBrk="1" hangingPunct="1"/>
-            <a:endParaRPr lang="tr-TR" smtClean="0"/>
+            <a:endParaRPr lang="tr-TR"/>
           </a:p>
         </p:txBody>
       </p:sp>
@@ -1500,7 +1499,7 @@
           <a:lstStyle/>
           <a:p>
             <a:pPr eaLnBrk="1" hangingPunct="1"/>
-            <a:endParaRPr lang="tr-TR" smtClean="0"/>
+            <a:endParaRPr lang="tr-TR"/>
           </a:p>
         </p:txBody>
       </p:sp>
@@ -1724,7 +1723,7 @@
           <a:lstStyle/>
           <a:p>
             <a:pPr eaLnBrk="1" hangingPunct="1"/>
-            <a:endParaRPr lang="tr-TR" smtClean="0"/>
+            <a:endParaRPr lang="tr-TR"/>
           </a:p>
         </p:txBody>
       </p:sp>
@@ -1948,7 +1947,7 @@
           <a:lstStyle/>
           <a:p>
             <a:pPr eaLnBrk="1" hangingPunct="1"/>
-            <a:endParaRPr lang="tr-TR" smtClean="0"/>
+            <a:endParaRPr lang="tr-TR"/>
           </a:p>
         </p:txBody>
       </p:sp>
@@ -2172,7 +2171,7 @@
           <a:lstStyle/>
           <a:p>
             <a:pPr eaLnBrk="1" hangingPunct="1"/>
-            <a:endParaRPr lang="tr-TR" smtClean="0"/>
+            <a:endParaRPr lang="tr-TR"/>
           </a:p>
         </p:txBody>
       </p:sp>
@@ -2396,7 +2395,7 @@
           <a:lstStyle/>
           <a:p>
             <a:pPr eaLnBrk="1" hangingPunct="1"/>
-            <a:endParaRPr lang="tr-TR" smtClean="0"/>
+            <a:endParaRPr lang="tr-TR"/>
           </a:p>
         </p:txBody>
       </p:sp>
@@ -2620,7 +2619,7 @@
           <a:lstStyle/>
           <a:p>
             <a:pPr eaLnBrk="1" hangingPunct="1"/>
-            <a:endParaRPr lang="tr-TR" altLang="tr-TR" smtClean="0"/>
+            <a:endParaRPr lang="tr-TR" altLang="tr-TR"/>
           </a:p>
         </p:txBody>
       </p:sp>
@@ -2844,7 +2843,7 @@
           <a:lstStyle/>
           <a:p>
             <a:pPr eaLnBrk="1" hangingPunct="1"/>
-            <a:endParaRPr lang="tr-TR" altLang="tr-TR" smtClean="0"/>
+            <a:endParaRPr lang="tr-TR" altLang="tr-TR"/>
           </a:p>
         </p:txBody>
       </p:sp>
@@ -3068,7 +3067,7 @@
           <a:lstStyle/>
           <a:p>
             <a:pPr eaLnBrk="1" hangingPunct="1"/>
-            <a:endParaRPr lang="tr-TR" smtClean="0"/>
+            <a:endParaRPr lang="tr-TR"/>
           </a:p>
         </p:txBody>
       </p:sp>
@@ -3292,7 +3291,7 @@
           <a:lstStyle/>
           <a:p>
             <a:pPr eaLnBrk="1" hangingPunct="1"/>
-            <a:endParaRPr lang="tr-TR" altLang="tr-TR" smtClean="0"/>
+            <a:endParaRPr lang="tr-TR" altLang="tr-TR"/>
           </a:p>
         </p:txBody>
       </p:sp>
@@ -3516,7 +3515,7 @@
           <a:lstStyle/>
           <a:p>
             <a:pPr eaLnBrk="1" hangingPunct="1"/>
-            <a:endParaRPr lang="tr-TR" altLang="tr-TR" smtClean="0"/>
+            <a:endParaRPr lang="tr-TR" altLang="tr-TR"/>
           </a:p>
         </p:txBody>
       </p:sp>
@@ -3740,7 +3739,7 @@
           <a:lstStyle/>
           <a:p>
             <a:pPr eaLnBrk="1" hangingPunct="1"/>
-            <a:endParaRPr lang="tr-TR" smtClean="0"/>
+            <a:endParaRPr lang="tr-TR"/>
           </a:p>
         </p:txBody>
       </p:sp>
@@ -3964,7 +3963,7 @@
           <a:lstStyle/>
           <a:p>
             <a:pPr eaLnBrk="1" hangingPunct="1"/>
-            <a:endParaRPr lang="tr-TR" smtClean="0"/>
+            <a:endParaRPr lang="tr-TR"/>
           </a:p>
         </p:txBody>
       </p:sp>
@@ -4188,7 +4187,7 @@
           <a:lstStyle/>
           <a:p>
             <a:pPr eaLnBrk="1" hangingPunct="1"/>
-            <a:endParaRPr lang="tr-TR" smtClean="0"/>
+            <a:endParaRPr lang="tr-TR"/>
           </a:p>
         </p:txBody>
       </p:sp>
@@ -4412,7 +4411,7 @@
           <a:lstStyle/>
           <a:p>
             <a:pPr eaLnBrk="1" hangingPunct="1"/>
-            <a:endParaRPr lang="tr-TR" smtClean="0"/>
+            <a:endParaRPr lang="tr-TR"/>
           </a:p>
         </p:txBody>
       </p:sp>
@@ -4636,7 +4635,7 @@
           <a:lstStyle/>
           <a:p>
             <a:pPr eaLnBrk="1" hangingPunct="1"/>
-            <a:endParaRPr lang="tr-TR" smtClean="0"/>
+            <a:endParaRPr lang="tr-TR"/>
           </a:p>
         </p:txBody>
       </p:sp>
@@ -4860,7 +4859,7 @@
           <a:lstStyle/>
           <a:p>
             <a:pPr eaLnBrk="1" hangingPunct="1"/>
-            <a:endParaRPr lang="tr-TR" smtClean="0"/>
+            <a:endParaRPr lang="tr-TR"/>
           </a:p>
         </p:txBody>
       </p:sp>
@@ -4901,8 +4900,8 @@
         </p:nvSpPr>
         <p:spPr/>
       </p:sp>
-      <mc:AlternateContent xmlns:mc="http://schemas.openxmlformats.org/markup-compatibility/2006">
-        <mc:Choice xmlns:a14="http://schemas.microsoft.com/office/drawing/2010/main" Requires="a14">
+      <mc:AlternateContent xmlns:mc="http://schemas.openxmlformats.org/markup-compatibility/2006" xmlns:a14="http://schemas.microsoft.com/office/drawing/2010/main">
+        <mc:Choice Requires="a14">
           <p:sp>
             <p:nvSpPr>
               <p:cNvPr id="3" name="Not Yer Tutucusu 2"/>
@@ -4919,33 +4918,28 @@
               <a:lstStyle/>
               <a:p>
                 <a:r>
-                  <a:rPr lang="tr-TR" altLang="tr-TR" dirty="0" smtClean="0"/>
+                  <a:rPr lang="tr-TR" altLang="tr-TR" dirty="0"/>
                   <a:t>Verilen 6 köşe noktası için poligon dolum alanları</a:t>
                 </a:r>
               </a:p>
               <a:p>
                 <a:pPr lvl="1"/>
                 <a:r>
-                  <a:rPr lang="tr-TR" altLang="tr-TR" smtClean="0"/>
+                  <a:rPr lang="tr-TR" altLang="tr-TR"/>
                   <a:t>Dört </a:t>
                 </a:r>
                 <a:r>
-                  <a:rPr lang="en-US" altLang="tr-TR" smtClean="0"/>
+                  <a:rPr lang="en-US" altLang="tr-TR"/>
                   <a:t>adet </a:t>
                 </a:r>
                 <a:r>
-                  <a:rPr lang="tr-TR" altLang="tr-TR" smtClean="0"/>
+                  <a:rPr lang="tr-TR" altLang="tr-TR"/>
                   <a:t>bağlı </a:t>
                 </a:r>
                 <a:r>
                   <a:rPr lang="tr-TR" altLang="tr-TR" dirty="0"/>
-                  <a:t>üçgen </a:t>
+                  <a:t>üçgen alanı</a:t>
                 </a:r>
-                <a:r>
-                  <a:rPr lang="tr-TR" altLang="tr-TR" dirty="0" smtClean="0"/>
-                  <a:t>alanı</a:t>
-                </a:r>
-                <a:endParaRPr lang="tr-TR" altLang="tr-TR" dirty="0"/>
               </a:p>
               <a:p>
                 <a:pPr lvl="1"/>
@@ -4971,32 +4965,28 @@
                 </a14:m>
                 <a:r>
                   <a:rPr lang="tr-TR" dirty="0"/>
-                  <a:t> </a:t>
-                </a:r>
-                <a:r>
-                  <a:rPr lang="tr-TR" dirty="0" smtClean="0"/>
-                  <a:t>üçgen</a:t>
+                  <a:t> üçgen</a:t>
                 </a:r>
               </a:p>
               <a:p>
                 <a:pPr lvl="1"/>
                 <a:r>
-                  <a:rPr lang="tr-TR" dirty="0" smtClean="0"/>
+                  <a:rPr lang="tr-TR" dirty="0"/>
                   <a:t>n üçgen indeksi ise</a:t>
                 </a:r>
               </a:p>
               <a:p>
                 <a:pPr lvl="2"/>
                 <a:r>
-                  <a:rPr lang="tr-TR" dirty="0" smtClean="0"/>
+                  <a:rPr lang="tr-TR" dirty="0"/>
                   <a:t>n=1 (p</a:t>
                 </a:r>
                 <a:r>
-                  <a:rPr lang="tr-TR" baseline="-25000" dirty="0" smtClean="0"/>
+                  <a:rPr lang="tr-TR" baseline="-25000" dirty="0"/>
                   <a:t>1</a:t>
                 </a:r>
                 <a:r>
-                  <a:rPr lang="tr-TR" dirty="0" smtClean="0"/>
+                  <a:rPr lang="tr-TR" dirty="0"/>
                   <a:t>, p</a:t>
                 </a:r>
                 <a:r>
@@ -5004,7 +4994,7 @@
                   <a:t>2</a:t>
                 </a:r>
                 <a:r>
-                  <a:rPr lang="tr-TR" dirty="0" smtClean="0"/>
+                  <a:rPr lang="tr-TR" dirty="0"/>
                   <a:t>, p</a:t>
                 </a:r>
                 <a:r>
@@ -5012,58 +5002,15 @@
                   <a:t>6</a:t>
                 </a:r>
                 <a:r>
-                  <a:rPr lang="tr-TR" dirty="0" smtClean="0"/>
+                  <a:rPr lang="tr-TR" dirty="0"/>
                   <a:t>)</a:t>
                 </a:r>
               </a:p>
               <a:p>
                 <a:pPr lvl="2"/>
                 <a:r>
-                  <a:rPr lang="tr-TR" dirty="0" smtClean="0"/>
-                  <a:t>n=2 </a:t>
-                </a:r>
-                <a:r>
                   <a:rPr lang="tr-TR" dirty="0"/>
-                  <a:t>(</a:t>
-                </a:r>
-                <a:r>
-                  <a:rPr lang="tr-TR" dirty="0" smtClean="0"/>
-                  <a:t>p</a:t>
-                </a:r>
-                <a:r>
-                  <a:rPr lang="tr-TR" baseline="-25000" dirty="0" smtClean="0"/>
-                  <a:t>6</a:t>
-                </a:r>
-                <a:r>
-                  <a:rPr lang="tr-TR" dirty="0" smtClean="0"/>
-                  <a:t>, p</a:t>
-                </a:r>
-                <a:r>
-                  <a:rPr lang="tr-TR" baseline="-25000" dirty="0" smtClean="0"/>
-                  <a:t>2</a:t>
-                </a:r>
-                <a:r>
-                  <a:rPr lang="tr-TR" dirty="0" smtClean="0"/>
-                  <a:t>, p</a:t>
-                </a:r>
-                <a:r>
-                  <a:rPr lang="tr-TR" baseline="-25000" dirty="0" smtClean="0"/>
-                  <a:t>3</a:t>
-                </a:r>
-                <a:r>
-                  <a:rPr lang="tr-TR" dirty="0" smtClean="0"/>
-                  <a:t>)</a:t>
-                </a:r>
-              </a:p>
-              <a:p>
-                <a:pPr lvl="2"/>
-                <a:r>
-                  <a:rPr lang="tr-TR" dirty="0" smtClean="0"/>
-                  <a:t>n=3 </a:t>
-                </a:r>
-                <a:r>
-                  <a:rPr lang="tr-TR" dirty="0"/>
-                  <a:t>(p</a:t>
+                  <a:t>n=2 (p</a:t>
                 </a:r>
                 <a:r>
                   <a:rPr lang="tr-TR" baseline="-25000" dirty="0"/>
@@ -5071,72 +5018,91 @@
                 </a:r>
                 <a:r>
                   <a:rPr lang="tr-TR" dirty="0"/>
-                  <a:t>, </a:t>
+                  <a:t>, p</a:t>
                 </a:r>
                 <a:r>
-                  <a:rPr lang="tr-TR" dirty="0" smtClean="0"/>
-                  <a:t>p</a:t>
+                  <a:rPr lang="tr-TR" baseline="-25000" dirty="0"/>
+                  <a:t>2</a:t>
                 </a:r>
                 <a:r>
-                  <a:rPr lang="tr-TR" baseline="-25000" dirty="0" smtClean="0"/>
+                  <a:rPr lang="tr-TR" dirty="0"/>
+                  <a:t>, p</a:t>
+                </a:r>
+                <a:r>
+                  <a:rPr lang="tr-TR" baseline="-25000" dirty="0"/>
                   <a:t>3</a:t>
                 </a:r>
                 <a:r>
-                  <a:rPr lang="tr-TR" dirty="0" smtClean="0"/>
-                  <a:t>, p</a:t>
-                </a:r>
-                <a:r>
-                  <a:rPr lang="tr-TR" baseline="-25000" dirty="0" smtClean="0"/>
-                  <a:t>5</a:t>
-                </a:r>
-                <a:r>
-                  <a:rPr lang="tr-TR" dirty="0" smtClean="0"/>
+                  <a:rPr lang="tr-TR" dirty="0"/>
                   <a:t>)</a:t>
                 </a:r>
               </a:p>
               <a:p>
                 <a:pPr lvl="2"/>
                 <a:r>
-                  <a:rPr lang="tr-TR" dirty="0" smtClean="0"/>
-                  <a:t>n=4 </a:t>
+                  <a:rPr lang="tr-TR" dirty="0"/>
+                  <a:t>n=3 (p</a:t>
+                </a:r>
+                <a:r>
+                  <a:rPr lang="tr-TR" baseline="-25000" dirty="0"/>
+                  <a:t>6</a:t>
                 </a:r>
                 <a:r>
                   <a:rPr lang="tr-TR" dirty="0"/>
-                  <a:t>(</a:t>
+                  <a:t>, p</a:t>
                 </a:r>
                 <a:r>
-                  <a:rPr lang="tr-TR" dirty="0" smtClean="0"/>
-                  <a:t>p</a:t>
+                  <a:rPr lang="tr-TR" baseline="-25000" dirty="0"/>
+                  <a:t>3</a:t>
                 </a:r>
                 <a:r>
-                  <a:rPr lang="tr-TR" baseline="-25000" dirty="0" smtClean="0"/>
+                  <a:rPr lang="tr-TR" dirty="0"/>
+                  <a:t>, p</a:t>
+                </a:r>
+                <a:r>
+                  <a:rPr lang="tr-TR" baseline="-25000" dirty="0"/>
                   <a:t>5</a:t>
                 </a:r>
                 <a:r>
-                  <a:rPr lang="tr-TR" dirty="0" smtClean="0"/>
+                  <a:rPr lang="tr-TR" dirty="0"/>
+                  <a:t>)</a:t>
+                </a:r>
+              </a:p>
+              <a:p>
+                <a:pPr lvl="2"/>
+                <a:r>
+                  <a:rPr lang="tr-TR" dirty="0"/>
+                  <a:t>n=4 (p</a:t>
+                </a:r>
+                <a:r>
+                  <a:rPr lang="tr-TR" baseline="-25000" dirty="0"/>
+                  <a:t>5</a:t>
+                </a:r>
+                <a:r>
+                  <a:rPr lang="tr-TR" dirty="0"/>
                   <a:t>, p</a:t>
                 </a:r>
                 <a:r>
-                  <a:rPr lang="tr-TR" baseline="-25000" dirty="0" smtClean="0"/>
+                  <a:rPr lang="tr-TR" baseline="-25000" dirty="0"/>
                   <a:t>3</a:t>
                 </a:r>
                 <a:r>
-                  <a:rPr lang="tr-TR" dirty="0" smtClean="0"/>
+                  <a:rPr lang="tr-TR" dirty="0"/>
                   <a:t>, p</a:t>
                 </a:r>
                 <a:r>
-                  <a:rPr lang="tr-TR" baseline="-25000" dirty="0" smtClean="0"/>
+                  <a:rPr lang="tr-TR" baseline="-25000" dirty="0"/>
                   <a:t>4</a:t>
                 </a:r>
                 <a:r>
-                  <a:rPr lang="tr-TR" dirty="0" smtClean="0"/>
+                  <a:rPr lang="tr-TR" dirty="0"/>
                   <a:t>)</a:t>
                 </a:r>
               </a:p>
               <a:p>
                 <a:pPr lvl="1"/>
                 <a:r>
-                  <a:rPr lang="tr-TR" dirty="0" smtClean="0"/>
+                  <a:rPr lang="tr-TR" dirty="0"/>
                   <a:t>n tek ise listeden (n, n+1, n+2) indekslerindeki noktalar seçilir.</a:t>
                 </a:r>
               </a:p>
@@ -5144,34 +5110,18 @@
                 <a:pPr lvl="1"/>
                 <a:r>
                   <a:rPr lang="tr-TR" dirty="0"/>
-                  <a:t>n </a:t>
+                  <a:t>n çift ise listeden (n+1, n, n+2) indekslerindeki noktalar </a:t>
                 </a:r>
                 <a:r>
-                  <a:rPr lang="tr-TR" dirty="0" smtClean="0"/>
-                  <a:t>çift ise listeden (n+1, n, </a:t>
-                </a:r>
-                <a:r>
-                  <a:rPr lang="tr-TR" dirty="0"/>
-                  <a:t>n+2) indekslerindeki </a:t>
-                </a:r>
-                <a:r>
-                  <a:rPr lang="tr-TR" dirty="0" smtClean="0"/>
-                  <a:t>noktalar </a:t>
-                </a:r>
-                <a:r>
-                  <a:rPr lang="tr-TR" smtClean="0"/>
-                  <a:t>seçilir</a:t>
-                </a:r>
-                <a:r>
-                  <a:rPr lang="tr-TR" smtClean="0"/>
-                  <a:t>.</a:t>
+                  <a:rPr lang="tr-TR"/>
+                  <a:t>seçilir.</a:t>
                 </a:r>
                 <a:endParaRPr lang="en-US" dirty="0"/>
               </a:p>
             </p:txBody>
           </p:sp>
         </mc:Choice>
-        <mc:Fallback>
+        <mc:Fallback xmlns="">
           <p:sp>
             <p:nvSpPr>
               <p:cNvPr id="3" name="Not Yer Tutucusu 2"/>
@@ -5505,10 +5455,9 @@
           <a:lstStyle/>
           <a:p>
             <a:r>
-              <a:rPr lang="tr-TR" smtClean="0"/>
+              <a:rPr lang="tr-TR"/>
               <a:t>Asıl başlık stili için tıklatın</a:t>
             </a:r>
-            <a:endParaRPr lang="tr-TR"/>
           </a:p>
         </p:txBody>
       </p:sp>
@@ -5624,10 +5573,9 @@
           </a:lstStyle>
           <a:p>
             <a:r>
-              <a:rPr lang="tr-TR" smtClean="0"/>
+              <a:rPr lang="tr-TR"/>
               <a:t>Asıl alt başlık stilini düzenlemek için tıklatın</a:t>
             </a:r>
-            <a:endParaRPr lang="tr-TR"/>
           </a:p>
         </p:txBody>
       </p:sp>
@@ -5648,7 +5596,7 @@
           <a:p>
             <a:fld id="{A23720DD-5B6D-40BF-8493-A6B52D484E6B}" type="datetimeFigureOut">
               <a:rPr lang="tr-TR" smtClean="0"/>
-              <a:t>28.04.2024</a:t>
+              <a:t>25.05.2024</a:t>
             </a:fld>
             <a:endParaRPr lang="tr-TR"/>
           </a:p>
@@ -5737,10 +5685,9 @@
           <a:lstStyle/>
           <a:p>
             <a:r>
-              <a:rPr lang="tr-TR" smtClean="0"/>
+              <a:rPr lang="tr-TR"/>
               <a:t>Asıl başlık stili için tıklatın</a:t>
             </a:r>
-            <a:endParaRPr lang="tr-TR"/>
           </a:p>
         </p:txBody>
       </p:sp>
@@ -5761,38 +5708,37 @@
           <a:p>
             <a:pPr lvl="0"/>
             <a:r>
-              <a:rPr lang="tr-TR" smtClean="0"/>
+              <a:rPr lang="tr-TR"/>
               <a:t>Asıl metin stillerini düzenlemek için tıklatın</a:t>
             </a:r>
           </a:p>
           <a:p>
             <a:pPr lvl="1"/>
             <a:r>
-              <a:rPr lang="tr-TR" smtClean="0"/>
+              <a:rPr lang="tr-TR"/>
               <a:t>İkinci düzey</a:t>
             </a:r>
           </a:p>
           <a:p>
             <a:pPr lvl="2"/>
             <a:r>
-              <a:rPr lang="tr-TR" smtClean="0"/>
+              <a:rPr lang="tr-TR"/>
               <a:t>Üçüncü düzey</a:t>
             </a:r>
           </a:p>
           <a:p>
             <a:pPr lvl="3"/>
             <a:r>
-              <a:rPr lang="tr-TR" smtClean="0"/>
+              <a:rPr lang="tr-TR"/>
               <a:t>Dördüncü düzey</a:t>
             </a:r>
           </a:p>
           <a:p>
             <a:pPr lvl="4"/>
             <a:r>
-              <a:rPr lang="tr-TR" smtClean="0"/>
+              <a:rPr lang="tr-TR"/>
               <a:t>Beşinci düzey</a:t>
             </a:r>
-            <a:endParaRPr lang="tr-TR"/>
           </a:p>
         </p:txBody>
       </p:sp>
@@ -5813,7 +5759,7 @@
           <a:p>
             <a:fld id="{A23720DD-5B6D-40BF-8493-A6B52D484E6B}" type="datetimeFigureOut">
               <a:rPr lang="tr-TR" smtClean="0"/>
-              <a:t>28.04.2024</a:t>
+              <a:t>25.05.2024</a:t>
             </a:fld>
             <a:endParaRPr lang="tr-TR"/>
           </a:p>
@@ -5907,10 +5853,9 @@
           <a:lstStyle/>
           <a:p>
             <a:r>
-              <a:rPr lang="tr-TR" smtClean="0"/>
+              <a:rPr lang="tr-TR"/>
               <a:t>Asıl başlık stili için tıklatın</a:t>
             </a:r>
-            <a:endParaRPr lang="tr-TR"/>
           </a:p>
         </p:txBody>
       </p:sp>
@@ -5936,38 +5881,37 @@
           <a:p>
             <a:pPr lvl="0"/>
             <a:r>
-              <a:rPr lang="tr-TR" smtClean="0"/>
+              <a:rPr lang="tr-TR"/>
               <a:t>Asıl metin stillerini düzenlemek için tıklatın</a:t>
             </a:r>
           </a:p>
           <a:p>
             <a:pPr lvl="1"/>
             <a:r>
-              <a:rPr lang="tr-TR" smtClean="0"/>
+              <a:rPr lang="tr-TR"/>
               <a:t>İkinci düzey</a:t>
             </a:r>
           </a:p>
           <a:p>
             <a:pPr lvl="2"/>
             <a:r>
-              <a:rPr lang="tr-TR" smtClean="0"/>
+              <a:rPr lang="tr-TR"/>
               <a:t>Üçüncü düzey</a:t>
             </a:r>
           </a:p>
           <a:p>
             <a:pPr lvl="3"/>
             <a:r>
-              <a:rPr lang="tr-TR" smtClean="0"/>
+              <a:rPr lang="tr-TR"/>
               <a:t>Dördüncü düzey</a:t>
             </a:r>
           </a:p>
           <a:p>
             <a:pPr lvl="4"/>
             <a:r>
-              <a:rPr lang="tr-TR" smtClean="0"/>
+              <a:rPr lang="tr-TR"/>
               <a:t>Beşinci düzey</a:t>
             </a:r>
-            <a:endParaRPr lang="tr-TR"/>
           </a:p>
         </p:txBody>
       </p:sp>
@@ -5988,7 +5932,7 @@
           <a:p>
             <a:fld id="{A23720DD-5B6D-40BF-8493-A6B52D484E6B}" type="datetimeFigureOut">
               <a:rPr lang="tr-TR" smtClean="0"/>
-              <a:t>28.04.2024</a:t>
+              <a:t>25.05.2024</a:t>
             </a:fld>
             <a:endParaRPr lang="tr-TR"/>
           </a:p>
@@ -6077,10 +6021,9 @@
           <a:lstStyle/>
           <a:p>
             <a:r>
-              <a:rPr lang="tr-TR" smtClean="0"/>
+              <a:rPr lang="tr-TR"/>
               <a:t>Asıl başlık stili için tıklatın</a:t>
             </a:r>
-            <a:endParaRPr lang="tr-TR"/>
           </a:p>
         </p:txBody>
       </p:sp>
@@ -6101,38 +6044,37 @@
           <a:p>
             <a:pPr lvl="0"/>
             <a:r>
-              <a:rPr lang="tr-TR" smtClean="0"/>
+              <a:rPr lang="tr-TR"/>
               <a:t>Asıl metin stillerini düzenlemek için tıklatın</a:t>
             </a:r>
           </a:p>
           <a:p>
             <a:pPr lvl="1"/>
             <a:r>
-              <a:rPr lang="tr-TR" smtClean="0"/>
+              <a:rPr lang="tr-TR"/>
               <a:t>İkinci düzey</a:t>
             </a:r>
           </a:p>
           <a:p>
             <a:pPr lvl="2"/>
             <a:r>
-              <a:rPr lang="tr-TR" smtClean="0"/>
+              <a:rPr lang="tr-TR"/>
               <a:t>Üçüncü düzey</a:t>
             </a:r>
           </a:p>
           <a:p>
             <a:pPr lvl="3"/>
             <a:r>
-              <a:rPr lang="tr-TR" smtClean="0"/>
+              <a:rPr lang="tr-TR"/>
               <a:t>Dördüncü düzey</a:t>
             </a:r>
           </a:p>
           <a:p>
             <a:pPr lvl="4"/>
             <a:r>
-              <a:rPr lang="tr-TR" smtClean="0"/>
+              <a:rPr lang="tr-TR"/>
               <a:t>Beşinci düzey</a:t>
             </a:r>
-            <a:endParaRPr lang="tr-TR"/>
           </a:p>
         </p:txBody>
       </p:sp>
@@ -6153,7 +6095,7 @@
           <a:p>
             <a:fld id="{A23720DD-5B6D-40BF-8493-A6B52D484E6B}" type="datetimeFigureOut">
               <a:rPr lang="tr-TR" smtClean="0"/>
-              <a:t>28.04.2024</a:t>
+              <a:t>25.05.2024</a:t>
             </a:fld>
             <a:endParaRPr lang="tr-TR"/>
           </a:p>
@@ -6251,10 +6193,9 @@
           </a:lstStyle>
           <a:p>
             <a:r>
-              <a:rPr lang="tr-TR" smtClean="0"/>
+              <a:rPr lang="tr-TR"/>
               <a:t>Asıl başlık stili için tıklatın</a:t>
             </a:r>
-            <a:endParaRPr lang="tr-TR"/>
           </a:p>
         </p:txBody>
       </p:sp>
@@ -6371,7 +6312,7 @@
           <a:p>
             <a:pPr lvl="0"/>
             <a:r>
-              <a:rPr lang="tr-TR" smtClean="0"/>
+              <a:rPr lang="tr-TR"/>
               <a:t>Asıl metin stillerini düzenlemek için tıklatın</a:t>
             </a:r>
           </a:p>
@@ -6394,7 +6335,7 @@
           <a:p>
             <a:fld id="{A23720DD-5B6D-40BF-8493-A6B52D484E6B}" type="datetimeFigureOut">
               <a:rPr lang="tr-TR" smtClean="0"/>
-              <a:t>28.04.2024</a:t>
+              <a:t>25.05.2024</a:t>
             </a:fld>
             <a:endParaRPr lang="tr-TR"/>
           </a:p>
@@ -6483,10 +6424,9 @@
           <a:lstStyle/>
           <a:p>
             <a:r>
-              <a:rPr lang="tr-TR" smtClean="0"/>
+              <a:rPr lang="tr-TR"/>
               <a:t>Asıl başlık stili için tıklatın</a:t>
             </a:r>
-            <a:endParaRPr lang="tr-TR"/>
           </a:p>
         </p:txBody>
       </p:sp>
@@ -6540,38 +6480,37 @@
           <a:p>
             <a:pPr lvl="0"/>
             <a:r>
-              <a:rPr lang="tr-TR" smtClean="0"/>
+              <a:rPr lang="tr-TR"/>
               <a:t>Asıl metin stillerini düzenlemek için tıklatın</a:t>
             </a:r>
           </a:p>
           <a:p>
             <a:pPr lvl="1"/>
             <a:r>
-              <a:rPr lang="tr-TR" smtClean="0"/>
+              <a:rPr lang="tr-TR"/>
               <a:t>İkinci düzey</a:t>
             </a:r>
           </a:p>
           <a:p>
             <a:pPr lvl="2"/>
             <a:r>
-              <a:rPr lang="tr-TR" smtClean="0"/>
+              <a:rPr lang="tr-TR"/>
               <a:t>Üçüncü düzey</a:t>
             </a:r>
           </a:p>
           <a:p>
             <a:pPr lvl="3"/>
             <a:r>
-              <a:rPr lang="tr-TR" smtClean="0"/>
+              <a:rPr lang="tr-TR"/>
               <a:t>Dördüncü düzey</a:t>
             </a:r>
           </a:p>
           <a:p>
             <a:pPr lvl="4"/>
             <a:r>
-              <a:rPr lang="tr-TR" smtClean="0"/>
+              <a:rPr lang="tr-TR"/>
               <a:t>Beşinci düzey</a:t>
             </a:r>
-            <a:endParaRPr lang="tr-TR"/>
           </a:p>
         </p:txBody>
       </p:sp>
@@ -6625,38 +6564,37 @@
           <a:p>
             <a:pPr lvl="0"/>
             <a:r>
-              <a:rPr lang="tr-TR" smtClean="0"/>
+              <a:rPr lang="tr-TR"/>
               <a:t>Asıl metin stillerini düzenlemek için tıklatın</a:t>
             </a:r>
           </a:p>
           <a:p>
             <a:pPr lvl="1"/>
             <a:r>
-              <a:rPr lang="tr-TR" smtClean="0"/>
+              <a:rPr lang="tr-TR"/>
               <a:t>İkinci düzey</a:t>
             </a:r>
           </a:p>
           <a:p>
             <a:pPr lvl="2"/>
             <a:r>
-              <a:rPr lang="tr-TR" smtClean="0"/>
+              <a:rPr lang="tr-TR"/>
               <a:t>Üçüncü düzey</a:t>
             </a:r>
           </a:p>
           <a:p>
             <a:pPr lvl="3"/>
             <a:r>
-              <a:rPr lang="tr-TR" smtClean="0"/>
+              <a:rPr lang="tr-TR"/>
               <a:t>Dördüncü düzey</a:t>
             </a:r>
           </a:p>
           <a:p>
             <a:pPr lvl="4"/>
             <a:r>
-              <a:rPr lang="tr-TR" smtClean="0"/>
+              <a:rPr lang="tr-TR"/>
               <a:t>Beşinci düzey</a:t>
             </a:r>
-            <a:endParaRPr lang="tr-TR"/>
           </a:p>
         </p:txBody>
       </p:sp>
@@ -6677,7 +6615,7 @@
           <a:p>
             <a:fld id="{A23720DD-5B6D-40BF-8493-A6B52D484E6B}" type="datetimeFigureOut">
               <a:rPr lang="tr-TR" smtClean="0"/>
-              <a:t>28.04.2024</a:t>
+              <a:t>25.05.2024</a:t>
             </a:fld>
             <a:endParaRPr lang="tr-TR"/>
           </a:p>
@@ -6770,10 +6708,9 @@
           </a:lstStyle>
           <a:p>
             <a:r>
-              <a:rPr lang="tr-TR" smtClean="0"/>
+              <a:rPr lang="tr-TR"/>
               <a:t>Asıl başlık stili için tıklatın</a:t>
             </a:r>
-            <a:endParaRPr lang="tr-TR"/>
           </a:p>
         </p:txBody>
       </p:sp>
@@ -6836,7 +6773,7 @@
           <a:p>
             <a:pPr lvl="0"/>
             <a:r>
-              <a:rPr lang="tr-TR" smtClean="0"/>
+              <a:rPr lang="tr-TR"/>
               <a:t>Asıl metin stillerini düzenlemek için tıklatın</a:t>
             </a:r>
           </a:p>
@@ -6892,38 +6829,37 @@
           <a:p>
             <a:pPr lvl="0"/>
             <a:r>
-              <a:rPr lang="tr-TR" smtClean="0"/>
+              <a:rPr lang="tr-TR"/>
               <a:t>Asıl metin stillerini düzenlemek için tıklatın</a:t>
             </a:r>
           </a:p>
           <a:p>
             <a:pPr lvl="1"/>
             <a:r>
-              <a:rPr lang="tr-TR" smtClean="0"/>
+              <a:rPr lang="tr-TR"/>
               <a:t>İkinci düzey</a:t>
             </a:r>
           </a:p>
           <a:p>
             <a:pPr lvl="2"/>
             <a:r>
-              <a:rPr lang="tr-TR" smtClean="0"/>
+              <a:rPr lang="tr-TR"/>
               <a:t>Üçüncü düzey</a:t>
             </a:r>
           </a:p>
           <a:p>
             <a:pPr lvl="3"/>
             <a:r>
-              <a:rPr lang="tr-TR" smtClean="0"/>
+              <a:rPr lang="tr-TR"/>
               <a:t>Dördüncü düzey</a:t>
             </a:r>
           </a:p>
           <a:p>
             <a:pPr lvl="4"/>
             <a:r>
-              <a:rPr lang="tr-TR" smtClean="0"/>
+              <a:rPr lang="tr-TR"/>
               <a:t>Beşinci düzey</a:t>
             </a:r>
-            <a:endParaRPr lang="tr-TR"/>
           </a:p>
         </p:txBody>
       </p:sp>
@@ -6986,7 +6922,7 @@
           <a:p>
             <a:pPr lvl="0"/>
             <a:r>
-              <a:rPr lang="tr-TR" smtClean="0"/>
+              <a:rPr lang="tr-TR"/>
               <a:t>Asıl metin stillerini düzenlemek için tıklatın</a:t>
             </a:r>
           </a:p>
@@ -7042,38 +6978,37 @@
           <a:p>
             <a:pPr lvl="0"/>
             <a:r>
-              <a:rPr lang="tr-TR" smtClean="0"/>
+              <a:rPr lang="tr-TR"/>
               <a:t>Asıl metin stillerini düzenlemek için tıklatın</a:t>
             </a:r>
           </a:p>
           <a:p>
             <a:pPr lvl="1"/>
             <a:r>
-              <a:rPr lang="tr-TR" smtClean="0"/>
+              <a:rPr lang="tr-TR"/>
               <a:t>İkinci düzey</a:t>
             </a:r>
           </a:p>
           <a:p>
             <a:pPr lvl="2"/>
             <a:r>
-              <a:rPr lang="tr-TR" smtClean="0"/>
+              <a:rPr lang="tr-TR"/>
               <a:t>Üçüncü düzey</a:t>
             </a:r>
           </a:p>
           <a:p>
             <a:pPr lvl="3"/>
             <a:r>
-              <a:rPr lang="tr-TR" smtClean="0"/>
+              <a:rPr lang="tr-TR"/>
               <a:t>Dördüncü düzey</a:t>
             </a:r>
           </a:p>
           <a:p>
             <a:pPr lvl="4"/>
             <a:r>
-              <a:rPr lang="tr-TR" smtClean="0"/>
+              <a:rPr lang="tr-TR"/>
               <a:t>Beşinci düzey</a:t>
             </a:r>
-            <a:endParaRPr lang="tr-TR"/>
           </a:p>
         </p:txBody>
       </p:sp>
@@ -7094,7 +7029,7 @@
           <a:p>
             <a:fld id="{A23720DD-5B6D-40BF-8493-A6B52D484E6B}" type="datetimeFigureOut">
               <a:rPr lang="tr-TR" smtClean="0"/>
-              <a:t>28.04.2024</a:t>
+              <a:t>25.05.2024</a:t>
             </a:fld>
             <a:endParaRPr lang="tr-TR"/>
           </a:p>
@@ -7183,10 +7118,9 @@
           <a:lstStyle/>
           <a:p>
             <a:r>
-              <a:rPr lang="tr-TR" smtClean="0"/>
+              <a:rPr lang="tr-TR"/>
               <a:t>Asıl başlık stili için tıklatın</a:t>
             </a:r>
-            <a:endParaRPr lang="tr-TR"/>
           </a:p>
         </p:txBody>
       </p:sp>
@@ -7207,7 +7141,7 @@
           <a:p>
             <a:fld id="{A23720DD-5B6D-40BF-8493-A6B52D484E6B}" type="datetimeFigureOut">
               <a:rPr lang="tr-TR" smtClean="0"/>
-              <a:t>28.04.2024</a:t>
+              <a:t>25.05.2024</a:t>
             </a:fld>
             <a:endParaRPr lang="tr-TR"/>
           </a:p>
@@ -7297,7 +7231,7 @@
           <a:p>
             <a:fld id="{A23720DD-5B6D-40BF-8493-A6B52D484E6B}" type="datetimeFigureOut">
               <a:rPr lang="tr-TR" smtClean="0"/>
-              <a:t>28.04.2024</a:t>
+              <a:t>25.05.2024</a:t>
             </a:fld>
             <a:endParaRPr lang="tr-TR"/>
           </a:p>
@@ -7395,10 +7329,9 @@
           </a:lstStyle>
           <a:p>
             <a:r>
-              <a:rPr lang="tr-TR" smtClean="0"/>
+              <a:rPr lang="tr-TR"/>
               <a:t>Asıl başlık stili için tıklatın</a:t>
             </a:r>
-            <a:endParaRPr lang="tr-TR"/>
           </a:p>
         </p:txBody>
       </p:sp>
@@ -7452,38 +7385,37 @@
           <a:p>
             <a:pPr lvl="0"/>
             <a:r>
-              <a:rPr lang="tr-TR" smtClean="0"/>
+              <a:rPr lang="tr-TR"/>
               <a:t>Asıl metin stillerini düzenlemek için tıklatın</a:t>
             </a:r>
           </a:p>
           <a:p>
             <a:pPr lvl="1"/>
             <a:r>
-              <a:rPr lang="tr-TR" smtClean="0"/>
+              <a:rPr lang="tr-TR"/>
               <a:t>İkinci düzey</a:t>
             </a:r>
           </a:p>
           <a:p>
             <a:pPr lvl="2"/>
             <a:r>
-              <a:rPr lang="tr-TR" smtClean="0"/>
+              <a:rPr lang="tr-TR"/>
               <a:t>Üçüncü düzey</a:t>
             </a:r>
           </a:p>
           <a:p>
             <a:pPr lvl="3"/>
             <a:r>
-              <a:rPr lang="tr-TR" smtClean="0"/>
+              <a:rPr lang="tr-TR"/>
               <a:t>Dördüncü düzey</a:t>
             </a:r>
           </a:p>
           <a:p>
             <a:pPr lvl="4"/>
             <a:r>
-              <a:rPr lang="tr-TR" smtClean="0"/>
+              <a:rPr lang="tr-TR"/>
               <a:t>Beşinci düzey</a:t>
             </a:r>
-            <a:endParaRPr lang="tr-TR"/>
           </a:p>
         </p:txBody>
       </p:sp>
@@ -7546,7 +7478,7 @@
           <a:p>
             <a:pPr lvl="0"/>
             <a:r>
-              <a:rPr lang="tr-TR" smtClean="0"/>
+              <a:rPr lang="tr-TR"/>
               <a:t>Asıl metin stillerini düzenlemek için tıklatın</a:t>
             </a:r>
           </a:p>
@@ -7569,7 +7501,7 @@
           <a:p>
             <a:fld id="{A23720DD-5B6D-40BF-8493-A6B52D484E6B}" type="datetimeFigureOut">
               <a:rPr lang="tr-TR" smtClean="0"/>
-              <a:t>28.04.2024</a:t>
+              <a:t>25.05.2024</a:t>
             </a:fld>
             <a:endParaRPr lang="tr-TR"/>
           </a:p>
@@ -7667,10 +7599,9 @@
           </a:lstStyle>
           <a:p>
             <a:r>
-              <a:rPr lang="tr-TR" smtClean="0"/>
+              <a:rPr lang="tr-TR"/>
               <a:t>Asıl başlık stili için tıklatın</a:t>
             </a:r>
-            <a:endParaRPr lang="tr-TR"/>
           </a:p>
         </p:txBody>
       </p:sp>
@@ -7794,7 +7725,7 @@
           <a:p>
             <a:pPr lvl="0"/>
             <a:r>
-              <a:rPr lang="tr-TR" smtClean="0"/>
+              <a:rPr lang="tr-TR"/>
               <a:t>Asıl metin stillerini düzenlemek için tıklatın</a:t>
             </a:r>
           </a:p>
@@ -7817,7 +7748,7 @@
           <a:p>
             <a:fld id="{A23720DD-5B6D-40BF-8493-A6B52D484E6B}" type="datetimeFigureOut">
               <a:rPr lang="tr-TR" smtClean="0"/>
-              <a:t>28.04.2024</a:t>
+              <a:t>25.05.2024</a:t>
             </a:fld>
             <a:endParaRPr lang="tr-TR"/>
           </a:p>
@@ -7921,10 +7852,9 @@
           <a:lstStyle/>
           <a:p>
             <a:r>
-              <a:rPr lang="tr-TR" smtClean="0"/>
+              <a:rPr lang="tr-TR"/>
               <a:t>Asıl başlık stili için tıklatın</a:t>
             </a:r>
-            <a:endParaRPr lang="tr-TR"/>
           </a:p>
         </p:txBody>
       </p:sp>
@@ -7955,38 +7885,37 @@
           <a:p>
             <a:pPr lvl="0"/>
             <a:r>
-              <a:rPr lang="tr-TR" smtClean="0"/>
+              <a:rPr lang="tr-TR"/>
               <a:t>Asıl metin stillerini düzenlemek için tıklatın</a:t>
             </a:r>
           </a:p>
           <a:p>
             <a:pPr lvl="1"/>
             <a:r>
-              <a:rPr lang="tr-TR" smtClean="0"/>
+              <a:rPr lang="tr-TR"/>
               <a:t>İkinci düzey</a:t>
             </a:r>
           </a:p>
           <a:p>
             <a:pPr lvl="2"/>
             <a:r>
-              <a:rPr lang="tr-TR" smtClean="0"/>
+              <a:rPr lang="tr-TR"/>
               <a:t>Üçüncü düzey</a:t>
             </a:r>
           </a:p>
           <a:p>
             <a:pPr lvl="3"/>
             <a:r>
-              <a:rPr lang="tr-TR" smtClean="0"/>
+              <a:rPr lang="tr-TR"/>
               <a:t>Dördüncü düzey</a:t>
             </a:r>
           </a:p>
           <a:p>
             <a:pPr lvl="4"/>
             <a:r>
-              <a:rPr lang="tr-TR" smtClean="0"/>
+              <a:rPr lang="tr-TR"/>
               <a:t>Beşinci düzey</a:t>
             </a:r>
-            <a:endParaRPr lang="tr-TR"/>
           </a:p>
         </p:txBody>
       </p:sp>
@@ -8025,7 +7954,7 @@
           <a:p>
             <a:fld id="{A23720DD-5B6D-40BF-8493-A6B52D484E6B}" type="datetimeFigureOut">
               <a:rPr lang="tr-TR" smtClean="0"/>
-              <a:t>28.04.2024</a:t>
+              <a:t>25.05.2024</a:t>
             </a:fld>
             <a:endParaRPr lang="tr-TR"/>
           </a:p>
@@ -8410,7 +8339,7 @@
           <a:bodyPr/>
           <a:lstStyle/>
           <a:p>
-            <a:endParaRPr lang="tr-TR" b="1" dirty="0" smtClean="0">
+            <a:endParaRPr lang="tr-TR" b="1" dirty="0">
               <a:solidFill>
                 <a:schemeClr val="tx1">
                   <a:lumMod val="75000"/>
@@ -8421,7 +8350,7 @@
           </a:p>
           <a:p>
             <a:r>
-              <a:rPr lang="tr-TR" b="1" smtClean="0">
+              <a:rPr lang="tr-TR" b="1">
                 <a:solidFill>
                   <a:schemeClr val="tx1">
                     <a:lumMod val="75000"/>
@@ -8512,7 +8441,7 @@
               <a:t>BMB </a:t>
             </a:r>
             <a:r>
-              <a:rPr lang="tr-TR" b="1" smtClean="0">
+              <a:rPr lang="tr-TR" b="1">
                 <a:solidFill>
                   <a:schemeClr val="tx1">
                     <a:lumMod val="75000"/>
@@ -8523,7 +8452,7 @@
               <a:t>30</a:t>
             </a:r>
             <a:r>
-              <a:rPr lang="en-US" b="1" smtClean="0">
+              <a:rPr lang="en-US" b="1">
                 <a:solidFill>
                   <a:schemeClr val="tx1">
                     <a:lumMod val="75000"/>
@@ -8533,7 +8462,7 @@
               </a:rPr>
               <a:t>22</a:t>
             </a:r>
-            <a:r>
+            <a:br>
               <a:rPr lang="en-US" b="1" dirty="0">
                 <a:solidFill>
                   <a:schemeClr val="tx1">
@@ -8542,10 +8471,9 @@
                   </a:schemeClr>
                 </a:solidFill>
               </a:rPr>
-              <a:t/>
-            </a:r>
-            <a:br>
-              <a:rPr lang="en-US" b="1" dirty="0">
+            </a:br>
+            <a:r>
+              <a:rPr lang="tr-TR" dirty="0">
                 <a:solidFill>
                   <a:schemeClr val="tx1">
                     <a:lumMod val="75000"/>
@@ -8553,16 +8481,6 @@
                   </a:schemeClr>
                 </a:solidFill>
               </a:rPr>
-            </a:br>
-            <a:r>
-              <a:rPr lang="tr-TR" dirty="0">
-                <a:solidFill>
-                  <a:schemeClr val="tx1">
-                    <a:lumMod val="75000"/>
-                    <a:lumOff val="25000"/>
-                  </a:schemeClr>
-                </a:solidFill>
-              </a:rPr>
               <a:t>BİLGİSAYAR</a:t>
             </a:r>
             <a:r>
@@ -8576,7 +8494,7 @@
               <a:t> </a:t>
             </a:r>
             <a:r>
-              <a:rPr lang="tr-TR" dirty="0" smtClean="0">
+              <a:rPr lang="tr-TR" dirty="0">
                 <a:solidFill>
                   <a:schemeClr val="tx1">
                     <a:lumMod val="75000"/>
@@ -8600,13 +8518,6 @@
   <p:clrMapOvr>
     <a:masterClrMapping/>
   </p:clrMapOvr>
-  <p:timing>
-    <p:tnLst>
-      <p:par>
-        <p:cTn id="1" dur="indefinite" restart="never" nodeType="tmRoot"/>
-      </p:par>
-    </p:tnLst>
-  </p:timing>
 </p:sld>
 </file>
 
@@ -8646,10 +8557,10 @@
           <a:p>
             <a:pPr eaLnBrk="1" hangingPunct="1"/>
             <a:r>
-              <a:rPr lang="tr-TR" dirty="0" smtClean="0"/>
+              <a:rPr lang="tr-TR" dirty="0"/>
               <a:t>Geometrik Süreklilik Koşulları</a:t>
             </a:r>
-            <a:endParaRPr lang="en-US" dirty="0" smtClean="0"/>
+            <a:endParaRPr lang="en-US" dirty="0"/>
           </a:p>
         </p:txBody>
       </p:sp>
@@ -8733,14 +8644,14 @@
               </a:lnSpc>
             </a:pPr>
             <a:r>
-              <a:rPr lang="tr-TR" dirty="0" smtClean="0"/>
+              <a:rPr lang="tr-TR" dirty="0"/>
               <a:t>Geometrik süreklilikte türevlerin birbirine eşit olması şartı aranmaz</a:t>
             </a:r>
             <a:r>
-              <a:rPr lang="tr-TR" smtClean="0"/>
+              <a:rPr lang="tr-TR"/>
               <a:t>. </a:t>
             </a:r>
-            <a:endParaRPr lang="en-US" smtClean="0"/>
+            <a:endParaRPr lang="en-US"/>
           </a:p>
           <a:p>
             <a:pPr lvl="1">
@@ -8749,11 +8660,11 @@
               </a:lnSpc>
             </a:pPr>
             <a:r>
-              <a:rPr lang="tr-TR" smtClean="0"/>
+              <a:rPr lang="tr-TR"/>
               <a:t>Sadece </a:t>
             </a:r>
             <a:r>
-              <a:rPr lang="tr-TR" dirty="0" smtClean="0"/>
+              <a:rPr lang="tr-TR" dirty="0"/>
               <a:t>tanjant vektörlerinin yönünün aynı olması yeterlidir.</a:t>
             </a:r>
           </a:p>
@@ -8764,51 +8675,51 @@
               </a:lnSpc>
             </a:pPr>
             <a:r>
-              <a:rPr lang="tr-TR" dirty="0" smtClean="0"/>
+              <a:rPr lang="tr-TR" dirty="0"/>
               <a:t>G</a:t>
             </a:r>
             <a:r>
-              <a:rPr lang="tr-TR" baseline="30000" dirty="0" smtClean="0"/>
+              <a:rPr lang="tr-TR" baseline="30000" dirty="0"/>
               <a:t>0</a:t>
             </a:r>
             <a:r>
-              <a:rPr lang="tr-TR" dirty="0" smtClean="0"/>
+              <a:rPr lang="tr-TR" dirty="0"/>
               <a:t> sürekliliği </a:t>
             </a:r>
             <a:r>
-              <a:rPr lang="tr-TR" smtClean="0"/>
+              <a:rPr lang="tr-TR"/>
               <a:t>C</a:t>
             </a:r>
             <a:r>
-              <a:rPr lang="tr-TR" baseline="30000" smtClean="0"/>
+              <a:rPr lang="tr-TR" baseline="30000"/>
               <a:t>0 </a:t>
             </a:r>
             <a:r>
-              <a:rPr lang="en-US" smtClean="0"/>
+              <a:rPr lang="en-US"/>
               <a:t> ile a</a:t>
             </a:r>
             <a:r>
-              <a:rPr lang="tr-TR" smtClean="0"/>
+              <a:rPr lang="tr-TR"/>
               <a:t>ynı </a:t>
             </a:r>
             <a:r>
-              <a:rPr lang="tr-TR" dirty="0" smtClean="0"/>
+              <a:rPr lang="tr-TR" dirty="0"/>
               <a:t>olup G</a:t>
             </a:r>
             <a:r>
-              <a:rPr lang="tr-TR" baseline="30000" dirty="0" smtClean="0"/>
+              <a:rPr lang="tr-TR" baseline="30000" dirty="0"/>
               <a:t>1</a:t>
             </a:r>
             <a:r>
-              <a:rPr lang="tr-TR" dirty="0" smtClean="0"/>
+              <a:rPr lang="tr-TR" dirty="0"/>
               <a:t> ve G</a:t>
             </a:r>
             <a:r>
-              <a:rPr lang="tr-TR" baseline="30000" dirty="0" smtClean="0"/>
+              <a:rPr lang="tr-TR" baseline="30000" dirty="0"/>
               <a:t>2 </a:t>
             </a:r>
             <a:r>
-              <a:rPr lang="tr-TR" dirty="0" smtClean="0"/>
+              <a:rPr lang="tr-TR" dirty="0"/>
               <a:t>süreklilikleri için birinci ve ikinci derecen türevlerin belirli bir oranda olması gerekir. </a:t>
             </a:r>
           </a:p>
@@ -8819,23 +8730,23 @@
               </a:lnSpc>
             </a:pPr>
             <a:r>
-              <a:rPr lang="tr-TR" dirty="0" smtClean="0"/>
+              <a:rPr lang="tr-TR" dirty="0"/>
               <a:t>Üç kontrol noktasına uydurulmuş iki </a:t>
             </a:r>
             <a:r>
-              <a:rPr lang="tr-TR" smtClean="0"/>
+              <a:rPr lang="tr-TR"/>
               <a:t>eğri </a:t>
             </a:r>
             <a:r>
-              <a:rPr lang="en-US" smtClean="0"/>
+              <a:rPr lang="en-US"/>
               <a:t>parçası</a:t>
             </a:r>
             <a:r>
-              <a:rPr lang="tr-TR" smtClean="0"/>
+              <a:rPr lang="tr-TR"/>
               <a:t> </a:t>
             </a:r>
             <a:r>
-              <a:rPr lang="tr-TR" dirty="0" smtClean="0"/>
+              <a:rPr lang="tr-TR" dirty="0"/>
               <a:t>için</a:t>
             </a:r>
           </a:p>
@@ -8848,7 +8759,7 @@
               <a:buAutoNum type="alphaLcParenR"/>
             </a:pPr>
             <a:r>
-              <a:rPr lang="tr-TR" dirty="0" smtClean="0"/>
+              <a:rPr lang="tr-TR" dirty="0"/>
               <a:t>Parametrik süreklilik koşulu sağlanmıştır.</a:t>
             </a:r>
           </a:p>
@@ -8861,16 +8772,8 @@
               <a:buAutoNum type="alphaLcParenR"/>
             </a:pPr>
             <a:r>
-              <a:rPr lang="tr-TR" dirty="0" smtClean="0"/>
-              <a:t>Geometrik süreklilik </a:t>
-            </a:r>
-            <a:r>
               <a:rPr lang="tr-TR" dirty="0"/>
-              <a:t>koşulu </a:t>
-            </a:r>
-            <a:r>
-              <a:rPr lang="tr-TR" dirty="0" smtClean="0"/>
-              <a:t>sağlanmıştır.</a:t>
+              <a:t>Geometrik süreklilik koşulu sağlanmıştır.</a:t>
             </a:r>
           </a:p>
           <a:p>
@@ -8880,40 +8783,16 @@
               </a:lnSpc>
             </a:pPr>
             <a:r>
-              <a:rPr lang="tr-TR" dirty="0" smtClean="0"/>
+              <a:rPr lang="tr-TR" dirty="0"/>
               <a:t>Geometrik süreklilikte C</a:t>
             </a:r>
             <a:r>
-              <a:rPr lang="tr-TR" baseline="-25000" dirty="0" smtClean="0"/>
+              <a:rPr lang="tr-TR" baseline="-25000" dirty="0"/>
               <a:t>3</a:t>
             </a:r>
             <a:r>
-              <a:rPr lang="tr-TR" dirty="0" smtClean="0"/>
+              <a:rPr lang="tr-TR" dirty="0"/>
               <a:t> eğrisinin </a:t>
-            </a:r>
-            <a:r>
-              <a:rPr lang="en-US" dirty="0" smtClean="0"/>
-              <a:t>P</a:t>
-            </a:r>
-            <a:r>
-              <a:rPr lang="en-US" baseline="-25000" dirty="0" smtClean="0"/>
-              <a:t>1 </a:t>
-            </a:r>
-            <a:r>
-              <a:rPr lang="tr-TR" dirty="0" smtClean="0"/>
-              <a:t>noktasındaki tanjant vektörü C</a:t>
-            </a:r>
-            <a:r>
-              <a:rPr lang="tr-TR" baseline="-25000" dirty="0" smtClean="0"/>
-              <a:t>1</a:t>
-            </a:r>
-            <a:r>
-              <a:rPr lang="tr-TR" dirty="0" smtClean="0"/>
-              <a:t> </a:t>
-            </a:r>
-            <a:r>
-              <a:rPr lang="tr-TR" dirty="0"/>
-              <a:t>eğrisinin </a:t>
             </a:r>
             <a:r>
               <a:rPr lang="en-US" dirty="0"/>
@@ -8925,13 +8804,28 @@
             </a:r>
             <a:r>
               <a:rPr lang="tr-TR" dirty="0"/>
-              <a:t>noktasındaki tanjant </a:t>
-            </a:r>
-            <a:r>
-              <a:rPr lang="tr-TR" dirty="0" smtClean="0"/>
-              <a:t>vektöründen daha büyüktür.</a:t>
-            </a:r>
-            <a:endParaRPr lang="tr-TR" dirty="0"/>
+              <a:t>noktasındaki tanjant vektörü C</a:t>
+            </a:r>
+            <a:r>
+              <a:rPr lang="tr-TR" baseline="-25000" dirty="0"/>
+              <a:t>1</a:t>
+            </a:r>
+            <a:r>
+              <a:rPr lang="tr-TR" dirty="0"/>
+              <a:t> eğrisinin </a:t>
+            </a:r>
+            <a:r>
+              <a:rPr lang="en-US" dirty="0"/>
+              <a:t>P</a:t>
+            </a:r>
+            <a:r>
+              <a:rPr lang="en-US" baseline="-25000" dirty="0"/>
+              <a:t>1 </a:t>
+            </a:r>
+            <a:r>
+              <a:rPr lang="tr-TR" dirty="0"/>
+              <a:t>noktasındaki tanjant vektöründen daha büyüktür.</a:t>
+            </a:r>
           </a:p>
         </p:txBody>
       </p:sp>
@@ -9077,13 +8971,6 @@
   <p:clrMapOvr>
     <a:masterClrMapping/>
   </p:clrMapOvr>
-  <p:timing>
-    <p:tnLst>
-      <p:par>
-        <p:cTn id="1" dur="indefinite" restart="never" nodeType="tmRoot"/>
-      </p:par>
-    </p:tnLst>
-  </p:timing>
 </p:sld>
 </file>
 
@@ -9123,18 +9010,18 @@
           <a:p>
             <a:pPr eaLnBrk="1" hangingPunct="1"/>
             <a:r>
-              <a:rPr lang="tr-TR" dirty="0" smtClean="0"/>
+              <a:rPr lang="tr-TR" dirty="0"/>
               <a:t>Kübik Şeritler </a:t>
             </a:r>
             <a:r>
-              <a:rPr lang="tr-TR" dirty="0" err="1" smtClean="0"/>
+              <a:rPr lang="tr-TR" dirty="0" err="1"/>
               <a:t>Polinom</a:t>
             </a:r>
             <a:r>
-              <a:rPr lang="tr-TR" dirty="0" smtClean="0"/>
+              <a:rPr lang="tr-TR" dirty="0"/>
               <a:t> Temsili </a:t>
             </a:r>
-            <a:endParaRPr lang="en-US" dirty="0" smtClean="0"/>
+            <a:endParaRPr lang="en-US" dirty="0"/>
           </a:p>
         </p:txBody>
       </p:sp>
@@ -9168,23 +9055,19 @@
                   </a:lnSpc>
                 </a:pPr>
                 <a:r>
-                  <a:rPr lang="tr-TR" dirty="0" smtClean="0"/>
+                  <a:rPr lang="tr-TR" dirty="0"/>
                   <a:t>Parçalı sürekli bir kübik şerit </a:t>
                 </a:r>
                 <a:r>
-                  <a:rPr lang="en-US" i="1" dirty="0" smtClean="0"/>
+                  <a:rPr lang="en-US" i="1" dirty="0"/>
                   <a:t>n</a:t>
                 </a:r>
                 <a:r>
-                  <a:rPr lang="en-US" dirty="0" smtClean="0"/>
-                  <a:t> </a:t>
+                  <a:rPr lang="en-US" dirty="0"/>
+                  <a:t> + 1 </a:t>
                 </a:r>
                 <a:r>
-                  <a:rPr lang="en-US" dirty="0"/>
-                  <a:t>+ 1 </a:t>
-                </a:r>
-                <a:r>
-                  <a:rPr lang="tr-TR" dirty="0" smtClean="0"/>
+                  <a:rPr lang="tr-TR" dirty="0"/>
                   <a:t>kontrol noktası ile ara değerlenmiştir.</a:t>
                 </a:r>
               </a:p>
@@ -9195,15 +9078,15 @@
                   </a:lnSpc>
                 </a:pPr>
                 <a:r>
-                  <a:rPr lang="tr-TR" dirty="0" smtClean="0"/>
+                  <a:rPr lang="tr-TR" dirty="0"/>
                   <a:t>Şeritteki her bir kesim kübik </a:t>
                 </a:r>
                 <a:r>
-                  <a:rPr lang="tr-TR" dirty="0" err="1" smtClean="0"/>
+                  <a:rPr lang="tr-TR" dirty="0" err="1"/>
                   <a:t>polinomlarla</a:t>
                 </a:r>
                 <a:r>
-                  <a:rPr lang="tr-TR" dirty="0" smtClean="0"/>
+                  <a:rPr lang="tr-TR" dirty="0"/>
                   <a:t> tanımlanabilir.</a:t>
                 </a:r>
               </a:p>
@@ -9215,7 +9098,7 @@
                   <a:buNone/>
                 </a:pPr>
                 <a:r>
-                  <a:rPr lang="tr-TR" dirty="0" smtClean="0"/>
+                  <a:rPr lang="tr-TR" dirty="0"/>
                   <a:t> </a:t>
                 </a:r>
                 <a14:m>
@@ -9263,7 +9146,7 @@
                     </m:r>
                   </m:oMath>
                 </a14:m>
-                <a:endParaRPr lang="tr-TR" dirty="0" smtClean="0"/>
+                <a:endParaRPr lang="tr-TR" dirty="0"/>
               </a:p>
             </p:txBody>
           </p:sp>
@@ -9445,11 +9328,11 @@
           <a:lstStyle/>
           <a:p>
             <a:r>
-              <a:rPr lang="tr-TR" b="1" smtClean="0"/>
+              <a:rPr lang="tr-TR" b="1"/>
               <a:t>P</a:t>
             </a:r>
             <a:r>
-              <a:rPr lang="tr-TR" smtClean="0"/>
+              <a:rPr lang="tr-TR"/>
               <a:t>(u)</a:t>
             </a:r>
             <a:endParaRPr lang="tr-TR" dirty="0"/>
@@ -9479,19 +9362,19 @@
           <a:lstStyle/>
           <a:p>
             <a:r>
-              <a:rPr lang="en-US" b="1" smtClean="0"/>
+              <a:rPr lang="en-US" b="1"/>
               <a:t>Q</a:t>
             </a:r>
             <a:r>
-              <a:rPr lang="tr-TR" smtClean="0"/>
+              <a:rPr lang="tr-TR"/>
               <a:t>(</a:t>
             </a:r>
             <a:r>
-              <a:rPr lang="en-US" smtClean="0"/>
+              <a:rPr lang="en-US"/>
               <a:t>v</a:t>
             </a:r>
             <a:r>
-              <a:rPr lang="tr-TR" smtClean="0"/>
+              <a:rPr lang="tr-TR"/>
               <a:t>)</a:t>
             </a:r>
             <a:endParaRPr lang="tr-TR" dirty="0"/>
@@ -9525,15 +9408,15 @@
               <a:t>R</a:t>
             </a:r>
             <a:r>
-              <a:rPr lang="tr-TR" smtClean="0"/>
+              <a:rPr lang="tr-TR"/>
               <a:t>(</a:t>
             </a:r>
             <a:r>
-              <a:rPr lang="en-US" smtClean="0"/>
+              <a:rPr lang="en-US"/>
               <a:t>y</a:t>
             </a:r>
             <a:r>
-              <a:rPr lang="tr-TR" smtClean="0"/>
+              <a:rPr lang="tr-TR"/>
               <a:t>)</a:t>
             </a:r>
             <a:endParaRPr lang="tr-TR" dirty="0"/>
@@ -9550,13 +9433,6 @@
   <p:clrMapOvr>
     <a:masterClrMapping/>
   </p:clrMapOvr>
-  <p:timing>
-    <p:tnLst>
-      <p:par>
-        <p:cTn id="1" dur="indefinite" restart="never" nodeType="tmRoot"/>
-      </p:par>
-    </p:tnLst>
-  </p:timing>
 </p:sld>
 </file>
 
@@ -9676,21 +9552,13 @@
                 </a:r>
                 <a:r>
                   <a:rPr lang="tr-TR"/>
-                  <a:t>sınır </a:t>
-                </a:r>
-                <a:r>
-                  <a:rPr lang="tr-TR" smtClean="0"/>
-                  <a:t>durumlar </a:t>
+                  <a:t>sınır durumlar </a:t>
                 </a:r>
                 <a:r>
                   <a:rPr lang="tr-TR" dirty="0"/>
-                  <a:t>ifade edilebilir</a:t>
+                  <a:t>ifade edilebilir.</a:t>
                 </a:r>
-                <a:r>
-                  <a:rPr lang="tr-TR" dirty="0" smtClean="0"/>
-                  <a:t>.</a:t>
-                </a:r>
-                <a:endParaRPr lang="tr-TR" i="1" dirty="0" smtClean="0">
+                <a:endParaRPr lang="tr-TR" i="1" dirty="0">
                   <a:latin typeface="Cambria Math"/>
                 </a:endParaRPr>
               </a:p>
@@ -9746,7 +9614,7 @@
                     </m:r>
                   </m:oMath>
                 </a14:m>
-                <a:endParaRPr lang="tr-TR" i="1" dirty="0" smtClean="0">
+                <a:endParaRPr lang="tr-TR" i="1" dirty="0">
                   <a:latin typeface="Cambria Math"/>
                 </a:endParaRPr>
               </a:p>
@@ -9776,7 +9644,7 @@
                   </m:oMath>
                 </a14:m>
                 <a:r>
-                  <a:rPr lang="tr-TR" dirty="0" smtClean="0"/>
+                  <a:rPr lang="tr-TR" dirty="0"/>
                   <a:t>parametrelerin üssü vektörü</a:t>
                 </a:r>
               </a:p>
@@ -9806,7 +9674,7 @@
                   </m:oMath>
                 </a14:m>
                 <a:r>
-                  <a:rPr lang="tr-TR" dirty="0" smtClean="0"/>
+                  <a:rPr lang="tr-TR" dirty="0"/>
                   <a:t>Katsayılar matrisi</a:t>
                 </a:r>
               </a:p>
@@ -9817,7 +9685,7 @@
                   </a:lnSpc>
                   <a:buNone/>
                 </a:pPr>
-                <a:endParaRPr lang="tr-TR" b="1" dirty="0" smtClean="0"/>
+                <a:endParaRPr lang="tr-TR" b="1" dirty="0"/>
               </a:p>
               <a:p>
                 <a:pPr marL="457200" lvl="1" indent="0">
@@ -9826,7 +9694,7 @@
                   </a:lnSpc>
                   <a:buNone/>
                 </a:pPr>
-                <a:endParaRPr lang="tr-TR" b="1" dirty="0" smtClean="0"/>
+                <a:endParaRPr lang="tr-TR" b="1" dirty="0"/>
               </a:p>
             </p:txBody>
           </p:sp>
@@ -9886,25 +9754,20 @@
           <a:p>
             <a:r>
               <a:rPr lang="tr-TR"/>
-              <a:t>Kübik </a:t>
-            </a:r>
-            <a:r>
-              <a:rPr lang="tr-TR" smtClean="0"/>
-              <a:t>Şeritler</a:t>
-            </a:r>
-            <a:r>
-              <a:rPr lang="en-US" smtClean="0"/>
+              <a:t>Kübik Şeritler</a:t>
+            </a:r>
+            <a:r>
+              <a:rPr lang="en-US"/>
               <a:t>in</a:t>
             </a:r>
             <a:r>
-              <a:rPr lang="tr-TR" smtClean="0"/>
+              <a:rPr lang="tr-TR"/>
               <a:t> </a:t>
             </a:r>
             <a:r>
-              <a:rPr lang="tr-TR" dirty="0" smtClean="0"/>
+              <a:rPr lang="tr-TR" dirty="0"/>
               <a:t>Temsili I</a:t>
             </a:r>
-            <a:endParaRPr lang="tr-TR" dirty="0"/>
           </a:p>
         </p:txBody>
       </p:sp>
@@ -10032,13 +9895,6 @@
   <p:clrMapOvr>
     <a:masterClrMapping/>
   </p:clrMapOvr>
-  <p:timing>
-    <p:tnLst>
-      <p:par>
-        <p:cTn id="1" dur="indefinite" restart="never" nodeType="tmRoot"/>
-      </p:par>
-    </p:tnLst>
-  </p:timing>
 </p:sld>
 </file>
 
@@ -10068,7 +9924,7 @@
           <p:nvPr/>
         </p:nvPicPr>
         <p:blipFill rotWithShape="1">
-          <a:blip r:embed="rId3" cstate="print">
+          <a:blip r:embed="rId2" cstate="print">
             <a:extLst>
               <a:ext uri="{28A0092B-C50C-407E-A947-70E740481C1C}">
                 <a14:useLocalDpi xmlns:a14="http://schemas.microsoft.com/office/drawing/2010/main" val="0"/>
@@ -10120,7 +9976,7 @@
           <p:nvPr/>
         </p:nvPicPr>
         <p:blipFill>
-          <a:blip r:embed="rId4">
+          <a:blip r:embed="rId3">
             <a:extLst>
               <a:ext uri="{28A0092B-C50C-407E-A947-70E740481C1C}">
                 <a14:useLocalDpi xmlns:a14="http://schemas.microsoft.com/office/drawing/2010/main" val="0"/>
@@ -10192,25 +10048,20 @@
           <a:p>
             <a:r>
               <a:rPr lang="tr-TR"/>
-              <a:t>Kübik </a:t>
-            </a:r>
-            <a:r>
-              <a:rPr lang="tr-TR" smtClean="0"/>
-              <a:t>Şeritler</a:t>
-            </a:r>
-            <a:r>
-              <a:rPr lang="en-US" smtClean="0"/>
+              <a:t>Kübik Şeritler</a:t>
+            </a:r>
+            <a:r>
+              <a:rPr lang="en-US"/>
               <a:t>in</a:t>
             </a:r>
             <a:r>
-              <a:rPr lang="tr-TR" smtClean="0"/>
+              <a:rPr lang="tr-TR"/>
               <a:t> </a:t>
             </a:r>
             <a:r>
-              <a:rPr lang="tr-TR" dirty="0" smtClean="0"/>
+              <a:rPr lang="tr-TR" dirty="0"/>
               <a:t>Temsili II </a:t>
             </a:r>
-            <a:endParaRPr lang="tr-TR" dirty="0"/>
           </a:p>
         </p:txBody>
       </p:sp>
@@ -10304,7 +10155,7 @@
                   </m:oMath>
                 </a14:m>
                 <a:r>
-                  <a:rPr lang="tr-TR" i="1" dirty="0" smtClean="0">
+                  <a:rPr lang="tr-TR" i="1" dirty="0">
                     <a:latin typeface="Cambria Math"/>
                   </a:rPr>
                   <a:t> </a:t>
@@ -10352,7 +10203,7 @@
                     </m:sSub>
                   </m:oMath>
                 </a14:m>
-                <a:endParaRPr lang="tr-TR" b="1" dirty="0" smtClean="0">
+                <a:endParaRPr lang="tr-TR" b="1" dirty="0">
                   <a:ea typeface="Cambria Math"/>
                 </a:endParaRPr>
               </a:p>
@@ -10363,7 +10214,7 @@
                   </a:lnSpc>
                 </a:pPr>
                 <a:r>
-                  <a:rPr lang="tr-TR" dirty="0" smtClean="0"/>
+                  <a:rPr lang="tr-TR" dirty="0"/>
                   <a:t>kontrol noktalarının koordinat değerlerini ve şeridin sınır durumlarını (geometrik kısıtlar) içeren matris</a:t>
                 </a:r>
               </a:p>
@@ -10405,7 +10256,7 @@
                     </m:sSub>
                   </m:oMath>
                 </a14:m>
-                <a:endParaRPr lang="tr-TR" b="1" dirty="0" smtClean="0">
+                <a:endParaRPr lang="tr-TR" b="1" dirty="0">
                   <a:ea typeface="Cambria Math"/>
                 </a:endParaRPr>
               </a:p>
@@ -10416,15 +10267,15 @@
                   </a:lnSpc>
                 </a:pPr>
                 <a:r>
-                  <a:rPr lang="tr-TR" dirty="0" smtClean="0"/>
+                  <a:rPr lang="tr-TR" dirty="0"/>
                   <a:t>Geometrik kısıt değerlerini </a:t>
                 </a:r>
                 <a:r>
-                  <a:rPr lang="tr-TR" dirty="0" err="1" smtClean="0"/>
+                  <a:rPr lang="tr-TR" dirty="0" err="1"/>
                   <a:t>polinom</a:t>
                 </a:r>
                 <a:r>
-                  <a:rPr lang="tr-TR" dirty="0" smtClean="0"/>
+                  <a:rPr lang="tr-TR" dirty="0"/>
                   <a:t> katsayılarına dönüştüren matris. </a:t>
                 </a:r>
               </a:p>
@@ -10435,7 +10286,7 @@
                   </a:lnSpc>
                 </a:pPr>
                 <a:r>
-                  <a:rPr lang="tr-TR" dirty="0" smtClean="0"/>
+                  <a:rPr lang="tr-TR" dirty="0"/>
                   <a:t>Aynı zamanda taban matrisi olarak da adlandırılır.</a:t>
                 </a:r>
               </a:p>
@@ -10446,10 +10297,9 @@
                   </a:lnSpc>
                 </a:pPr>
                 <a:r>
-                  <a:rPr lang="tr-TR" dirty="0" smtClean="0"/>
+                  <a:rPr lang="tr-TR" dirty="0"/>
                   <a:t>Farklı şerit temsilleri arasında dönüşümü kolaylaştırır.</a:t>
                 </a:r>
-                <a:endParaRPr lang="tr-TR" dirty="0"/>
               </a:p>
               <a:p>
                 <a:pPr marL="457200" lvl="1" indent="0">
@@ -10458,7 +10308,7 @@
                   </a:lnSpc>
                   <a:buNone/>
                 </a:pPr>
-                <a:endParaRPr lang="tr-TR" b="1" dirty="0" smtClean="0"/>
+                <a:endParaRPr lang="tr-TR" b="1" dirty="0"/>
               </a:p>
               <a:p>
                 <a:pPr marL="457200" lvl="1" indent="0">
@@ -10467,7 +10317,7 @@
                   </a:lnSpc>
                   <a:buNone/>
                 </a:pPr>
-                <a:endParaRPr lang="tr-TR" b="1" dirty="0" smtClean="0"/>
+                <a:endParaRPr lang="tr-TR" b="1" dirty="0"/>
               </a:p>
             </p:txBody>
           </p:sp>
@@ -10532,7 +10382,7 @@
           <a:graphicData uri="http://schemas.openxmlformats.org/presentationml/2006/ole">
             <mc:AlternateContent xmlns:mc="http://schemas.openxmlformats.org/markup-compatibility/2006">
               <mc:Choice xmlns:v="urn:schemas-microsoft-com:vml" Requires="v">
-                <p:oleObj spid="_x0000_s3227" name="Denklem" r:id="rId6" imgW="1384200" imgH="482400" progId="Equation.3">
+                <p:oleObj name="Denklem" r:id="rId6" imgW="1384200" imgH="482400" progId="Equation.3">
                   <p:embed/>
                 </p:oleObj>
               </mc:Choice>
@@ -10577,13 +10427,6 @@
   <p:clrMapOvr>
     <a:masterClrMapping/>
   </p:clrMapOvr>
-  <p:timing>
-    <p:tnLst>
-      <p:par>
-        <p:cTn id="1" dur="indefinite" restart="never" nodeType="tmRoot"/>
-      </p:par>
-    </p:tnLst>
-  </p:timing>
 </p:sld>
 </file>
 
@@ -10621,25 +10464,20 @@
           <a:p>
             <a:r>
               <a:rPr lang="tr-TR"/>
-              <a:t>Kübik </a:t>
-            </a:r>
-            <a:r>
-              <a:rPr lang="tr-TR" smtClean="0"/>
-              <a:t>Şeritler</a:t>
-            </a:r>
-            <a:r>
-              <a:rPr lang="en-US" smtClean="0"/>
+              <a:t>Kübik Şeritler</a:t>
+            </a:r>
+            <a:r>
+              <a:rPr lang="en-US"/>
               <a:t>in</a:t>
             </a:r>
             <a:r>
-              <a:rPr lang="tr-TR" smtClean="0"/>
+              <a:rPr lang="tr-TR"/>
               <a:t> </a:t>
             </a:r>
             <a:r>
-              <a:rPr lang="tr-TR" dirty="0" smtClean="0"/>
+              <a:rPr lang="tr-TR" dirty="0"/>
               <a:t>Temsili II </a:t>
             </a:r>
-            <a:endParaRPr lang="tr-TR" dirty="0"/>
           </a:p>
         </p:txBody>
       </p:sp>
@@ -10652,7 +10490,7 @@
           <p:nvPr/>
         </p:nvPicPr>
         <p:blipFill rotWithShape="1">
-          <a:blip r:embed="rId3" cstate="print">
+          <a:blip r:embed="rId2" cstate="print">
             <a:extLst>
               <a:ext uri="{28A0092B-C50C-407E-A947-70E740481C1C}">
                 <a14:useLocalDpi xmlns:a14="http://schemas.microsoft.com/office/drawing/2010/main" val="0"/>
@@ -10717,12 +10555,12 @@
           <a:graphicData uri="http://schemas.openxmlformats.org/presentationml/2006/ole">
             <mc:AlternateContent xmlns:mc="http://schemas.openxmlformats.org/markup-compatibility/2006">
               <mc:Choice xmlns:v="urn:schemas-microsoft-com:vml" Requires="v">
-                <p:oleObj spid="_x0000_s5266" name="Denklem" r:id="rId4" imgW="1384200" imgH="482400" progId="Equation.3">
+                <p:oleObj name="Denklem" r:id="rId3" imgW="1384200" imgH="482400" progId="Equation.3">
                   <p:embed/>
                 </p:oleObj>
               </mc:Choice>
               <mc:Fallback>
-                <p:oleObj name="Denklem" r:id="rId4" imgW="1384200" imgH="482400" progId="Equation.3">
+                <p:oleObj name="Denklem" r:id="rId3" imgW="1384200" imgH="482400" progId="Equation.3">
                   <p:embed/>
                   <p:pic>
                     <p:nvPicPr>
@@ -10731,7 +10569,7 @@
                       <p:nvPr/>
                     </p:nvPicPr>
                     <p:blipFill>
-                      <a:blip r:embed="rId5"/>
+                      <a:blip r:embed="rId4"/>
                       <a:stretch>
                         <a:fillRect/>
                       </a:stretch>
@@ -10761,7 +10599,7 @@
           <p:nvPr/>
         </p:nvPicPr>
         <p:blipFill>
-          <a:blip r:embed="rId6">
+          <a:blip r:embed="rId5">
             <a:extLst>
               <a:ext uri="{28A0092B-C50C-407E-A947-70E740481C1C}">
                 <a14:useLocalDpi xmlns:a14="http://schemas.microsoft.com/office/drawing/2010/main" val="0"/>
@@ -10839,10 +10677,9 @@
           <a:lstStyle/>
           <a:p>
             <a:r>
-              <a:rPr lang="tr-TR" dirty="0" smtClean="0"/>
+              <a:rPr lang="tr-TR" dirty="0"/>
               <a:t>Kontrol noktaları</a:t>
             </a:r>
-            <a:endParaRPr lang="tr-TR" dirty="0"/>
           </a:p>
         </p:txBody>
       </p:sp>
@@ -10856,13 +10693,6 @@
   <p:clrMapOvr>
     <a:masterClrMapping/>
   </p:clrMapOvr>
-  <p:timing>
-    <p:tnLst>
-      <p:par>
-        <p:cTn id="1" dur="indefinite" restart="never" nodeType="tmRoot"/>
-      </p:par>
-    </p:tnLst>
-  </p:timing>
 </p:sld>
 </file>
 
@@ -10902,25 +10732,21 @@
           <a:p>
             <a:r>
               <a:rPr lang="tr-TR"/>
-              <a:t>Kübik </a:t>
-            </a:r>
-            <a:r>
-              <a:rPr lang="tr-TR" smtClean="0"/>
-              <a:t>Şeritler</a:t>
-            </a:r>
-            <a:r>
-              <a:rPr lang="en-US" smtClean="0"/>
+              <a:t>Kübik Şeritler</a:t>
+            </a:r>
+            <a:r>
+              <a:rPr lang="en-US"/>
               <a:t>in</a:t>
             </a:r>
             <a:r>
-              <a:rPr lang="tr-TR" smtClean="0"/>
+              <a:rPr lang="tr-TR"/>
               <a:t> </a:t>
             </a:r>
             <a:r>
-              <a:rPr lang="tr-TR" dirty="0" smtClean="0"/>
+              <a:rPr lang="tr-TR" dirty="0"/>
               <a:t>Temsili III</a:t>
             </a:r>
-            <a:endParaRPr lang="en-US" dirty="0" smtClean="0"/>
+            <a:endParaRPr lang="en-US" dirty="0"/>
           </a:p>
         </p:txBody>
       </p:sp>
@@ -10952,28 +10778,20 @@
               </a:lnSpc>
             </a:pPr>
             <a:r>
-              <a:rPr lang="tr-TR" sz="3600" smtClean="0"/>
+              <a:rPr lang="tr-TR" sz="3600"/>
               <a:t>Eğri üzerindeki </a:t>
             </a:r>
             <a:r>
-              <a:rPr lang="en-US" sz="3600" smtClean="0"/>
+              <a:rPr lang="en-US" sz="3600"/>
               <a:t>koordinatları</a:t>
             </a:r>
             <a:r>
-              <a:rPr lang="tr-TR" sz="3600" smtClean="0"/>
+              <a:rPr lang="tr-TR" sz="3600"/>
               <a:t> </a:t>
             </a:r>
             <a:r>
-              <a:rPr lang="tr-TR" sz="3600" dirty="0" smtClean="0"/>
-              <a:t>belirlemek için eğri kısıtlarının birbirleriyle nasıl harmanlanacağını ayarlayan taban </a:t>
-            </a:r>
-            <a:r>
               <a:rPr lang="tr-TR" sz="3600" dirty="0"/>
-              <a:t>fonksiyonları </a:t>
-            </a:r>
-            <a:r>
-              <a:rPr lang="tr-TR" sz="3600" dirty="0" smtClean="0"/>
-              <a:t>belirlenebilir.</a:t>
+              <a:t>belirlemek için eğri kısıtlarının birbirleriyle nasıl harmanlanacağını ayarlayan taban fonksiyonları belirlenebilir.</a:t>
             </a:r>
           </a:p>
           <a:p>
@@ -10983,24 +10801,16 @@
               </a:lnSpc>
             </a:pPr>
             <a:r>
-              <a:rPr lang="tr-TR" sz="3600" dirty="0" err="1" smtClean="0"/>
+              <a:rPr lang="tr-TR" sz="3600" dirty="0" err="1"/>
               <a:t>P</a:t>
             </a:r>
             <a:r>
-              <a:rPr lang="tr-TR" sz="3600" baseline="-25000" dirty="0" err="1" smtClean="0"/>
+              <a:rPr lang="tr-TR" sz="3600" baseline="-25000" dirty="0" err="1"/>
               <a:t>k</a:t>
             </a:r>
             <a:r>
-              <a:rPr lang="tr-TR" sz="3600" dirty="0" smtClean="0"/>
-              <a:t> kontrol noktalarının koordinatlarının yanı sıra eğrinin </a:t>
-            </a:r>
-            <a:r>
               <a:rPr lang="tr-TR" sz="3600" dirty="0"/>
-              <a:t>kontrol </a:t>
-            </a:r>
-            <a:r>
-              <a:rPr lang="tr-TR" sz="3600" dirty="0" smtClean="0"/>
-              <a:t>noktalarındaki eğimi gibi geometrik kısıt parametreleri olabilir.</a:t>
+              <a:t> kontrol noktalarının koordinatlarının yanı sıra eğrinin kontrol noktalarındaki eğimi gibi geometrik kısıt parametreleri olabilir.</a:t>
             </a:r>
           </a:p>
           <a:p>
@@ -11010,25 +10820,17 @@
               </a:lnSpc>
             </a:pPr>
             <a:r>
-              <a:rPr lang="tr-TR" sz="3600" dirty="0" err="1" smtClean="0"/>
+              <a:rPr lang="tr-TR" sz="3600" dirty="0" err="1"/>
               <a:t>B</a:t>
             </a:r>
             <a:r>
-              <a:rPr lang="tr-TR" sz="3600" baseline="-25000" dirty="0" err="1" smtClean="0"/>
+              <a:rPr lang="tr-TR" sz="3600" baseline="-25000" dirty="0" err="1"/>
               <a:t>k</a:t>
             </a:r>
             <a:r>
-              <a:rPr lang="tr-TR" sz="3600" dirty="0" smtClean="0"/>
+              <a:rPr lang="tr-TR" sz="3600" dirty="0"/>
               <a:t> geometrik kısıtları harmanlayan taban fonksiyonlarıdır.</a:t>
             </a:r>
-          </a:p>
-          <a:p>
-            <a:pPr algn="just">
-              <a:lnSpc>
-                <a:spcPct val="120000"/>
-              </a:lnSpc>
-            </a:pPr>
-            <a:endParaRPr lang="tr-TR" sz="3600" dirty="0" smtClean="0"/>
           </a:p>
           <a:p>
             <a:pPr algn="just">
@@ -11044,7 +10846,15 @@
                 <a:spcPct val="120000"/>
               </a:lnSpc>
             </a:pPr>
-            <a:endParaRPr lang="tr-TR" b="1" dirty="0" smtClean="0">
+            <a:endParaRPr lang="tr-TR" sz="3600" dirty="0"/>
+          </a:p>
+          <a:p>
+            <a:pPr algn="just">
+              <a:lnSpc>
+                <a:spcPct val="120000"/>
+              </a:lnSpc>
+            </a:pPr>
+            <a:endParaRPr lang="tr-TR" b="1" dirty="0">
               <a:ea typeface="Cambria Math"/>
             </a:endParaRPr>
           </a:p>
@@ -11055,7 +10865,7 @@
               </a:lnSpc>
               <a:buNone/>
             </a:pPr>
-            <a:endParaRPr lang="tr-TR" b="1" dirty="0" smtClean="0"/>
+            <a:endParaRPr lang="tr-TR" b="1" dirty="0"/>
           </a:p>
           <a:p>
             <a:pPr marL="457200" lvl="1" indent="0" algn="just">
@@ -11064,7 +10874,7 @@
               </a:lnSpc>
               <a:buNone/>
             </a:pPr>
-            <a:endParaRPr lang="tr-TR" b="1" dirty="0" smtClean="0"/>
+            <a:endParaRPr lang="tr-TR" b="1" dirty="0"/>
           </a:p>
         </p:txBody>
       </p:sp>
@@ -11356,15 +11166,15 @@
           </a:lstStyle>
           <a:p>
             <a:r>
-              <a:rPr lang="tr-TR" sz="2300" dirty="0" smtClean="0"/>
+              <a:rPr lang="tr-TR" sz="2300" dirty="0"/>
               <a:t>Taban fonksiyonları</a:t>
             </a:r>
           </a:p>
           <a:p>
-            <a:endParaRPr lang="tr-TR" sz="3600" dirty="0" smtClean="0"/>
-          </a:p>
-          <a:p>
-            <a:endParaRPr lang="tr-TR" b="1" dirty="0" smtClean="0">
+            <a:endParaRPr lang="tr-TR" sz="3600" dirty="0"/>
+          </a:p>
+          <a:p>
+            <a:endParaRPr lang="tr-TR" b="1" dirty="0">
               <a:ea typeface="Cambria Math"/>
             </a:endParaRPr>
           </a:p>
@@ -11373,14 +11183,14 @@
               <a:buFont typeface="Arial" pitchFamily="34" charset="0"/>
               <a:buNone/>
             </a:pPr>
-            <a:endParaRPr lang="tr-TR" b="1" dirty="0" smtClean="0"/>
+            <a:endParaRPr lang="tr-TR" b="1" dirty="0"/>
           </a:p>
           <a:p>
             <a:pPr marL="457200" lvl="1" indent="0">
               <a:buFont typeface="Arial" pitchFamily="34" charset="0"/>
               <a:buNone/>
             </a:pPr>
-            <a:endParaRPr lang="tr-TR" b="1" dirty="0" smtClean="0"/>
+            <a:endParaRPr lang="tr-TR" b="1" dirty="0"/>
           </a:p>
         </p:txBody>
       </p:sp>
@@ -11419,15 +11229,15 @@
           <a:lstStyle/>
           <a:p>
             <a:r>
-              <a:rPr lang="tr-TR" b="1" dirty="0" smtClean="0"/>
+              <a:rPr lang="tr-TR" b="1" dirty="0"/>
               <a:t>Bu yaklaşımda şerit kontrol noktalarının </a:t>
             </a:r>
             <a:r>
-              <a:rPr lang="tr-TR" b="1" dirty="0" err="1" smtClean="0"/>
+              <a:rPr lang="tr-TR" b="1" dirty="0" err="1"/>
               <a:t>ağırlıklandırılmış</a:t>
             </a:r>
             <a:r>
-              <a:rPr lang="tr-TR" b="1" dirty="0" smtClean="0"/>
+              <a:rPr lang="tr-TR" b="1" dirty="0"/>
               <a:t> bir toplamı şeklinde ifade edilir.</a:t>
             </a:r>
           </a:p>
@@ -11565,30 +11375,29 @@
           <a:lstStyle/>
           <a:p>
             <a:r>
-              <a:rPr lang="tr-TR" smtClean="0"/>
+              <a:rPr lang="tr-TR"/>
               <a:t>Kübik Şerit</a:t>
             </a:r>
             <a:r>
-              <a:rPr lang="en-US" smtClean="0"/>
+              <a:rPr lang="en-US"/>
               <a:t>lerin</a:t>
             </a:r>
             <a:r>
-              <a:rPr lang="tr-TR" smtClean="0"/>
+              <a:rPr lang="tr-TR"/>
               <a:t> Temsil</a:t>
             </a:r>
             <a:r>
-              <a:rPr lang="en-US" smtClean="0"/>
+              <a:rPr lang="en-US"/>
               <a:t>i:</a:t>
             </a:r>
             <a:r>
-              <a:rPr lang="tr-TR" smtClean="0"/>
+              <a:rPr lang="tr-TR"/>
               <a:t> </a:t>
             </a:r>
             <a:r>
-              <a:rPr lang="tr-TR" dirty="0" smtClean="0"/>
+              <a:rPr lang="tr-TR" dirty="0"/>
               <a:t>Özet </a:t>
             </a:r>
-            <a:endParaRPr lang="tr-TR" dirty="0"/>
           </a:p>
         </p:txBody>
       </p:sp>
@@ -11613,19 +11422,19 @@
           <a:lstStyle/>
           <a:p>
             <a:r>
-              <a:rPr lang="tr-TR" dirty="0" smtClean="0"/>
+              <a:rPr lang="tr-TR" dirty="0"/>
               <a:t>Temsil I</a:t>
             </a:r>
           </a:p>
           <a:p>
-            <a:endParaRPr lang="tr-TR" dirty="0" smtClean="0"/>
-          </a:p>
-          <a:p>
             <a:endParaRPr lang="tr-TR" dirty="0"/>
           </a:p>
           <a:p>
-            <a:r>
-              <a:rPr lang="tr-TR" dirty="0" smtClean="0"/>
+            <a:endParaRPr lang="tr-TR" dirty="0"/>
+          </a:p>
+          <a:p>
+            <a:r>
+              <a:rPr lang="tr-TR" dirty="0"/>
               <a:t>Temsil II</a:t>
             </a:r>
           </a:p>
@@ -11633,14 +11442,13 @@
             <a:endParaRPr lang="tr-TR" dirty="0"/>
           </a:p>
           <a:p>
-            <a:endParaRPr lang="tr-TR" dirty="0" smtClean="0"/>
-          </a:p>
-          <a:p>
-            <a:r>
-              <a:rPr lang="tr-TR" dirty="0" smtClean="0"/>
+            <a:endParaRPr lang="tr-TR" dirty="0"/>
+          </a:p>
+          <a:p>
+            <a:r>
+              <a:rPr lang="tr-TR" dirty="0"/>
               <a:t>Temsil III</a:t>
             </a:r>
-            <a:endParaRPr lang="tr-TR" dirty="0"/>
           </a:p>
         </p:txBody>
       </p:sp>
@@ -11846,13 +11654,6 @@
   <p:clrMapOvr>
     <a:masterClrMapping/>
   </p:clrMapOvr>
-  <p:timing>
-    <p:tnLst>
-      <p:par>
-        <p:cTn id="1" dur="indefinite" restart="never" nodeType="tmRoot"/>
-      </p:par>
-    </p:tnLst>
-  </p:timing>
 </p:sld>
 </file>
 
@@ -11889,22 +11690,21 @@
           <a:lstStyle/>
           <a:p>
             <a:r>
-              <a:rPr lang="tr-TR" smtClean="0"/>
+              <a:rPr lang="tr-TR"/>
               <a:t>Bir </a:t>
             </a:r>
             <a:r>
-              <a:rPr lang="en-US" smtClean="0"/>
+              <a:rPr lang="en-US"/>
               <a:t>Doğru</a:t>
             </a:r>
             <a:r>
-              <a:rPr lang="tr-TR" smtClean="0"/>
+              <a:rPr lang="tr-TR"/>
               <a:t> </a:t>
             </a:r>
             <a:r>
-              <a:rPr lang="tr-TR" dirty="0" smtClean="0"/>
+              <a:rPr lang="tr-TR" dirty="0"/>
               <a:t>Parçasının Tanımı</a:t>
             </a:r>
-            <a:endParaRPr lang="tr-TR" dirty="0"/>
           </a:p>
         </p:txBody>
       </p:sp>
@@ -12045,7 +11845,7 @@
                     </m:r>
                   </m:oMath>
                 </a14:m>
-                <a:endParaRPr lang="tr-TR" sz="2400" b="1" dirty="0" smtClean="0"/>
+                <a:endParaRPr lang="tr-TR" sz="2400" b="1" dirty="0"/>
               </a:p>
               <a:p>
                 <a:pPr>
@@ -12054,7 +11854,7 @@
                   </a:lnSpc>
                 </a:pPr>
                 <a:r>
-                  <a:rPr lang="tr-TR" sz="2800" dirty="0" smtClean="0"/>
+                  <a:rPr lang="tr-TR" sz="2800" dirty="0"/>
                   <a:t>Bir çizgi parçası üzerindeki herhangi bir nokta iki sınır noktası kullanılarak tanımlanabilir. </a:t>
                 </a:r>
               </a:p>
@@ -12098,7 +11898,7 @@
                   </m:oMath>
                 </a14:m>
                 <a:r>
-                  <a:rPr lang="tr-TR" sz="2400" dirty="0" smtClean="0"/>
+                  <a:rPr lang="tr-TR" sz="2400" dirty="0"/>
                   <a:t>1 için</a:t>
                 </a:r>
                 <a:endParaRPr lang="tr-TR" sz="2400" b="1" dirty="0"/>
@@ -12185,12 +11985,8 @@
                   </m:oMath>
                 </a14:m>
                 <a:r>
-                  <a:rPr lang="tr-TR" sz="2400" b="1" dirty="0" smtClean="0"/>
-                  <a:t>-</a:t>
-                </a:r>
-                <a:r>
                   <a:rPr lang="tr-TR" sz="2400" b="1" dirty="0"/>
-                  <a:t> </a:t>
+                  <a:t>- </a:t>
                 </a:r>
                 <a14:m>
                   <m:oMath xmlns:m="http://schemas.openxmlformats.org/officeDocument/2006/math">
@@ -12227,7 +12023,7 @@
                     </m:r>
                   </m:oMath>
                 </a14:m>
-                <a:endParaRPr lang="tr-TR" sz="2400" b="1" i="1" dirty="0" smtClean="0">
+                <a:endParaRPr lang="tr-TR" sz="2400" b="1" i="1" dirty="0">
                   <a:latin typeface="Cambria Math"/>
                 </a:endParaRPr>
               </a:p>
@@ -13348,13 +13144,6 @@
   <p:clrMapOvr>
     <a:masterClrMapping/>
   </p:clrMapOvr>
-  <p:timing>
-    <p:tnLst>
-      <p:par>
-        <p:cTn id="1" dur="indefinite" restart="never" nodeType="tmRoot"/>
-      </p:par>
-    </p:tnLst>
-  </p:timing>
 </p:sld>
 </file>
 
@@ -13393,18 +13182,17 @@
           <a:lstStyle/>
           <a:p>
             <a:r>
-              <a:rPr lang="en-US" smtClean="0"/>
+              <a:rPr lang="en-US"/>
               <a:t>Doğru</a:t>
             </a:r>
             <a:r>
-              <a:rPr lang="tr-TR" smtClean="0"/>
+              <a:rPr lang="tr-TR"/>
               <a:t> Parçasının Temsil </a:t>
             </a:r>
             <a:r>
-              <a:rPr lang="tr-TR" dirty="0" smtClean="0"/>
+              <a:rPr lang="tr-TR" dirty="0"/>
               <a:t>I ile Tanımı</a:t>
             </a:r>
-            <a:endParaRPr lang="tr-TR" dirty="0"/>
           </a:p>
         </p:txBody>
       </p:sp>
@@ -14385,8 +14173,8 @@
           </p:sp>
         </mc:Fallback>
       </mc:AlternateContent>
-      <mc:AlternateContent xmlns:mc="http://schemas.openxmlformats.org/markup-compatibility/2006">
-        <mc:Choice xmlns:a14="http://schemas.microsoft.com/office/drawing/2010/main" Requires="a14">
+      <mc:AlternateContent xmlns:mc="http://schemas.openxmlformats.org/markup-compatibility/2006" xmlns:a14="http://schemas.microsoft.com/office/drawing/2010/main">
+        <mc:Choice Requires="a14">
           <p:sp>
             <p:nvSpPr>
               <p:cNvPr id="15" name="İçerik Yer Tutucusu 2"/>
@@ -14415,7 +14203,7 @@
                   </a:spcAft>
                 </a:pPr>
                 <a:r>
-                  <a:rPr lang="tr-TR" sz="2800" dirty="0" smtClean="0"/>
+                  <a:rPr lang="tr-TR" sz="2800" dirty="0"/>
                   <a:t>Sadece x koordinatı düşünülürse:</a:t>
                 </a:r>
               </a:p>
@@ -14426,7 +14214,7 @@
                   </a:spcAft>
                 </a:pPr>
                 <a:r>
-                  <a:rPr lang="tr-TR" sz="2400" dirty="0" smtClean="0"/>
+                  <a:rPr lang="tr-TR" sz="2400" dirty="0"/>
                   <a:t>u=0 ise </a:t>
                 </a:r>
                 <a14:m>
@@ -14459,7 +14247,7 @@
                   </m:oMath>
                 </a14:m>
                 <a:r>
-                  <a:rPr lang="tr-TR" sz="2400" dirty="0" smtClean="0"/>
+                  <a:rPr lang="tr-TR" sz="2400" dirty="0"/>
                   <a:t>(0)=</a:t>
                 </a:r>
                 <a14:m>
@@ -14498,11 +14286,11 @@
                   </m:oMath>
                 </a14:m>
                 <a:r>
-                  <a:rPr lang="tr-TR" sz="2400" b="1" dirty="0" smtClean="0"/>
+                  <a:rPr lang="tr-TR" sz="2400" b="1" dirty="0"/>
                   <a:t> </a:t>
                 </a:r>
                 <a:r>
-                  <a:rPr lang="tr-TR" sz="2400" dirty="0" smtClean="0"/>
+                  <a:rPr lang="tr-TR" sz="2400" dirty="0"/>
                   <a:t>dolayısıyla</a:t>
                 </a:r>
                 <a14:m>
@@ -14579,7 +14367,7 @@
                     </m:sSub>
                   </m:oMath>
                 </a14:m>
-                <a:endParaRPr lang="tr-TR" sz="2400" dirty="0" smtClean="0"/>
+                <a:endParaRPr lang="tr-TR" sz="2400" dirty="0"/>
               </a:p>
               <a:p>
                 <a:pPr lvl="1">
@@ -14588,12 +14376,8 @@
                   </a:spcAft>
                 </a:pPr>
                 <a:r>
-                  <a:rPr lang="tr-TR" sz="2400" dirty="0" smtClean="0"/>
-                  <a:t>u=1 </a:t>
-                </a:r>
-                <a:r>
                   <a:rPr lang="tr-TR" sz="2400" dirty="0"/>
-                  <a:t>ise </a:t>
+                  <a:t>u=1 ise </a:t>
                 </a:r>
                 <a14:m>
                   <m:oMath xmlns:m="http://schemas.openxmlformats.org/officeDocument/2006/math">
@@ -14626,15 +14410,7 @@
                 </a14:m>
                 <a:r>
                   <a:rPr lang="tr-TR" sz="2400" dirty="0"/>
-                  <a:t>(</a:t>
-                </a:r>
-                <a:r>
-                  <a:rPr lang="tr-TR" sz="2400" dirty="0" smtClean="0"/>
-                  <a:t>1</a:t>
-                </a:r>
-                <a:r>
-                  <a:rPr lang="tr-TR" sz="2400" dirty="0"/>
-                  <a:t>)=</a:t>
+                  <a:t>(1)=</a:t>
                 </a:r>
                 <a14:m>
                   <m:oMath xmlns:m="http://schemas.openxmlformats.org/officeDocument/2006/math">
@@ -14715,7 +14491,7 @@
                   </m:oMath>
                 </a14:m>
                 <a:r>
-                  <a:rPr lang="tr-TR" sz="2400" dirty="0" smtClean="0"/>
+                  <a:rPr lang="tr-TR" sz="2400" dirty="0"/>
                   <a:t>+</a:t>
                 </a:r>
                 <a14:m>
@@ -14786,7 +14562,7 @@
                     </m:sSub>
                   </m:oMath>
                 </a14:m>
-                <a:endParaRPr lang="tr-TR" sz="2400" dirty="0" smtClean="0"/>
+                <a:endParaRPr lang="tr-TR" sz="2400" dirty="0"/>
               </a:p>
               <a:p>
                 <a:pPr lvl="2">
@@ -14863,7 +14639,7 @@
                   </m:oMath>
                 </a14:m>
                 <a:r>
-                  <a:rPr lang="tr-TR" sz="2000" dirty="0" smtClean="0"/>
+                  <a:rPr lang="tr-TR" sz="2000" dirty="0"/>
                   <a:t>-</a:t>
                 </a:r>
                 <a14:m>
@@ -14901,7 +14677,7 @@
                     </m:sSub>
                   </m:oMath>
                 </a14:m>
-                <a:endParaRPr lang="en-US" sz="2000" dirty="0" smtClean="0"/>
+                <a:endParaRPr lang="en-US" sz="2000" dirty="0"/>
               </a:p>
               <a:p>
                 <a:pPr lvl="2">
@@ -14982,7 +14758,7 @@
             </p:txBody>
           </p:sp>
         </mc:Choice>
-        <mc:Fallback>
+        <mc:Fallback xmlns="">
           <p:sp>
             <p:nvSpPr>
               <p:cNvPr id="15" name="İçerik Yer Tutucusu 2"/>
@@ -15030,13 +14806,6 @@
   <p:clrMapOvr>
     <a:masterClrMapping/>
   </p:clrMapOvr>
-  <p:timing>
-    <p:tnLst>
-      <p:par>
-        <p:cTn id="1" dur="indefinite" restart="never" nodeType="tmRoot"/>
-      </p:par>
-    </p:tnLst>
-  </p:timing>
 </p:sld>
 </file>
 
@@ -15075,18 +14844,17 @@
           <a:lstStyle/>
           <a:p>
             <a:r>
-              <a:rPr lang="en-US" smtClean="0"/>
+              <a:rPr lang="en-US"/>
               <a:t>Doğru</a:t>
             </a:r>
             <a:r>
-              <a:rPr lang="tr-TR" smtClean="0"/>
+              <a:rPr lang="tr-TR"/>
               <a:t> </a:t>
             </a:r>
             <a:r>
-              <a:rPr lang="tr-TR" dirty="0" smtClean="0"/>
+              <a:rPr lang="tr-TR" dirty="0"/>
               <a:t>Parçasının Temsil II ile Tanımı</a:t>
             </a:r>
-            <a:endParaRPr lang="tr-TR" dirty="0"/>
           </a:p>
         </p:txBody>
       </p:sp>
@@ -15113,7 +14881,7 @@
           <a:lstStyle/>
           <a:p>
             <a:r>
-              <a:rPr lang="tr-TR" sz="2800" dirty="0" smtClean="0"/>
+              <a:rPr lang="tr-TR" sz="2800" dirty="0"/>
               <a:t>Standart temsile göre</a:t>
             </a:r>
           </a:p>
@@ -16170,13 +15938,6 @@
   <p:clrMapOvr>
     <a:masterClrMapping/>
   </p:clrMapOvr>
-  <p:timing>
-    <p:tnLst>
-      <p:par>
-        <p:cTn id="1" dur="indefinite" restart="never" nodeType="tmRoot"/>
-      </p:par>
-    </p:tnLst>
-  </p:timing>
 </p:sld>
 </file>
 
@@ -16213,18 +15974,17 @@
           <a:lstStyle/>
           <a:p>
             <a:r>
-              <a:rPr lang="tr-TR" dirty="0" smtClean="0"/>
+              <a:rPr lang="tr-TR" dirty="0"/>
               <a:t>Şeritler (</a:t>
             </a:r>
             <a:r>
-              <a:rPr lang="tr-TR" dirty="0" err="1" smtClean="0"/>
+              <a:rPr lang="tr-TR" dirty="0" err="1"/>
               <a:t>Splines</a:t>
             </a:r>
             <a:r>
-              <a:rPr lang="tr-TR" dirty="0" smtClean="0"/>
+              <a:rPr lang="tr-TR" dirty="0"/>
               <a:t>)</a:t>
             </a:r>
-            <a:endParaRPr lang="tr-TR" dirty="0"/>
           </a:p>
         </p:txBody>
       </p:sp>
@@ -16256,11 +16016,11 @@
               </a:lnSpc>
             </a:pPr>
             <a:r>
-              <a:rPr lang="tr-TR" sz="2800" dirty="0" smtClean="0"/>
+              <a:rPr lang="tr-TR" sz="2800" dirty="0"/>
               <a:t>Sınır temsili modelleme </a:t>
             </a:r>
             <a:r>
-              <a:rPr lang="tr-TR" sz="2800" smtClean="0"/>
+              <a:rPr lang="tr-TR" sz="2800"/>
               <a:t>tekniğidir.</a:t>
             </a:r>
             <a:endParaRPr lang="en-US" sz="2800"/>
@@ -16280,7 +16040,7 @@
               <a:t>elirlenmiş bir dizi noktayı kullanarak düzgün eğri</a:t>
             </a:r>
             <a:r>
-              <a:rPr lang="en-US" sz="2800" smtClean="0"/>
+              <a:rPr lang="en-US" sz="2800"/>
               <a:t>ler ve yüzeyler </a:t>
             </a:r>
             <a:r>
@@ -16289,11 +16049,7 @@
             </a:r>
             <a:r>
               <a:rPr lang="en-US" sz="2800"/>
-              <a:t>tilir</a:t>
-            </a:r>
-            <a:r>
-              <a:rPr lang="en-US" sz="2800" smtClean="0"/>
-              <a:t>.</a:t>
+              <a:t>tilir.</a:t>
             </a:r>
           </a:p>
           <a:p>
@@ -16303,18 +16059,10 @@
               </a:lnSpc>
             </a:pPr>
             <a:r>
-              <a:rPr lang="tr-TR" sz="2800" smtClean="0"/>
-              <a:t>Şerit eğrisi </a:t>
-            </a:r>
-            <a:r>
               <a:rPr lang="tr-TR" sz="2800"/>
-              <a:t>(Spline curve</a:t>
-            </a:r>
-            <a:r>
-              <a:rPr lang="tr-TR" sz="2800" smtClean="0"/>
-              <a:t>)</a:t>
-            </a:r>
-            <a:endParaRPr lang="en-US" sz="2800" smtClean="0"/>
+              <a:t>Şerit eğrisi (Spline curve)</a:t>
+            </a:r>
+            <a:endParaRPr lang="en-US" sz="2800"/>
           </a:p>
           <a:p>
             <a:pPr lvl="1">
@@ -16327,16 +16075,12 @@
               <a:t>Parça sınırlarında tanımlı </a:t>
             </a:r>
             <a:r>
-              <a:rPr lang="en-US" sz="2400" smtClean="0"/>
+              <a:rPr lang="en-US" sz="2400"/>
               <a:t>ve </a:t>
             </a:r>
             <a:r>
-              <a:rPr lang="tr-TR" sz="2400" smtClean="0"/>
-              <a:t>herhangi </a:t>
-            </a:r>
-            <a:r>
               <a:rPr lang="tr-TR" sz="2400"/>
-              <a:t>bir süreklilik koşulunu sağlayan polinom </a:t>
+              <a:t>herhangi bir süreklilik koşulunu sağlayan polinom </a:t>
             </a:r>
             <a:r>
               <a:rPr lang="en-US" sz="2400"/>
@@ -16355,20 +16099,16 @@
               <a:t> birleşik </a:t>
             </a:r>
             <a:r>
-              <a:rPr lang="en-US" sz="2400" smtClean="0"/>
+              <a:rPr lang="en-US" sz="2400"/>
               <a:t>bir </a:t>
             </a:r>
             <a:r>
-              <a:rPr lang="tr-TR" sz="2400" smtClean="0"/>
+              <a:rPr lang="tr-TR" sz="2400"/>
               <a:t>eğ</a:t>
             </a:r>
             <a:r>
               <a:rPr lang="en-US" sz="2400"/>
-              <a:t>ridir</a:t>
-            </a:r>
-            <a:r>
-              <a:rPr lang="en-US" sz="2400" smtClean="0"/>
-              <a:t>.</a:t>
+              <a:t>ridir.</a:t>
             </a:r>
           </a:p>
           <a:p>
@@ -16389,19 +16129,15 @@
               </a:lnSpc>
             </a:pPr>
             <a:r>
-              <a:rPr lang="en-US" sz="2000" smtClean="0"/>
+              <a:rPr lang="en-US" sz="2000"/>
               <a:t>B</a:t>
             </a:r>
             <a:r>
-              <a:rPr lang="tr-TR" sz="2000" smtClean="0"/>
-              <a:t>irinci </a:t>
-            </a:r>
-            <a:r>
               <a:rPr lang="tr-TR" sz="2000"/>
-              <a:t>ve ikinci dereceden türevleri eğri parçaları boyunca sürekli olan parçalı kübik polinom fonksiyonları </a:t>
-            </a:r>
-            <a:r>
-              <a:rPr lang="en-US" sz="2000" smtClean="0"/>
+              <a:t>irinci ve ikinci dereceden türevleri eğri parçaları boyunca sürekli olan parçalı kübik polinom fonksiyonları </a:t>
+            </a:r>
+            <a:r>
+              <a:rPr lang="en-US" sz="2000"/>
               <a:t>kullanılabilir.</a:t>
             </a:r>
             <a:endParaRPr lang="tr-TR" sz="2400" dirty="0"/>
@@ -16413,7 +16149,7 @@
               </a:lnSpc>
             </a:pPr>
             <a:r>
-              <a:rPr lang="tr-TR" sz="2800" smtClean="0"/>
+              <a:rPr lang="tr-TR" sz="2800"/>
               <a:t>Şerit </a:t>
             </a:r>
             <a:r>
@@ -16468,13 +16204,6 @@
   <p:clrMapOvr>
     <a:masterClrMapping/>
   </p:clrMapOvr>
-  <p:timing>
-    <p:tnLst>
-      <p:par>
-        <p:cTn id="1" dur="indefinite" restart="never" nodeType="tmRoot"/>
-      </p:par>
-    </p:tnLst>
-  </p:timing>
 </p:sld>
 </file>
 
@@ -16513,18 +16242,17 @@
           <a:lstStyle/>
           <a:p>
             <a:r>
-              <a:rPr lang="en-US" smtClean="0"/>
+              <a:rPr lang="en-US"/>
               <a:t>Doğru</a:t>
             </a:r>
             <a:r>
-              <a:rPr lang="tr-TR" smtClean="0"/>
+              <a:rPr lang="tr-TR"/>
               <a:t> </a:t>
             </a:r>
             <a:r>
-              <a:rPr lang="tr-TR" dirty="0" smtClean="0"/>
+              <a:rPr lang="tr-TR" dirty="0"/>
               <a:t>Parçasının Temsil III ile Tanımı</a:t>
             </a:r>
-            <a:endParaRPr lang="tr-TR" dirty="0"/>
           </a:p>
         </p:txBody>
       </p:sp>
@@ -16553,7 +16281,7 @@
               <a:lstStyle/>
               <a:p>
                 <a:r>
-                  <a:rPr lang="tr-TR" sz="2800" dirty="0" smtClean="0"/>
+                  <a:rPr lang="tr-TR" sz="2800" dirty="0"/>
                   <a:t>Standart temsile göre</a:t>
                 </a:r>
               </a:p>
@@ -16677,7 +16405,7 @@
                     </m:sSub>
                   </m:oMath>
                 </a14:m>
-                <a:endParaRPr lang="tr-TR" sz="2400" dirty="0" smtClean="0"/>
+                <a:endParaRPr lang="tr-TR" sz="2400" dirty="0"/>
               </a:p>
               <a:p>
                 <a:pPr lvl="1"/>
@@ -16756,7 +16484,7 @@
                     </m:d>
                   </m:oMath>
                 </a14:m>
-                <a:endParaRPr lang="tr-TR" sz="2400" dirty="0" smtClean="0"/>
+                <a:endParaRPr lang="tr-TR" sz="2400" dirty="0"/>
               </a:p>
               <a:p>
                 <a:pPr lvl="1"/>
@@ -17492,13 +17220,6 @@
   <p:clrMapOvr>
     <a:masterClrMapping/>
   </p:clrMapOvr>
-  <p:timing>
-    <p:tnLst>
-      <p:par>
-        <p:cTn id="1" dur="indefinite" restart="never" nodeType="tmRoot"/>
-      </p:par>
-    </p:tnLst>
-  </p:timing>
 </p:sld>
 </file>
 
@@ -17537,10 +17258,9 @@
           <a:lstStyle/>
           <a:p>
             <a:r>
-              <a:rPr lang="tr-TR" dirty="0" smtClean="0"/>
+              <a:rPr lang="tr-TR" dirty="0"/>
               <a:t>Şerit Yüzeyleri</a:t>
             </a:r>
-            <a:endParaRPr lang="tr-TR" dirty="0"/>
           </a:p>
         </p:txBody>
       </p:sp>
@@ -17567,36 +17287,32 @@
           <a:lstStyle/>
           <a:p>
             <a:r>
-              <a:rPr lang="tr-TR" sz="2800" dirty="0" smtClean="0"/>
+              <a:rPr lang="tr-TR" sz="2800" dirty="0"/>
               <a:t>Kontrol noktaları </a:t>
             </a:r>
             <a:r>
-              <a:rPr lang="tr-TR" sz="2800" dirty="0" err="1" smtClean="0"/>
+              <a:rPr lang="tr-TR" sz="2800" dirty="0" err="1"/>
               <a:t>P</a:t>
             </a:r>
             <a:r>
-              <a:rPr lang="tr-TR" sz="2800" baseline="-25000" dirty="0" err="1" smtClean="0"/>
+              <a:rPr lang="tr-TR" sz="2800" baseline="-25000" dirty="0" err="1"/>
               <a:t>ij</a:t>
             </a:r>
             <a:r>
-              <a:rPr lang="tr-TR" sz="2800" dirty="0" smtClean="0"/>
+              <a:rPr lang="tr-TR" sz="2800" dirty="0"/>
               <a:t> olarak 4x4 ‘lük bir matris şeklinde tanımlanmıştır.</a:t>
             </a:r>
           </a:p>
           <a:p>
             <a:r>
-              <a:rPr lang="tr-TR" sz="2800" dirty="0" smtClean="0"/>
+              <a:rPr lang="tr-TR" sz="2800" dirty="0"/>
               <a:t>Buna göre düzgün bir yüzey parçası oluşturmak </a:t>
             </a:r>
             <a:r>
-              <a:rPr lang="tr-TR" sz="2800" smtClean="0"/>
-              <a:t>istenir</a:t>
-            </a:r>
-            <a:r>
-              <a:rPr lang="tr-TR" sz="2800" smtClean="0"/>
-              <a:t>.</a:t>
-            </a:r>
-            <a:endParaRPr lang="tr-TR" sz="2800" dirty="0" smtClean="0"/>
+              <a:rPr lang="tr-TR" sz="2800"/>
+              <a:t>istenir.</a:t>
+            </a:r>
+            <a:endParaRPr lang="tr-TR" sz="2800" dirty="0"/>
           </a:p>
         </p:txBody>
       </p:sp>
@@ -17672,13 +17388,6 @@
   <p:clrMapOvr>
     <a:masterClrMapping/>
   </p:clrMapOvr>
-  <p:timing>
-    <p:tnLst>
-      <p:par>
-        <p:cTn id="1" dur="indefinite" restart="never" nodeType="tmRoot"/>
-      </p:par>
-    </p:tnLst>
-  </p:timing>
 </p:sld>
 </file>
 
@@ -17717,10 +17426,9 @@
           <a:lstStyle/>
           <a:p>
             <a:r>
-              <a:rPr lang="tr-TR" dirty="0" smtClean="0"/>
+              <a:rPr lang="tr-TR" dirty="0"/>
               <a:t>Şerit Yüzeyleri</a:t>
             </a:r>
-            <a:endParaRPr lang="tr-TR" dirty="0"/>
           </a:p>
         </p:txBody>
       </p:sp>
@@ -17747,39 +17455,39 @@
           <a:lstStyle/>
           <a:p>
             <a:r>
-              <a:rPr lang="tr-TR" sz="2800" dirty="0" smtClean="0"/>
+              <a:rPr lang="tr-TR" sz="2800" dirty="0"/>
               <a:t>Kontrol noktaları </a:t>
             </a:r>
             <a:r>
-              <a:rPr lang="tr-TR" sz="2800" dirty="0" err="1" smtClean="0"/>
+              <a:rPr lang="tr-TR" sz="2800" dirty="0" err="1"/>
               <a:t>P</a:t>
             </a:r>
             <a:r>
-              <a:rPr lang="tr-TR" sz="2800" baseline="-25000" dirty="0" err="1" smtClean="0"/>
+              <a:rPr lang="tr-TR" sz="2800" baseline="-25000" dirty="0" err="1"/>
               <a:t>ij</a:t>
             </a:r>
             <a:r>
-              <a:rPr lang="tr-TR" sz="2800" dirty="0" smtClean="0"/>
+              <a:rPr lang="tr-TR" sz="2800" dirty="0"/>
               <a:t> olarak 4x4 ‘lük bir matris şeklinde tanımlanmıştır.</a:t>
             </a:r>
           </a:p>
           <a:p>
             <a:r>
-              <a:rPr lang="tr-TR" sz="2800" dirty="0" smtClean="0"/>
+              <a:rPr lang="tr-TR" sz="2800" dirty="0"/>
               <a:t>Buna göre düzgün bir yüzey parçası oluşturmak istenir.</a:t>
             </a:r>
           </a:p>
           <a:p>
             <a:pPr lvl="1"/>
             <a:r>
-              <a:rPr lang="tr-TR" sz="2400" dirty="0" smtClean="0"/>
+              <a:rPr lang="tr-TR" sz="2400" dirty="0"/>
               <a:t>Önce 4 tane eğri tanımlanır.</a:t>
             </a:r>
           </a:p>
           <a:p>
             <a:pPr lvl="1"/>
             <a:r>
-              <a:rPr lang="tr-TR" sz="2400" dirty="0" smtClean="0"/>
+              <a:rPr lang="tr-TR" sz="2400" dirty="0"/>
               <a:t>Bu dört eğri düzgünleştirilir.</a:t>
             </a:r>
           </a:p>
@@ -17923,13 +17631,6 @@
   <p:clrMapOvr>
     <a:masterClrMapping/>
   </p:clrMapOvr>
-  <p:timing>
-    <p:tnLst>
-      <p:par>
-        <p:cTn id="1" dur="indefinite" restart="never" nodeType="tmRoot"/>
-      </p:par>
-    </p:tnLst>
-  </p:timing>
 </p:sld>
 </file>
 
@@ -18008,31 +17709,15 @@
             </a:r>
             <a:r>
               <a:rPr lang="tr-TR" sz="2800" dirty="0"/>
-              <a:t> </a:t>
-            </a:r>
-            <a:r>
-              <a:rPr lang="tr-TR" sz="2800"/>
-              <a:t>olarak </a:t>
-            </a:r>
-            <a:r>
-              <a:rPr lang="tr-TR" sz="2800" smtClean="0"/>
-              <a:t>4x4</a:t>
-            </a:r>
-            <a:r>
-              <a:rPr lang="en-US" sz="2800" smtClean="0"/>
+              <a:t> olarak 4x4</a:t>
+            </a:r>
+            <a:r>
+              <a:rPr lang="en-US" sz="2800" dirty="0"/>
               <a:t>’</a:t>
             </a:r>
             <a:r>
-              <a:rPr lang="tr-TR" sz="2800" smtClean="0"/>
-              <a:t>lük </a:t>
-            </a:r>
-            <a:r>
               <a:rPr lang="tr-TR" sz="2800" dirty="0"/>
-              <a:t>bir matris şeklinde tanımlanmıştır</a:t>
-            </a:r>
-            <a:r>
-              <a:rPr lang="tr-TR" sz="2800" dirty="0" smtClean="0"/>
-              <a:t>.</a:t>
+              <a:t>lük bir matris şeklinde tanımlanmıştır.</a:t>
             </a:r>
           </a:p>
           <a:p>
@@ -18040,19 +17725,18 @@
           </a:p>
           <a:p>
             <a:r>
-              <a:rPr lang="tr-TR" sz="2800" dirty="0" smtClean="0"/>
+              <a:rPr lang="tr-TR" sz="2800" dirty="0"/>
               <a:t>Eğri:</a:t>
             </a:r>
           </a:p>
           <a:p>
-            <a:endParaRPr lang="tr-TR" sz="2800" dirty="0" smtClean="0"/>
-          </a:p>
-          <a:p>
-            <a:r>
-              <a:rPr lang="tr-TR" sz="2800" dirty="0" smtClean="0"/>
+            <a:endParaRPr lang="tr-TR" sz="2800" dirty="0"/>
+          </a:p>
+          <a:p>
+            <a:r>
+              <a:rPr lang="tr-TR" sz="2800" dirty="0"/>
               <a:t>Yüzey:</a:t>
             </a:r>
-            <a:endParaRPr lang="tr-TR" sz="2800" dirty="0"/>
           </a:p>
         </p:txBody>
       </p:sp>
@@ -18079,7 +17763,7 @@
         </p:blipFill>
         <p:spPr bwMode="auto">
           <a:xfrm>
-            <a:off x="1941307" y="3212976"/>
+            <a:off x="1979712" y="3173835"/>
             <a:ext cx="4356920" cy="2952328"/>
           </a:xfrm>
           <a:prstGeom prst="rect">
@@ -18204,13 +17888,6 @@
   <p:clrMapOvr>
     <a:masterClrMapping/>
   </p:clrMapOvr>
-  <p:timing>
-    <p:tnLst>
-      <p:par>
-        <p:cTn id="1" dur="indefinite" restart="never" nodeType="tmRoot"/>
-      </p:par>
-    </p:tnLst>
-  </p:timing>
 </p:sld>
 </file>
 
@@ -18248,13 +17925,8 @@
           <a:p>
             <a:r>
               <a:rPr lang="tr-TR" dirty="0"/>
-              <a:t>Şerit </a:t>
-            </a:r>
-            <a:r>
-              <a:rPr lang="tr-TR" dirty="0" smtClean="0"/>
-              <a:t>Yüzeylerin Gösterimi: Dörtgen</a:t>
-            </a:r>
-            <a:endParaRPr lang="tr-TR" dirty="0"/>
+              <a:t>Şerit Yüzeylerin Gösterimi: Dörtgen</a:t>
+            </a:r>
           </a:p>
         </p:txBody>
       </p:sp>
@@ -18302,19 +17974,8 @@
                 <a:latin typeface="Courier New" pitchFamily="49" charset="0"/>
                 <a:cs typeface="Courier New" pitchFamily="49" charset="0"/>
               </a:rPr>
-              <a:t>// nu: </a:t>
-            </a:r>
-            <a:r>
-              <a:rPr lang="tr-TR" sz="1800" i="1" dirty="0" smtClean="0">
-                <a:latin typeface="Courier New" pitchFamily="49" charset="0"/>
-                <a:cs typeface="Courier New" pitchFamily="49" charset="0"/>
-              </a:rPr>
-              <a:t># u yönündeki cihetler</a:t>
-            </a:r>
-            <a:endParaRPr lang="tr-TR" sz="1800" i="1" dirty="0">
-              <a:latin typeface="Courier New" pitchFamily="49" charset="0"/>
-              <a:cs typeface="Courier New" pitchFamily="49" charset="0"/>
-            </a:endParaRPr>
+              <a:t>// nu: # u yönündeki cihetler</a:t>
+            </a:r>
           </a:p>
           <a:p>
             <a:pPr marL="0" indent="0">
@@ -18360,28 +18021,14 @@
                 <a:latin typeface="Courier New" pitchFamily="49" charset="0"/>
                 <a:cs typeface="Courier New" pitchFamily="49" charset="0"/>
               </a:rPr>
-              <a:t>: </a:t>
-            </a:r>
-            <a:r>
-              <a:rPr lang="fr-FR" sz="1800" i="1" dirty="0" smtClean="0">
-                <a:latin typeface="Courier New" pitchFamily="49" charset="0"/>
-                <a:cs typeface="Courier New" pitchFamily="49" charset="0"/>
-              </a:rPr>
-              <a:t>#</a:t>
-            </a:r>
-            <a:r>
-              <a:rPr lang="tr-TR" sz="1800" i="1" dirty="0" smtClean="0">
-                <a:latin typeface="Courier New" pitchFamily="49" charset="0"/>
-                <a:cs typeface="Courier New" pitchFamily="49" charset="0"/>
-              </a:rPr>
-              <a:t> v </a:t>
+              <a:t>: #</a:t>
             </a:r>
             <a:r>
               <a:rPr lang="tr-TR" sz="1800" i="1" dirty="0">
                 <a:latin typeface="Courier New" pitchFamily="49" charset="0"/>
                 <a:cs typeface="Courier New" pitchFamily="49" charset="0"/>
               </a:rPr>
-              <a:t>yönündeki cihetler</a:t>
+              <a:t> v yönündeki cihetler</a:t>
             </a:r>
           </a:p>
           <a:p>
@@ -18396,18 +18043,11 @@
               <a:t>for</a:t>
             </a:r>
             <a:r>
-              <a:rPr lang="da-DK" sz="1800" dirty="0" smtClean="0">
-                <a:latin typeface="Courier New" pitchFamily="49" charset="0"/>
-                <a:cs typeface="Courier New" pitchFamily="49" charset="0"/>
-              </a:rPr>
-              <a:t> </a:t>
-            </a:r>
-            <a:r>
               <a:rPr lang="da-DK" sz="1800" dirty="0">
                 <a:latin typeface="Courier New" pitchFamily="49" charset="0"/>
                 <a:cs typeface="Courier New" pitchFamily="49" charset="0"/>
               </a:rPr>
-              <a:t>i := 0 to nu-1 </a:t>
+              <a:t> i := 0 to nu-1 </a:t>
             </a:r>
             <a:r>
               <a:rPr lang="da-DK" sz="1800" b="1" dirty="0">
@@ -18422,18 +18062,11 @@
               <a:buNone/>
             </a:pPr>
             <a:r>
-              <a:rPr lang="tr-TR" sz="1800" dirty="0" smtClean="0">
-                <a:latin typeface="Courier New" pitchFamily="49" charset="0"/>
-                <a:cs typeface="Courier New" pitchFamily="49" charset="0"/>
-              </a:rPr>
-              <a:t>	u </a:t>
-            </a:r>
-            <a:r>
               <a:rPr lang="tr-TR" sz="1800" dirty="0">
                 <a:latin typeface="Courier New" pitchFamily="49" charset="0"/>
                 <a:cs typeface="Courier New" pitchFamily="49" charset="0"/>
               </a:rPr>
-              <a:t>:= i*</a:t>
+              <a:t>	u := i*</a:t>
             </a:r>
             <a:r>
               <a:rPr lang="tr-TR" sz="1800" dirty="0" err="1">
@@ -18455,32 +18088,25 @@
               <a:buNone/>
             </a:pPr>
             <a:r>
-              <a:rPr lang="tr-TR" sz="1800" dirty="0" smtClean="0">
+              <a:rPr lang="tr-TR" sz="1800" dirty="0">
                 <a:latin typeface="Courier New" pitchFamily="49" charset="0"/>
                 <a:cs typeface="Courier New" pitchFamily="49" charset="0"/>
               </a:rPr>
               <a:t>	</a:t>
             </a:r>
             <a:r>
-              <a:rPr lang="pl-PL" sz="1800" b="1" dirty="0" smtClean="0">
+              <a:rPr lang="pl-PL" sz="1800" b="1" dirty="0">
                 <a:latin typeface="Courier New" pitchFamily="49" charset="0"/>
                 <a:cs typeface="Courier New" pitchFamily="49" charset="0"/>
               </a:rPr>
               <a:t>for</a:t>
             </a:r>
             <a:r>
-              <a:rPr lang="pl-PL" sz="1800" dirty="0" smtClean="0">
-                <a:latin typeface="Courier New" pitchFamily="49" charset="0"/>
-                <a:cs typeface="Courier New" pitchFamily="49" charset="0"/>
-              </a:rPr>
-              <a:t> </a:t>
-            </a:r>
-            <a:r>
               <a:rPr lang="pl-PL" sz="1800" dirty="0">
                 <a:latin typeface="Courier New" pitchFamily="49" charset="0"/>
                 <a:cs typeface="Courier New" pitchFamily="49" charset="0"/>
               </a:rPr>
-              <a:t>j := 0 to nv - 1 </a:t>
+              <a:t> j := 0 to nv - 1 </a:t>
             </a:r>
             <a:r>
               <a:rPr lang="pl-PL" sz="1800" b="1" dirty="0">
@@ -18495,18 +18121,11 @@
               <a:buNone/>
             </a:pPr>
             <a:r>
-              <a:rPr lang="tr-TR" sz="1800" dirty="0" smtClean="0">
-                <a:latin typeface="Courier New" pitchFamily="49" charset="0"/>
-                <a:cs typeface="Courier New" pitchFamily="49" charset="0"/>
-              </a:rPr>
-              <a:t>		v </a:t>
-            </a:r>
-            <a:r>
               <a:rPr lang="tr-TR" sz="1800" dirty="0">
                 <a:latin typeface="Courier New" pitchFamily="49" charset="0"/>
                 <a:cs typeface="Courier New" pitchFamily="49" charset="0"/>
               </a:rPr>
-              <a:t>:= j*dv;</a:t>
+              <a:t>		v := j*dv;</a:t>
             </a:r>
           </a:p>
           <a:p>
@@ -18514,14 +18133,14 @@
               <a:buNone/>
             </a:pPr>
             <a:r>
-              <a:rPr lang="tr-TR" sz="1800" dirty="0" smtClean="0">
+              <a:rPr lang="tr-TR" sz="1800" dirty="0">
                 <a:latin typeface="Courier New" pitchFamily="49" charset="0"/>
                 <a:cs typeface="Courier New" pitchFamily="49" charset="0"/>
               </a:rPr>
               <a:t>		</a:t>
             </a:r>
             <a:r>
-              <a:rPr lang="pl-PL" sz="1800" dirty="0" smtClean="0">
+              <a:rPr lang="pl-PL" sz="1800" dirty="0">
                 <a:latin typeface="Courier New" pitchFamily="49" charset="0"/>
                 <a:cs typeface="Courier New" pitchFamily="49" charset="0"/>
               </a:rPr>
@@ -18532,31 +18151,10 @@
                 <a:latin typeface="Courier New" pitchFamily="49" charset="0"/>
                 <a:cs typeface="Courier New" pitchFamily="49" charset="0"/>
               </a:rPr>
-              <a:t>), </a:t>
-            </a:r>
-            <a:r>
-              <a:rPr lang="pl-PL" sz="1800">
-                <a:latin typeface="Courier New" pitchFamily="49" charset="0"/>
-                <a:cs typeface="Courier New" pitchFamily="49" charset="0"/>
-              </a:rPr>
-              <a:t>P(u, </a:t>
-            </a:r>
-            <a:r>
-              <a:rPr lang="pl-PL" sz="1800">
-                <a:latin typeface="Courier New" pitchFamily="49" charset="0"/>
-                <a:cs typeface="Courier New" pitchFamily="49" charset="0"/>
-              </a:rPr>
-              <a:t>v+dv</a:t>
-            </a:r>
-            <a:r>
-              <a:rPr lang="pl-PL" sz="1800" smtClean="0">
-                <a:latin typeface="Courier New" pitchFamily="49" charset="0"/>
-                <a:cs typeface="Courier New" pitchFamily="49" charset="0"/>
-              </a:rPr>
-              <a:t>)</a:t>
-            </a:r>
-            <a:r>
-              <a:rPr lang="en-US" sz="1800" smtClean="0">
+              <a:t>), P(u, v+dv)</a:t>
+            </a:r>
+            <a:r>
+              <a:rPr lang="en-US" sz="1800">
                 <a:latin typeface="Courier New" pitchFamily="49" charset="0"/>
                 <a:cs typeface="Courier New" pitchFamily="49" charset="0"/>
               </a:rPr>
@@ -18572,21 +18170,21 @@
               <a:buNone/>
             </a:pPr>
             <a:r>
-              <a:rPr lang="tr-TR" sz="1800" dirty="0" smtClean="0">
+              <a:rPr lang="tr-TR" sz="1800" dirty="0">
                 <a:latin typeface="Courier New" pitchFamily="49" charset="0"/>
                 <a:cs typeface="Courier New" pitchFamily="49" charset="0"/>
               </a:rPr>
               <a:t>			</a:t>
             </a:r>
             <a:r>
-              <a:rPr lang="tr-TR" sz="1800" smtClean="0">
+              <a:rPr lang="tr-TR" sz="1800">
                 <a:latin typeface="Courier New" pitchFamily="49" charset="0"/>
                 <a:cs typeface="Courier New" pitchFamily="49" charset="0"/>
               </a:rPr>
               <a:t>	</a:t>
             </a:r>
             <a:r>
-              <a:rPr lang="pl-PL" sz="1800" smtClean="0">
+              <a:rPr lang="pl-PL" sz="1800">
                 <a:latin typeface="Courier New" pitchFamily="49" charset="0"/>
                 <a:cs typeface="Courier New" pitchFamily="49" charset="0"/>
               </a:rPr>
@@ -18604,17 +18202,10 @@
                 <a:latin typeface="Courier New" pitchFamily="49" charset="0"/>
                 <a:cs typeface="Courier New" pitchFamily="49" charset="0"/>
               </a:rPr>
-              <a:t>v+dv</a:t>
-            </a:r>
-            <a:r>
-              <a:rPr lang="pl-PL" sz="1800" smtClean="0">
-                <a:latin typeface="Courier New" pitchFamily="49" charset="0"/>
-                <a:cs typeface="Courier New" pitchFamily="49" charset="0"/>
-              </a:rPr>
-              <a:t>),</a:t>
-            </a:r>
-            <a:r>
-              <a:rPr lang="en-US" sz="1800" smtClean="0">
+              <a:t>v+dv),</a:t>
+            </a:r>
+            <a:r>
+              <a:rPr lang="en-US" sz="1800">
                 <a:latin typeface="Courier New" pitchFamily="49" charset="0"/>
                 <a:cs typeface="Courier New" pitchFamily="49" charset="0"/>
               </a:rPr>
@@ -18625,33 +18216,15 @@
                 <a:latin typeface="Courier New" pitchFamily="49" charset="0"/>
                 <a:cs typeface="Courier New" pitchFamily="49" charset="0"/>
               </a:rPr>
-              <a:t>P(u+du, </a:t>
-            </a:r>
-            <a:r>
-              <a:rPr lang="pl-PL" sz="1800">
-                <a:latin typeface="Courier New" pitchFamily="49" charset="0"/>
-                <a:cs typeface="Courier New" pitchFamily="49" charset="0"/>
-              </a:rPr>
-              <a:t>v</a:t>
-            </a:r>
-            <a:r>
-              <a:rPr lang="pl-PL" sz="1800" smtClean="0">
-                <a:latin typeface="Courier New" pitchFamily="49" charset="0"/>
-                <a:cs typeface="Courier New" pitchFamily="49" charset="0"/>
-              </a:rPr>
-              <a:t>))</a:t>
-            </a:r>
-            <a:r>
-              <a:rPr lang="tr-TR" sz="1800" dirty="0" smtClean="0">
+              <a:t>P(u+du, v))</a:t>
+            </a:r>
+            <a:r>
+              <a:rPr lang="tr-TR" sz="1800" dirty="0">
                 <a:latin typeface="Courier New" pitchFamily="49" charset="0"/>
                 <a:cs typeface="Courier New" pitchFamily="49" charset="0"/>
               </a:rPr>
               <a:t>;</a:t>
             </a:r>
-            <a:endParaRPr lang="tr-TR" sz="1800" dirty="0">
-              <a:latin typeface="Courier New" pitchFamily="49" charset="0"/>
-              <a:cs typeface="Courier New" pitchFamily="49" charset="0"/>
-            </a:endParaRPr>
           </a:p>
         </p:txBody>
       </p:sp>
@@ -18793,13 +18366,6 @@
   <p:clrMapOvr>
     <a:masterClrMapping/>
   </p:clrMapOvr>
-  <p:timing>
-    <p:tnLst>
-      <p:par>
-        <p:cTn id="1" dur="indefinite" restart="never" nodeType="tmRoot"/>
-      </p:par>
-    </p:tnLst>
-  </p:timing>
 </p:sld>
 </file>
 
@@ -18839,13 +18405,8 @@
           <a:p>
             <a:r>
               <a:rPr lang="tr-TR" dirty="0"/>
-              <a:t>Şerit </a:t>
-            </a:r>
-            <a:r>
-              <a:rPr lang="tr-TR" dirty="0" smtClean="0"/>
-              <a:t>Yüzeylerin Gösterimi: Dörtgen (Alternatif)</a:t>
-            </a:r>
-            <a:endParaRPr lang="tr-TR" dirty="0"/>
+              <a:t>Şerit Yüzeylerin Gösterimi: Dörtgen (Alternatif)</a:t>
+            </a:r>
           </a:p>
         </p:txBody>
       </p:sp>
@@ -18872,19 +18433,19 @@
           <a:lstStyle/>
           <a:p>
             <a:r>
-              <a:rPr lang="tr-TR" sz="2400" dirty="0" smtClean="0"/>
+              <a:rPr lang="tr-TR" sz="2400" dirty="0"/>
               <a:t>Önce noktalar hesaplanır sonra çizdirilir.</a:t>
             </a:r>
           </a:p>
           <a:p>
-            <a:endParaRPr lang="tr-TR" sz="2000" dirty="0" smtClean="0"/>
+            <a:endParaRPr lang="tr-TR" sz="2000" dirty="0"/>
           </a:p>
           <a:p>
             <a:pPr marL="0" indent="0">
               <a:buNone/>
             </a:pPr>
             <a:r>
-              <a:rPr lang="tr-TR" sz="1800" dirty="0" smtClean="0">
+              <a:rPr lang="tr-TR" sz="1800" dirty="0">
                 <a:latin typeface="Courier New" pitchFamily="49" charset="0"/>
                 <a:cs typeface="Courier New" pitchFamily="49" charset="0"/>
               </a:rPr>
@@ -18903,18 +18464,11 @@
               <a:t>for</a:t>
             </a:r>
             <a:r>
-              <a:rPr lang="da-DK" sz="1800" dirty="0" smtClean="0">
-                <a:latin typeface="Courier New" pitchFamily="49" charset="0"/>
-                <a:cs typeface="Courier New" pitchFamily="49" charset="0"/>
-              </a:rPr>
-              <a:t> </a:t>
-            </a:r>
-            <a:r>
               <a:rPr lang="da-DK" sz="1800" dirty="0">
                 <a:latin typeface="Courier New" pitchFamily="49" charset="0"/>
                 <a:cs typeface="Courier New" pitchFamily="49" charset="0"/>
               </a:rPr>
-              <a:t>i := 0 to nu </a:t>
+              <a:t> i := 0 to nu </a:t>
             </a:r>
             <a:r>
               <a:rPr lang="da-DK" sz="1800" b="1" dirty="0">
@@ -18929,7 +18483,7 @@
               <a:buNone/>
             </a:pPr>
             <a:r>
-              <a:rPr lang="tr-TR" sz="1800" dirty="0" smtClean="0">
+              <a:rPr lang="tr-TR" sz="1800" dirty="0">
                 <a:latin typeface="Courier New" pitchFamily="49" charset="0"/>
                 <a:cs typeface="Courier New" pitchFamily="49" charset="0"/>
               </a:rPr>
@@ -18943,18 +18497,11 @@
               <a:t>for</a:t>
             </a:r>
             <a:r>
-              <a:rPr lang="pl-PL" sz="1800" dirty="0" smtClean="0">
-                <a:latin typeface="Courier New" pitchFamily="49" charset="0"/>
-                <a:cs typeface="Courier New" pitchFamily="49" charset="0"/>
-              </a:rPr>
-              <a:t> </a:t>
-            </a:r>
-            <a:r>
               <a:rPr lang="pl-PL" sz="1800" dirty="0">
                 <a:latin typeface="Courier New" pitchFamily="49" charset="0"/>
                 <a:cs typeface="Courier New" pitchFamily="49" charset="0"/>
               </a:rPr>
-              <a:t>j := 0 to nv </a:t>
+              <a:t> j := 0 to nv </a:t>
             </a:r>
             <a:r>
               <a:rPr lang="pl-PL" sz="1800" b="1" dirty="0">
@@ -18969,18 +18516,11 @@
               <a:buNone/>
             </a:pPr>
             <a:r>
-              <a:rPr lang="tr-TR" sz="1800" dirty="0" smtClean="0">
-                <a:latin typeface="Courier New" pitchFamily="49" charset="0"/>
-                <a:cs typeface="Courier New" pitchFamily="49" charset="0"/>
-              </a:rPr>
-              <a:t>		Q[i</a:t>
-            </a:r>
-            <a:r>
               <a:rPr lang="tr-TR" sz="1800" dirty="0">
                 <a:latin typeface="Courier New" pitchFamily="49" charset="0"/>
                 <a:cs typeface="Courier New" pitchFamily="49" charset="0"/>
               </a:rPr>
-              <a:t>, j] := P(i/nu, j/</a:t>
+              <a:t>		Q[i, j] := P(i/nu, j/</a:t>
             </a:r>
             <a:r>
               <a:rPr lang="tr-TR" sz="1800" dirty="0" err="1">
@@ -18990,7 +18530,7 @@
               <a:t>nv</a:t>
             </a:r>
             <a:r>
-              <a:rPr lang="tr-TR" sz="1800" dirty="0" smtClean="0">
+              <a:rPr lang="tr-TR" sz="1800" dirty="0">
                 <a:latin typeface="Courier New" pitchFamily="49" charset="0"/>
                 <a:cs typeface="Courier New" pitchFamily="49" charset="0"/>
               </a:rPr>
@@ -19002,16 +18542,12 @@
               <a:buNone/>
             </a:pPr>
             <a:r>
-              <a:rPr lang="tr-TR" sz="1800" dirty="0" smtClean="0">
+              <a:rPr lang="tr-TR" sz="1800" dirty="0">
                 <a:latin typeface="Courier New" pitchFamily="49" charset="0"/>
                 <a:cs typeface="Courier New" pitchFamily="49" charset="0"/>
               </a:rPr>
               <a:t>#noktaları çizdir</a:t>
             </a:r>
-            <a:endParaRPr lang="tr-TR" sz="1800" dirty="0">
-              <a:latin typeface="Courier New" pitchFamily="49" charset="0"/>
-              <a:cs typeface="Courier New" pitchFamily="49" charset="0"/>
-            </a:endParaRPr>
           </a:p>
           <a:p>
             <a:pPr marL="0" indent="0">
@@ -19025,18 +18561,11 @@
               <a:t>for</a:t>
             </a:r>
             <a:r>
-              <a:rPr lang="da-DK" sz="1800" dirty="0" smtClean="0">
-                <a:latin typeface="Courier New" pitchFamily="49" charset="0"/>
-                <a:cs typeface="Courier New" pitchFamily="49" charset="0"/>
-              </a:rPr>
-              <a:t> </a:t>
-            </a:r>
-            <a:r>
               <a:rPr lang="da-DK" sz="1800" dirty="0">
                 <a:latin typeface="Courier New" pitchFamily="49" charset="0"/>
                 <a:cs typeface="Courier New" pitchFamily="49" charset="0"/>
               </a:rPr>
-              <a:t>i := 0 to nu - 1 </a:t>
+              <a:t> i := 0 to nu - 1 </a:t>
             </a:r>
             <a:r>
               <a:rPr lang="da-DK" sz="1800" b="1" dirty="0">
@@ -19051,7 +18580,7 @@
               <a:buNone/>
             </a:pPr>
             <a:r>
-              <a:rPr lang="tr-TR" sz="1800" dirty="0" smtClean="0">
+              <a:rPr lang="tr-TR" sz="1800" dirty="0">
                 <a:latin typeface="Courier New" pitchFamily="49" charset="0"/>
                 <a:cs typeface="Courier New" pitchFamily="49" charset="0"/>
               </a:rPr>
@@ -19065,18 +18594,11 @@
               <a:t>for</a:t>
             </a:r>
             <a:r>
-              <a:rPr lang="pl-PL" sz="1800" dirty="0" smtClean="0">
-                <a:latin typeface="Courier New" pitchFamily="49" charset="0"/>
-                <a:cs typeface="Courier New" pitchFamily="49" charset="0"/>
-              </a:rPr>
-              <a:t> </a:t>
-            </a:r>
-            <a:r>
               <a:rPr lang="pl-PL" sz="1800" dirty="0">
                 <a:latin typeface="Courier New" pitchFamily="49" charset="0"/>
                 <a:cs typeface="Courier New" pitchFamily="49" charset="0"/>
               </a:rPr>
-              <a:t>j := 0 to nv - 1 </a:t>
+              <a:t> j := 0 to nv - 1 </a:t>
             </a:r>
             <a:r>
               <a:rPr lang="pl-PL" sz="1800" b="1" dirty="0">
@@ -19091,46 +18613,32 @@
               <a:buNone/>
             </a:pPr>
             <a:r>
-              <a:rPr lang="tr-TR" sz="1800" dirty="0" smtClean="0">
+              <a:rPr lang="tr-TR" sz="1800" dirty="0">
                 <a:latin typeface="Courier New" pitchFamily="49" charset="0"/>
                 <a:cs typeface="Courier New" pitchFamily="49" charset="0"/>
               </a:rPr>
               <a:t>		</a:t>
             </a:r>
             <a:r>
-              <a:rPr lang="tr-TR" sz="1800" dirty="0" err="1" smtClean="0">
+              <a:rPr lang="tr-TR" sz="1800" dirty="0" err="1">
                 <a:latin typeface="Courier New" pitchFamily="49" charset="0"/>
                 <a:cs typeface="Courier New" pitchFamily="49" charset="0"/>
               </a:rPr>
               <a:t>DrawQuad</a:t>
             </a:r>
             <a:r>
-              <a:rPr lang="tr-TR" sz="1800" dirty="0" smtClean="0">
-                <a:latin typeface="Courier New" pitchFamily="49" charset="0"/>
-                <a:cs typeface="Courier New" pitchFamily="49" charset="0"/>
-              </a:rPr>
-              <a:t>(Q[i</a:t>
-            </a:r>
-            <a:r>
               <a:rPr lang="tr-TR" sz="1800" dirty="0">
                 <a:latin typeface="Courier New" pitchFamily="49" charset="0"/>
                 <a:cs typeface="Courier New" pitchFamily="49" charset="0"/>
               </a:rPr>
-              <a:t>, j</a:t>
+              <a:t>(Q[i, j</a:t>
             </a:r>
             <a:r>
               <a:rPr lang="tr-TR" sz="1800">
                 <a:latin typeface="Courier New" pitchFamily="49" charset="0"/>
                 <a:cs typeface="Courier New" pitchFamily="49" charset="0"/>
               </a:rPr>
-              <a:t>], </a:t>
-            </a:r>
-            <a:r>
-              <a:rPr lang="tr-TR" sz="1800" smtClean="0">
-                <a:latin typeface="Courier New" pitchFamily="49" charset="0"/>
-                <a:cs typeface="Courier New" pitchFamily="49" charset="0"/>
-              </a:rPr>
-              <a:t>Q[i</a:t>
+              <a:t>], Q[i</a:t>
             </a:r>
             <a:r>
               <a:rPr lang="tr-TR" sz="1800" dirty="0">
@@ -19144,17 +18652,10 @@
                 <a:latin typeface="Courier New" pitchFamily="49" charset="0"/>
                 <a:cs typeface="Courier New" pitchFamily="49" charset="0"/>
               </a:rPr>
-              <a:t>j+1</a:t>
-            </a:r>
-            <a:r>
-              <a:rPr lang="tr-TR" sz="1800" smtClean="0">
-                <a:latin typeface="Courier New" pitchFamily="49" charset="0"/>
-                <a:cs typeface="Courier New" pitchFamily="49" charset="0"/>
-              </a:rPr>
-              <a:t>]</a:t>
-            </a:r>
-            <a:r>
-              <a:rPr lang="en-US" sz="1800" smtClean="0">
+              <a:t>j+1]</a:t>
+            </a:r>
+            <a:r>
+              <a:rPr lang="en-US" sz="1800">
                 <a:latin typeface="Courier New" pitchFamily="49" charset="0"/>
                 <a:cs typeface="Courier New" pitchFamily="49" charset="0"/>
               </a:rPr>
@@ -19174,42 +18675,7 @@
                 <a:latin typeface="Courier New" pitchFamily="49" charset="0"/>
                 <a:cs typeface="Courier New" pitchFamily="49" charset="0"/>
               </a:rPr>
-              <a:t>					Q[i+1, </a:t>
-            </a:r>
-            <a:r>
-              <a:rPr lang="tr-TR" sz="1800">
-                <a:latin typeface="Courier New" pitchFamily="49" charset="0"/>
-                <a:cs typeface="Courier New" pitchFamily="49" charset="0"/>
-              </a:rPr>
-              <a:t>j+1</a:t>
-            </a:r>
-            <a:r>
-              <a:rPr lang="tr-TR" sz="1800" smtClean="0">
-                <a:latin typeface="Courier New" pitchFamily="49" charset="0"/>
-                <a:cs typeface="Courier New" pitchFamily="49" charset="0"/>
-              </a:rPr>
-              <a:t>],</a:t>
-            </a:r>
-            <a:r>
-              <a:rPr lang="tr-TR" sz="1800">
-                <a:latin typeface="Courier New" pitchFamily="49" charset="0"/>
-                <a:cs typeface="Courier New" pitchFamily="49" charset="0"/>
-              </a:rPr>
-              <a:t> Q[i+1, </a:t>
-            </a:r>
-            <a:r>
-              <a:rPr lang="tr-TR" sz="1800">
-                <a:latin typeface="Courier New" pitchFamily="49" charset="0"/>
-                <a:cs typeface="Courier New" pitchFamily="49" charset="0"/>
-              </a:rPr>
-              <a:t>j</a:t>
-            </a:r>
-            <a:r>
-              <a:rPr lang="tr-TR" sz="1800" smtClean="0">
-                <a:latin typeface="Courier New" pitchFamily="49" charset="0"/>
-                <a:cs typeface="Courier New" pitchFamily="49" charset="0"/>
-              </a:rPr>
-              <a:t>]);</a:t>
+              <a:t>					Q[i+1, j+1], Q[i+1, j]);</a:t>
             </a:r>
             <a:endParaRPr lang="tr-TR" sz="1800" dirty="0">
               <a:latin typeface="Courier New" pitchFamily="49" charset="0"/>
@@ -19292,13 +18758,6 @@
   <p:clrMapOvr>
     <a:masterClrMapping/>
   </p:clrMapOvr>
-  <p:timing>
-    <p:tnLst>
-      <p:par>
-        <p:cTn id="1" dur="indefinite" restart="never" nodeType="tmRoot"/>
-      </p:par>
-    </p:tnLst>
-  </p:timing>
 </p:sld>
 </file>
 
@@ -19338,13 +18797,8 @@
           <a:p>
             <a:r>
               <a:rPr lang="tr-TR" dirty="0"/>
-              <a:t>Şerit </a:t>
-            </a:r>
-            <a:r>
-              <a:rPr lang="tr-TR" dirty="0" smtClean="0"/>
-              <a:t>Yüzeylerin Gösterimi: Üçgen (Alternatif)</a:t>
-            </a:r>
-            <a:endParaRPr lang="tr-TR" dirty="0"/>
+              <a:t>Şerit Yüzeylerin Gösterimi: Üçgen (Alternatif)</a:t>
+            </a:r>
           </a:p>
         </p:txBody>
       </p:sp>
@@ -19371,25 +18825,25 @@
           <a:lstStyle/>
           <a:p>
             <a:r>
-              <a:rPr lang="tr-TR" sz="2400" dirty="0" smtClean="0"/>
+              <a:rPr lang="tr-TR" sz="2400" dirty="0"/>
               <a:t>Önce noktalar hesaplanır sonra çizdirilir.</a:t>
             </a:r>
           </a:p>
           <a:p>
             <a:r>
-              <a:rPr lang="tr-TR" sz="2400" dirty="0" smtClean="0"/>
+              <a:rPr lang="tr-TR" sz="2400" dirty="0"/>
               <a:t>Üçgen çizdirme yaklaşımı kullanılır.</a:t>
             </a:r>
           </a:p>
           <a:p>
-            <a:endParaRPr lang="tr-TR" sz="2000" dirty="0" smtClean="0"/>
+            <a:endParaRPr lang="tr-TR" sz="2000" dirty="0"/>
           </a:p>
           <a:p>
             <a:pPr marL="0" indent="0">
               <a:buNone/>
             </a:pPr>
             <a:r>
-              <a:rPr lang="tr-TR" sz="1800" dirty="0" smtClean="0">
+              <a:rPr lang="tr-TR" sz="1800" dirty="0">
                 <a:latin typeface="Courier New" pitchFamily="49" charset="0"/>
                 <a:cs typeface="Courier New" pitchFamily="49" charset="0"/>
               </a:rPr>
@@ -19408,18 +18862,11 @@
               <a:t>for</a:t>
             </a:r>
             <a:r>
-              <a:rPr lang="da-DK" sz="1800" dirty="0" smtClean="0">
-                <a:latin typeface="Courier New" pitchFamily="49" charset="0"/>
-                <a:cs typeface="Courier New" pitchFamily="49" charset="0"/>
-              </a:rPr>
-              <a:t> </a:t>
-            </a:r>
-            <a:r>
               <a:rPr lang="da-DK" sz="1800" dirty="0">
                 <a:latin typeface="Courier New" pitchFamily="49" charset="0"/>
                 <a:cs typeface="Courier New" pitchFamily="49" charset="0"/>
               </a:rPr>
-              <a:t>i := 0 to nu </a:t>
+              <a:t> i := 0 to nu </a:t>
             </a:r>
             <a:r>
               <a:rPr lang="da-DK" sz="1800" b="1" dirty="0">
@@ -19434,7 +18881,7 @@
               <a:buNone/>
             </a:pPr>
             <a:r>
-              <a:rPr lang="tr-TR" sz="1800" dirty="0" smtClean="0">
+              <a:rPr lang="tr-TR" sz="1800" dirty="0">
                 <a:latin typeface="Courier New" pitchFamily="49" charset="0"/>
                 <a:cs typeface="Courier New" pitchFamily="49" charset="0"/>
               </a:rPr>
@@ -19448,18 +18895,11 @@
               <a:t>for</a:t>
             </a:r>
             <a:r>
-              <a:rPr lang="pl-PL" sz="1800" dirty="0" smtClean="0">
-                <a:latin typeface="Courier New" pitchFamily="49" charset="0"/>
-                <a:cs typeface="Courier New" pitchFamily="49" charset="0"/>
-              </a:rPr>
-              <a:t> </a:t>
-            </a:r>
-            <a:r>
               <a:rPr lang="pl-PL" sz="1800" dirty="0">
                 <a:latin typeface="Courier New" pitchFamily="49" charset="0"/>
                 <a:cs typeface="Courier New" pitchFamily="49" charset="0"/>
               </a:rPr>
-              <a:t>j := 0 to nv </a:t>
+              <a:t> j := 0 to nv </a:t>
             </a:r>
             <a:r>
               <a:rPr lang="pl-PL" sz="1800" b="1" dirty="0">
@@ -19474,18 +18914,11 @@
               <a:buNone/>
             </a:pPr>
             <a:r>
-              <a:rPr lang="tr-TR" sz="1800" dirty="0" smtClean="0">
-                <a:latin typeface="Courier New" pitchFamily="49" charset="0"/>
-                <a:cs typeface="Courier New" pitchFamily="49" charset="0"/>
-              </a:rPr>
-              <a:t>		Q[i</a:t>
-            </a:r>
-            <a:r>
               <a:rPr lang="tr-TR" sz="1800" dirty="0">
                 <a:latin typeface="Courier New" pitchFamily="49" charset="0"/>
                 <a:cs typeface="Courier New" pitchFamily="49" charset="0"/>
               </a:rPr>
-              <a:t>, j] := P(i/nu, j/</a:t>
+              <a:t>		Q[i, j] := P(i/nu, j/</a:t>
             </a:r>
             <a:r>
               <a:rPr lang="tr-TR" sz="1800" dirty="0" err="1">
@@ -19495,7 +18928,7 @@
               <a:t>nv</a:t>
             </a:r>
             <a:r>
-              <a:rPr lang="tr-TR" sz="1800" dirty="0" smtClean="0">
+              <a:rPr lang="tr-TR" sz="1800" dirty="0">
                 <a:latin typeface="Courier New" pitchFamily="49" charset="0"/>
                 <a:cs typeface="Courier New" pitchFamily="49" charset="0"/>
               </a:rPr>
@@ -19507,16 +18940,12 @@
               <a:buNone/>
             </a:pPr>
             <a:r>
-              <a:rPr lang="tr-TR" sz="1800" dirty="0" smtClean="0">
+              <a:rPr lang="tr-TR" sz="1800" dirty="0">
                 <a:latin typeface="Courier New" pitchFamily="49" charset="0"/>
                 <a:cs typeface="Courier New" pitchFamily="49" charset="0"/>
               </a:rPr>
               <a:t>#noktaları çizdir</a:t>
             </a:r>
-            <a:endParaRPr lang="tr-TR" sz="1800" dirty="0">
-              <a:latin typeface="Courier New" pitchFamily="49" charset="0"/>
-              <a:cs typeface="Courier New" pitchFamily="49" charset="0"/>
-            </a:endParaRPr>
           </a:p>
           <a:p>
             <a:pPr marL="0" indent="0">
@@ -19530,18 +18959,11 @@
               <a:t>for</a:t>
             </a:r>
             <a:r>
-              <a:rPr lang="da-DK" sz="1800" dirty="0" smtClean="0">
-                <a:latin typeface="Courier New" pitchFamily="49" charset="0"/>
-                <a:cs typeface="Courier New" pitchFamily="49" charset="0"/>
-              </a:rPr>
-              <a:t> </a:t>
-            </a:r>
-            <a:r>
               <a:rPr lang="da-DK" sz="1800" dirty="0">
                 <a:latin typeface="Courier New" pitchFamily="49" charset="0"/>
                 <a:cs typeface="Courier New" pitchFamily="49" charset="0"/>
               </a:rPr>
-              <a:t>i := 0 to nu - 1 </a:t>
+              <a:t> i := 0 to nu - 1 </a:t>
             </a:r>
             <a:r>
               <a:rPr lang="da-DK" sz="1800" b="1" dirty="0">
@@ -19556,7 +18978,7 @@
               <a:buNone/>
             </a:pPr>
             <a:r>
-              <a:rPr lang="tr-TR" sz="1800" dirty="0" smtClean="0">
+              <a:rPr lang="tr-TR" sz="1800" dirty="0">
                 <a:latin typeface="Courier New" pitchFamily="49" charset="0"/>
                 <a:cs typeface="Courier New" pitchFamily="49" charset="0"/>
               </a:rPr>
@@ -19570,18 +18992,11 @@
               <a:t>for</a:t>
             </a:r>
             <a:r>
-              <a:rPr lang="pl-PL" sz="1800" dirty="0" smtClean="0">
-                <a:latin typeface="Courier New" pitchFamily="49" charset="0"/>
-                <a:cs typeface="Courier New" pitchFamily="49" charset="0"/>
-              </a:rPr>
-              <a:t> </a:t>
-            </a:r>
-            <a:r>
               <a:rPr lang="pl-PL" sz="1800" dirty="0">
                 <a:latin typeface="Courier New" pitchFamily="49" charset="0"/>
                 <a:cs typeface="Courier New" pitchFamily="49" charset="0"/>
               </a:rPr>
-              <a:t>j := 0 to nv - 1 </a:t>
+              <a:t> j := 0 to nv - 1 </a:t>
             </a:r>
             <a:r>
               <a:rPr lang="pl-PL" sz="1800" b="1" dirty="0">
@@ -19596,46 +19011,32 @@
               <a:buNone/>
             </a:pPr>
             <a:r>
-              <a:rPr lang="tr-TR" sz="1800" dirty="0" smtClean="0">
+              <a:rPr lang="tr-TR" sz="1800" dirty="0">
                 <a:latin typeface="Courier New" pitchFamily="49" charset="0"/>
                 <a:cs typeface="Courier New" pitchFamily="49" charset="0"/>
               </a:rPr>
               <a:t>		</a:t>
             </a:r>
             <a:r>
-              <a:rPr lang="tr-TR" sz="1800" dirty="0" err="1" smtClean="0">
+              <a:rPr lang="tr-TR" sz="1800" dirty="0" err="1">
                 <a:latin typeface="Courier New" pitchFamily="49" charset="0"/>
                 <a:cs typeface="Courier New" pitchFamily="49" charset="0"/>
               </a:rPr>
               <a:t>DrawTriangle</a:t>
             </a:r>
             <a:r>
-              <a:rPr lang="tr-TR" sz="1800" dirty="0" smtClean="0">
-                <a:latin typeface="Courier New" pitchFamily="49" charset="0"/>
-                <a:cs typeface="Courier New" pitchFamily="49" charset="0"/>
-              </a:rPr>
-              <a:t>(Q[i</a:t>
-            </a:r>
-            <a:r>
               <a:rPr lang="tr-TR" sz="1800" dirty="0">
                 <a:latin typeface="Courier New" pitchFamily="49" charset="0"/>
                 <a:cs typeface="Courier New" pitchFamily="49" charset="0"/>
               </a:rPr>
-              <a:t>, j</a:t>
+              <a:t>(Q[i, j</a:t>
             </a:r>
             <a:r>
               <a:rPr lang="tr-TR" sz="1800">
                 <a:latin typeface="Courier New" pitchFamily="49" charset="0"/>
                 <a:cs typeface="Courier New" pitchFamily="49" charset="0"/>
               </a:rPr>
-              <a:t>], </a:t>
-            </a:r>
-            <a:r>
-              <a:rPr lang="tr-TR" sz="1800" smtClean="0">
-                <a:latin typeface="Courier New" pitchFamily="49" charset="0"/>
-                <a:cs typeface="Courier New" pitchFamily="49" charset="0"/>
-              </a:rPr>
-              <a:t>Q[i+1</a:t>
+              <a:t>], Q[i+1</a:t>
             </a:r>
             <a:r>
               <a:rPr lang="tr-TR" sz="1800" dirty="0">
@@ -19649,100 +19050,58 @@
                 <a:latin typeface="Courier New" pitchFamily="49" charset="0"/>
                 <a:cs typeface="Courier New" pitchFamily="49" charset="0"/>
               </a:rPr>
-              <a:t>j+1</a:t>
-            </a:r>
-            <a:r>
-              <a:rPr lang="tr-TR" sz="1800" smtClean="0">
-                <a:latin typeface="Courier New" pitchFamily="49" charset="0"/>
-                <a:cs typeface="Courier New" pitchFamily="49" charset="0"/>
-              </a:rPr>
-              <a:t>]</a:t>
-            </a:r>
-            <a:r>
-              <a:rPr lang="en-US" sz="1800" smtClean="0">
+              <a:t>j+1]</a:t>
+            </a:r>
+            <a:r>
+              <a:rPr lang="en-US" sz="1800">
                 <a:latin typeface="Courier New" pitchFamily="49" charset="0"/>
                 <a:cs typeface="Courier New" pitchFamily="49" charset="0"/>
               </a:rPr>
               <a:t>,</a:t>
             </a:r>
             <a:r>
-              <a:rPr lang="tr-TR" sz="1800" smtClean="0">
-                <a:latin typeface="Courier New" pitchFamily="49" charset="0"/>
-                <a:cs typeface="Courier New" pitchFamily="49" charset="0"/>
-              </a:rPr>
-              <a:t> </a:t>
-            </a:r>
-            <a:r>
               <a:rPr lang="tr-TR" sz="1800">
                 <a:latin typeface="Courier New" pitchFamily="49" charset="0"/>
                 <a:cs typeface="Courier New" pitchFamily="49" charset="0"/>
               </a:rPr>
-              <a:t>Q[i+1, </a:t>
+              <a:t> Q[i+1, j]);</a:t>
+            </a:r>
+            <a:endParaRPr lang="tr-TR" sz="1800" dirty="0">
+              <a:latin typeface="Courier New" pitchFamily="49" charset="0"/>
+              <a:cs typeface="Courier New" pitchFamily="49" charset="0"/>
+            </a:endParaRPr>
+          </a:p>
+          <a:p>
+            <a:pPr marL="0" indent="0">
+              <a:buNone/>
+            </a:pPr>
+            <a:r>
+              <a:rPr lang="tr-TR" sz="1800" dirty="0">
+                <a:latin typeface="Courier New" pitchFamily="49" charset="0"/>
+                <a:cs typeface="Courier New" pitchFamily="49" charset="0"/>
+              </a:rPr>
+              <a:t>		</a:t>
+            </a:r>
+            <a:r>
+              <a:rPr lang="tr-TR" sz="1800" dirty="0" err="1">
+                <a:latin typeface="Courier New" pitchFamily="49" charset="0"/>
+                <a:cs typeface="Courier New" pitchFamily="49" charset="0"/>
+              </a:rPr>
+              <a:t>DrawTriangle</a:t>
+            </a:r>
+            <a:r>
+              <a:rPr lang="tr-TR" sz="1800" dirty="0">
+                <a:latin typeface="Courier New" pitchFamily="49" charset="0"/>
+                <a:cs typeface="Courier New" pitchFamily="49" charset="0"/>
+              </a:rPr>
+              <a:t>(Q[i, j</a:t>
             </a:r>
             <a:r>
               <a:rPr lang="tr-TR" sz="1800">
                 <a:latin typeface="Courier New" pitchFamily="49" charset="0"/>
                 <a:cs typeface="Courier New" pitchFamily="49" charset="0"/>
               </a:rPr>
-              <a:t>j</a:t>
-            </a:r>
-            <a:r>
-              <a:rPr lang="tr-TR" sz="1800" smtClean="0">
-                <a:latin typeface="Courier New" pitchFamily="49" charset="0"/>
-                <a:cs typeface="Courier New" pitchFamily="49" charset="0"/>
-              </a:rPr>
-              <a:t>]);</a:t>
-            </a:r>
-            <a:endParaRPr lang="tr-TR" sz="1800" dirty="0">
-              <a:latin typeface="Courier New" pitchFamily="49" charset="0"/>
-              <a:cs typeface="Courier New" pitchFamily="49" charset="0"/>
-            </a:endParaRPr>
-          </a:p>
-          <a:p>
-            <a:pPr marL="0" indent="0">
-              <a:buNone/>
-            </a:pPr>
-            <a:r>
-              <a:rPr lang="tr-TR" sz="1800" dirty="0" smtClean="0">
-                <a:latin typeface="Courier New" pitchFamily="49" charset="0"/>
-                <a:cs typeface="Courier New" pitchFamily="49" charset="0"/>
-              </a:rPr>
-              <a:t>		</a:t>
-            </a:r>
-            <a:r>
-              <a:rPr lang="tr-TR" sz="1800" dirty="0" err="1" smtClean="0">
-                <a:latin typeface="Courier New" pitchFamily="49" charset="0"/>
-                <a:cs typeface="Courier New" pitchFamily="49" charset="0"/>
-              </a:rPr>
-              <a:t>DrawTriangle</a:t>
-            </a:r>
-            <a:r>
-              <a:rPr lang="tr-TR" sz="1800" dirty="0" smtClean="0">
-                <a:latin typeface="Courier New" pitchFamily="49" charset="0"/>
-                <a:cs typeface="Courier New" pitchFamily="49" charset="0"/>
-              </a:rPr>
-              <a:t>(Q[i</a:t>
-            </a:r>
-            <a:r>
-              <a:rPr lang="tr-TR" sz="1800" dirty="0">
-                <a:latin typeface="Courier New" pitchFamily="49" charset="0"/>
-                <a:cs typeface="Courier New" pitchFamily="49" charset="0"/>
-              </a:rPr>
-              <a:t>, j</a:t>
-            </a:r>
-            <a:r>
-              <a:rPr lang="tr-TR" sz="1800">
-                <a:latin typeface="Courier New" pitchFamily="49" charset="0"/>
-                <a:cs typeface="Courier New" pitchFamily="49" charset="0"/>
-              </a:rPr>
-              <a:t>], </a:t>
-            </a:r>
-            <a:r>
-              <a:rPr lang="tr-TR" sz="1800" smtClean="0">
-                <a:latin typeface="Courier New" pitchFamily="49" charset="0"/>
-                <a:cs typeface="Courier New" pitchFamily="49" charset="0"/>
-              </a:rPr>
-              <a:t>Q[i</a:t>
+              <a:t>], Q[i</a:t>
             </a:r>
             <a:r>
               <a:rPr lang="tr-TR" sz="1800" dirty="0">
@@ -19756,17 +19115,10 @@
                 <a:latin typeface="Courier New" pitchFamily="49" charset="0"/>
                 <a:cs typeface="Courier New" pitchFamily="49" charset="0"/>
               </a:rPr>
-              <a:t>j+1</a:t>
-            </a:r>
-            <a:r>
-              <a:rPr lang="tr-TR" sz="1800" smtClean="0">
-                <a:latin typeface="Courier New" pitchFamily="49" charset="0"/>
-                <a:cs typeface="Courier New" pitchFamily="49" charset="0"/>
-              </a:rPr>
-              <a:t>]</a:t>
-            </a:r>
-            <a:r>
-              <a:rPr lang="en-US" sz="1800" smtClean="0">
+              <a:t>j+1]</a:t>
+            </a:r>
+            <a:r>
+              <a:rPr lang="en-US" sz="1800">
                 <a:latin typeface="Courier New" pitchFamily="49" charset="0"/>
                 <a:cs typeface="Courier New" pitchFamily="49" charset="0"/>
               </a:rPr>
@@ -19777,21 +19129,7 @@
                 <a:latin typeface="Courier New" pitchFamily="49" charset="0"/>
                 <a:cs typeface="Courier New" pitchFamily="49" charset="0"/>
               </a:rPr>
-              <a:t> Q[i+1, </a:t>
-            </a:r>
-            <a:r>
-              <a:rPr lang="tr-TR" sz="1800">
-                <a:latin typeface="Courier New" pitchFamily="49" charset="0"/>
-                <a:cs typeface="Courier New" pitchFamily="49" charset="0"/>
-              </a:rPr>
-              <a:t>j+1</a:t>
-            </a:r>
-            <a:r>
-              <a:rPr lang="tr-TR" sz="1800" smtClean="0">
-                <a:latin typeface="Courier New" pitchFamily="49" charset="0"/>
-                <a:cs typeface="Courier New" pitchFamily="49" charset="0"/>
-              </a:rPr>
-              <a:t>]);</a:t>
+              <a:t> Q[i+1, j+1]);</a:t>
             </a:r>
             <a:endParaRPr lang="tr-TR" sz="1800" dirty="0">
               <a:latin typeface="Courier New" pitchFamily="49" charset="0"/>
@@ -19874,13 +19212,6 @@
   <p:clrMapOvr>
     <a:masterClrMapping/>
   </p:clrMapOvr>
-  <p:timing>
-    <p:tnLst>
-      <p:par>
-        <p:cTn id="1" dur="indefinite" restart="never" nodeType="tmRoot"/>
-      </p:par>
-    </p:tnLst>
-  </p:timing>
 </p:sld>
 </file>
 
@@ -19920,20 +19251,15 @@
           <a:p>
             <a:r>
               <a:rPr lang="tr-TR" dirty="0"/>
-              <a:t>Şerit </a:t>
-            </a:r>
-            <a:r>
-              <a:rPr lang="tr-TR" dirty="0" smtClean="0"/>
-              <a:t>Yüzeylerin Gösterimi: </a:t>
+              <a:t>Şerit Yüzeylerin Gösterimi: </a:t>
             </a:r>
             <a:br>
-              <a:rPr lang="tr-TR" dirty="0" smtClean="0"/>
+              <a:rPr lang="tr-TR" dirty="0"/>
             </a:br>
             <a:r>
-              <a:rPr lang="tr-TR" dirty="0" smtClean="0"/>
+              <a:rPr lang="tr-TR" dirty="0"/>
               <a:t>Üçgen Dizisi (Alternatif)</a:t>
             </a:r>
-            <a:endParaRPr lang="tr-TR" dirty="0"/>
           </a:p>
         </p:txBody>
       </p:sp>
@@ -19960,20 +19286,20 @@
           <a:lstStyle/>
           <a:p>
             <a:r>
-              <a:rPr lang="tr-TR" sz="2400" dirty="0" smtClean="0"/>
+              <a:rPr lang="tr-TR" sz="2400" dirty="0"/>
               <a:t>Önce noktalar hesaplanır sonra çizdirilir.</a:t>
             </a:r>
           </a:p>
           <a:p>
             <a:r>
-              <a:rPr lang="tr-TR" sz="2400" dirty="0" smtClean="0"/>
+              <a:rPr lang="tr-TR" sz="2400" dirty="0"/>
               <a:t>Üçgen çizdirme yaklaşımı </a:t>
             </a:r>
             <a:r>
-              <a:rPr lang="tr-TR" sz="2400" smtClean="0"/>
+              <a:rPr lang="tr-TR" sz="2400"/>
               <a:t>kullanılır.</a:t>
             </a:r>
-            <a:endParaRPr lang="en-US" sz="2400" smtClean="0"/>
+            <a:endParaRPr lang="en-US" sz="2400"/>
           </a:p>
           <a:p>
             <a:pPr marL="0" indent="0">
@@ -19982,7 +19308,7 @@
               </a:spcBef>
               <a:buNone/>
             </a:pPr>
-            <a:endParaRPr lang="tr-TR" sz="2000" dirty="0" smtClean="0"/>
+            <a:endParaRPr lang="tr-TR" sz="2000" dirty="0"/>
           </a:p>
           <a:p>
             <a:pPr marL="0" indent="0">
@@ -19992,7 +19318,7 @@
               <a:buNone/>
             </a:pPr>
             <a:r>
-              <a:rPr lang="tr-TR" sz="1800" dirty="0" smtClean="0">
+              <a:rPr lang="tr-TR" sz="1800" dirty="0">
                 <a:latin typeface="Courier New" pitchFamily="49" charset="0"/>
                 <a:cs typeface="Courier New" pitchFamily="49" charset="0"/>
               </a:rPr>
@@ -20011,18 +19337,11 @@
               <a:t>for</a:t>
             </a:r>
             <a:r>
-              <a:rPr lang="da-DK" sz="1800" dirty="0" smtClean="0">
-                <a:latin typeface="Courier New" pitchFamily="49" charset="0"/>
-                <a:cs typeface="Courier New" pitchFamily="49" charset="0"/>
-              </a:rPr>
-              <a:t> </a:t>
-            </a:r>
-            <a:r>
               <a:rPr lang="da-DK" sz="1800" dirty="0">
                 <a:latin typeface="Courier New" pitchFamily="49" charset="0"/>
                 <a:cs typeface="Courier New" pitchFamily="49" charset="0"/>
               </a:rPr>
-              <a:t>i := 0 to nu </a:t>
+              <a:t> i := 0 to nu </a:t>
             </a:r>
             <a:r>
               <a:rPr lang="da-DK" sz="1800" b="1" dirty="0">
@@ -20037,7 +19356,7 @@
               <a:buNone/>
             </a:pPr>
             <a:r>
-              <a:rPr lang="tr-TR" sz="1800" dirty="0" smtClean="0">
+              <a:rPr lang="tr-TR" sz="1800" dirty="0">
                 <a:latin typeface="Courier New" pitchFamily="49" charset="0"/>
                 <a:cs typeface="Courier New" pitchFamily="49" charset="0"/>
               </a:rPr>
@@ -20051,18 +19370,11 @@
               <a:t>for</a:t>
             </a:r>
             <a:r>
-              <a:rPr lang="pl-PL" sz="1800" dirty="0" smtClean="0">
-                <a:latin typeface="Courier New" pitchFamily="49" charset="0"/>
-                <a:cs typeface="Courier New" pitchFamily="49" charset="0"/>
-              </a:rPr>
-              <a:t> </a:t>
-            </a:r>
-            <a:r>
               <a:rPr lang="pl-PL" sz="1800" dirty="0">
                 <a:latin typeface="Courier New" pitchFamily="49" charset="0"/>
                 <a:cs typeface="Courier New" pitchFamily="49" charset="0"/>
               </a:rPr>
-              <a:t>j := 0 to nv </a:t>
+              <a:t> j := 0 to nv </a:t>
             </a:r>
             <a:r>
               <a:rPr lang="pl-PL" sz="1800" b="1" dirty="0">
@@ -20077,18 +19389,11 @@
               <a:buNone/>
             </a:pPr>
             <a:r>
-              <a:rPr lang="tr-TR" sz="1800" dirty="0" smtClean="0">
-                <a:latin typeface="Courier New" pitchFamily="49" charset="0"/>
-                <a:cs typeface="Courier New" pitchFamily="49" charset="0"/>
-              </a:rPr>
-              <a:t>		Q[i</a:t>
-            </a:r>
-            <a:r>
               <a:rPr lang="tr-TR" sz="1800" dirty="0">
                 <a:latin typeface="Courier New" pitchFamily="49" charset="0"/>
                 <a:cs typeface="Courier New" pitchFamily="49" charset="0"/>
               </a:rPr>
-              <a:t>, j] := P(i/nu, j/</a:t>
+              <a:t>		Q[i, j] := P(i/nu, j/</a:t>
             </a:r>
             <a:r>
               <a:rPr lang="tr-TR" sz="1800" dirty="0" err="1">
@@ -20098,7 +19403,7 @@
               <a:t>nv</a:t>
             </a:r>
             <a:r>
-              <a:rPr lang="tr-TR" sz="1800" dirty="0" smtClean="0">
+              <a:rPr lang="tr-TR" sz="1800" dirty="0">
                 <a:latin typeface="Courier New" pitchFamily="49" charset="0"/>
                 <a:cs typeface="Courier New" pitchFamily="49" charset="0"/>
               </a:rPr>
@@ -20110,56 +19415,56 @@
               <a:buNone/>
             </a:pPr>
             <a:r>
-              <a:rPr lang="tr-TR" sz="1800" dirty="0" smtClean="0">
+              <a:rPr lang="tr-TR" sz="1800" dirty="0">
                 <a:latin typeface="Courier New" pitchFamily="49" charset="0"/>
                 <a:cs typeface="Courier New" pitchFamily="49" charset="0"/>
               </a:rPr>
               <a:t>#</a:t>
             </a:r>
             <a:r>
-              <a:rPr lang="tr-TR" sz="1800" smtClean="0">
+              <a:rPr lang="tr-TR" sz="1800">
                 <a:latin typeface="Courier New" pitchFamily="49" charset="0"/>
                 <a:cs typeface="Courier New" pitchFamily="49" charset="0"/>
               </a:rPr>
               <a:t>noktaları </a:t>
             </a:r>
             <a:r>
-              <a:rPr lang="en-US" sz="1800" smtClean="0">
+              <a:rPr lang="en-US" sz="1800">
                 <a:latin typeface="Courier New" pitchFamily="49" charset="0"/>
                 <a:cs typeface="Courier New" pitchFamily="49" charset="0"/>
               </a:rPr>
               <a:t>oluşturup </a:t>
             </a:r>
             <a:r>
-              <a:rPr lang="tr-TR" sz="1800" b="1" smtClean="0">
+              <a:rPr lang="tr-TR" sz="1800" b="1">
                 <a:latin typeface="Courier New" pitchFamily="49" charset="0"/>
                 <a:cs typeface="Courier New" pitchFamily="49" charset="0"/>
               </a:rPr>
               <a:t>GL_TRIANGLE_STRIP</a:t>
             </a:r>
             <a:r>
-              <a:rPr lang="en-US" sz="1800" b="1" smtClean="0">
+              <a:rPr lang="en-US" sz="1800" b="1">
                 <a:latin typeface="Courier New" pitchFamily="49" charset="0"/>
                 <a:cs typeface="Courier New" pitchFamily="49" charset="0"/>
               </a:rPr>
               <a:t> </a:t>
             </a:r>
             <a:r>
-              <a:rPr lang="en-US" sz="1800" smtClean="0">
+              <a:rPr lang="en-US" sz="1800">
                 <a:latin typeface="Courier New" pitchFamily="49" charset="0"/>
                 <a:cs typeface="Courier New" pitchFamily="49" charset="0"/>
               </a:rPr>
               <a:t>ile</a:t>
             </a:r>
             <a:r>
-              <a:rPr lang="en-US" sz="1800" b="1" smtClean="0">
+              <a:rPr lang="en-US" sz="1800" b="1">
                 <a:latin typeface="Courier New" pitchFamily="49" charset="0"/>
                 <a:cs typeface="Courier New" pitchFamily="49" charset="0"/>
               </a:rPr>
               <a:t> </a:t>
             </a:r>
             <a:r>
-              <a:rPr lang="tr-TR" sz="1800" smtClean="0">
+              <a:rPr lang="tr-TR" sz="1800">
                 <a:latin typeface="Courier New" pitchFamily="49" charset="0"/>
                 <a:cs typeface="Courier New" pitchFamily="49" charset="0"/>
               </a:rPr>
@@ -20182,18 +19487,11 @@
               <a:t>for</a:t>
             </a:r>
             <a:r>
-              <a:rPr lang="da-DK" sz="1800" dirty="0" smtClean="0">
-                <a:latin typeface="Courier New" pitchFamily="49" charset="0"/>
-                <a:cs typeface="Courier New" pitchFamily="49" charset="0"/>
-              </a:rPr>
-              <a:t> </a:t>
-            </a:r>
-            <a:r>
               <a:rPr lang="da-DK" sz="1800" dirty="0">
                 <a:latin typeface="Courier New" pitchFamily="49" charset="0"/>
                 <a:cs typeface="Courier New" pitchFamily="49" charset="0"/>
               </a:rPr>
-              <a:t>i := 0 to nu - 1 </a:t>
+              <a:t> i := 0 to nu - 1 </a:t>
             </a:r>
             <a:r>
               <a:rPr lang="da-DK" sz="1800" b="1" dirty="0">
@@ -20219,14 +19517,14 @@
               <a:t>	</a:t>
             </a:r>
             <a:r>
-              <a:rPr lang="pl-PL" sz="1800" b="1" smtClean="0">
+              <a:rPr lang="pl-PL" sz="1800" b="1">
                 <a:latin typeface="Courier New" pitchFamily="49" charset="0"/>
                 <a:cs typeface="Courier New" pitchFamily="49" charset="0"/>
               </a:rPr>
               <a:t>for</a:t>
             </a:r>
             <a:r>
-              <a:rPr lang="pl-PL" sz="1800" smtClean="0">
+              <a:rPr lang="pl-PL" sz="1800">
                 <a:latin typeface="Courier New" pitchFamily="49" charset="0"/>
                 <a:cs typeface="Courier New" pitchFamily="49" charset="0"/>
               </a:rPr>
@@ -20252,7 +19550,7 @@
               <a:buNone/>
             </a:pPr>
             <a:r>
-              <a:rPr lang="tr-TR" sz="1800" smtClean="0">
+              <a:rPr lang="tr-TR" sz="1800">
                 <a:latin typeface="Courier New" pitchFamily="49" charset="0"/>
                 <a:cs typeface="Courier New" pitchFamily="49" charset="0"/>
               </a:rPr>
@@ -20263,31 +19561,24 @@
                 <a:latin typeface="Courier New" pitchFamily="49" charset="0"/>
                 <a:cs typeface="Courier New" pitchFamily="49" charset="0"/>
               </a:rPr>
-              <a:t>	</a:t>
-            </a:r>
-            <a:r>
-              <a:rPr lang="en-US" sz="1800" smtClean="0">
-                <a:latin typeface="Courier New" pitchFamily="49" charset="0"/>
-                <a:cs typeface="Courier New" pitchFamily="49" charset="0"/>
-              </a:rPr>
-              <a:t>save</a:t>
-            </a:r>
-            <a:r>
-              <a:rPr lang="tr-TR" sz="1800" smtClean="0">
+              <a:t>	save</a:t>
+            </a:r>
+            <a:r>
+              <a:rPr lang="tr-TR" sz="1800">
                 <a:latin typeface="Courier New" pitchFamily="49" charset="0"/>
                 <a:cs typeface="Courier New" pitchFamily="49" charset="0"/>
               </a:rPr>
               <a:t>Vertex(Q[i</a:t>
             </a:r>
             <a:r>
-              <a:rPr lang="en-US" sz="1800" smtClean="0">
+              <a:rPr lang="en-US" sz="1800">
                 <a:latin typeface="Courier New" pitchFamily="49" charset="0"/>
                 <a:cs typeface="Courier New" pitchFamily="49" charset="0"/>
               </a:rPr>
               <a:t>+1</a:t>
             </a:r>
             <a:r>
-              <a:rPr lang="tr-TR" sz="1800" smtClean="0">
+              <a:rPr lang="tr-TR" sz="1800">
                 <a:latin typeface="Courier New" pitchFamily="49" charset="0"/>
                 <a:cs typeface="Courier New" pitchFamily="49" charset="0"/>
               </a:rPr>
@@ -20306,14 +19597,14 @@
               <a:buNone/>
             </a:pPr>
             <a:r>
-              <a:rPr lang="tr-TR" sz="1800" dirty="0" smtClean="0">
+              <a:rPr lang="tr-TR" sz="1800" dirty="0">
                 <a:latin typeface="Courier New" pitchFamily="49" charset="0"/>
                 <a:cs typeface="Courier New" pitchFamily="49" charset="0"/>
               </a:rPr>
               <a:t>	</a:t>
             </a:r>
             <a:r>
-              <a:rPr lang="tr-TR" sz="1800" smtClean="0">
+              <a:rPr lang="tr-TR" sz="1800">
                 <a:latin typeface="Courier New" pitchFamily="49" charset="0"/>
                 <a:cs typeface="Courier New" pitchFamily="49" charset="0"/>
               </a:rPr>
@@ -20327,25 +19618,11 @@
               <a:t>save</a:t>
             </a:r>
             <a:r>
-              <a:rPr lang="tr-TR" sz="1800" smtClean="0">
+              <a:rPr lang="tr-TR" sz="1800">
                 <a:latin typeface="Courier New" pitchFamily="49" charset="0"/>
                 <a:cs typeface="Courier New" pitchFamily="49" charset="0"/>
               </a:rPr>
-              <a:t>Vertex(</a:t>
-            </a:r>
-            <a:r>
-              <a:rPr lang="tr-TR" sz="1800" smtClean="0">
-                <a:latin typeface="Courier New" pitchFamily="49" charset="0"/>
-                <a:cs typeface="Courier New" pitchFamily="49" charset="0"/>
-              </a:rPr>
-              <a:t>Q[i</a:t>
-            </a:r>
-            <a:r>
-              <a:rPr lang="tr-TR" sz="1800" smtClean="0">
-                <a:latin typeface="Courier New" pitchFamily="49" charset="0"/>
-                <a:cs typeface="Courier New" pitchFamily="49" charset="0"/>
-              </a:rPr>
-              <a:t>, j]);</a:t>
+              <a:t>Vertex(Q[i, j]);</a:t>
             </a:r>
             <a:endParaRPr lang="tr-TR" sz="1800" dirty="0">
               <a:latin typeface="Courier New" pitchFamily="49" charset="0"/>
@@ -20357,23 +19634,19 @@
               <a:buNone/>
             </a:pPr>
             <a:r>
-              <a:rPr lang="tr-TR" sz="1800" smtClean="0">
+              <a:rPr lang="tr-TR" sz="1800">
                 <a:latin typeface="Courier New" pitchFamily="49" charset="0"/>
                 <a:cs typeface="Courier New" pitchFamily="49" charset="0"/>
               </a:rPr>
               <a:t>	</a:t>
             </a:r>
             <a:r>
-              <a:rPr lang="tr-TR" sz="1800" dirty="0" smtClean="0">
+              <a:rPr lang="tr-TR" sz="1800" dirty="0">
                 <a:latin typeface="Courier New" pitchFamily="49" charset="0"/>
                 <a:cs typeface="Courier New" pitchFamily="49" charset="0"/>
               </a:rPr>
               <a:t>		</a:t>
             </a:r>
-            <a:endParaRPr lang="tr-TR" sz="1800" dirty="0">
-              <a:latin typeface="Courier New" pitchFamily="49" charset="0"/>
-              <a:cs typeface="Courier New" pitchFamily="49" charset="0"/>
-            </a:endParaRPr>
           </a:p>
         </p:txBody>
       </p:sp>
@@ -20463,14 +19736,14 @@
           <a:lstStyle/>
           <a:p>
             <a:r>
-              <a:rPr lang="tr-TR" smtClean="0">
+              <a:rPr lang="tr-TR">
                 <a:latin typeface="Courier New" pitchFamily="49" charset="0"/>
                 <a:cs typeface="Courier New" pitchFamily="49" charset="0"/>
               </a:rPr>
               <a:t>Q[</a:t>
             </a:r>
             <a:r>
-              <a:rPr lang="en-US" smtClean="0">
+              <a:rPr lang="en-US">
                 <a:latin typeface="Courier New" pitchFamily="49" charset="0"/>
                 <a:cs typeface="Courier New" pitchFamily="49" charset="0"/>
               </a:rPr>
@@ -20484,33 +19757,6 @@
               <a:t>, </a:t>
             </a:r>
             <a:r>
-              <a:rPr lang="en-US" smtClean="0">
-                <a:latin typeface="Courier New" pitchFamily="49" charset="0"/>
-                <a:cs typeface="Courier New" pitchFamily="49" charset="0"/>
-              </a:rPr>
-              <a:t>0</a:t>
-            </a:r>
-            <a:r>
-              <a:rPr lang="tr-TR" smtClean="0">
-                <a:latin typeface="Courier New" pitchFamily="49" charset="0"/>
-                <a:cs typeface="Courier New" pitchFamily="49" charset="0"/>
-              </a:rPr>
-              <a:t>]</a:t>
-            </a:r>
-            <a:endParaRPr lang="en-US" smtClean="0">
-              <a:latin typeface="Courier New" pitchFamily="49" charset="0"/>
-              <a:cs typeface="Courier New" pitchFamily="49" charset="0"/>
-            </a:endParaRPr>
-          </a:p>
-          <a:p>
-            <a:r>
-              <a:rPr lang="tr-TR" smtClean="0">
-                <a:latin typeface="Courier New" pitchFamily="49" charset="0"/>
-                <a:cs typeface="Courier New" pitchFamily="49" charset="0"/>
-              </a:rPr>
-              <a:t>Q[</a:t>
-            </a:r>
-            <a:r>
               <a:rPr lang="en-US">
                 <a:latin typeface="Courier New" pitchFamily="49" charset="0"/>
                 <a:cs typeface="Courier New" pitchFamily="49" charset="0"/>
@@ -20518,209 +19764,31 @@
               <a:t>0</a:t>
             </a:r>
             <a:r>
-              <a:rPr lang="tr-TR" smtClean="0">
+              <a:rPr lang="tr-TR">
                 <a:latin typeface="Courier New" pitchFamily="49" charset="0"/>
                 <a:cs typeface="Courier New" pitchFamily="49" charset="0"/>
               </a:rPr>
-              <a:t>, </a:t>
-            </a:r>
-            <a:r>
-              <a:rPr lang="en-US" smtClean="0">
+              <a:t>]</a:t>
+            </a:r>
+            <a:endParaRPr lang="en-US">
+              <a:latin typeface="Courier New" pitchFamily="49" charset="0"/>
+              <a:cs typeface="Courier New" pitchFamily="49" charset="0"/>
+            </a:endParaRPr>
+          </a:p>
+          <a:p>
+            <a:r>
+              <a:rPr lang="tr-TR">
+                <a:latin typeface="Courier New" pitchFamily="49" charset="0"/>
+                <a:cs typeface="Courier New" pitchFamily="49" charset="0"/>
+              </a:rPr>
+              <a:t>Q[</a:t>
+            </a:r>
+            <a:r>
+              <a:rPr lang="en-US">
                 <a:latin typeface="Courier New" pitchFamily="49" charset="0"/>
                 <a:cs typeface="Courier New" pitchFamily="49" charset="0"/>
               </a:rPr>
               <a:t>0</a:t>
-            </a:r>
-            <a:r>
-              <a:rPr lang="tr-TR" smtClean="0">
-                <a:latin typeface="Courier New" pitchFamily="49" charset="0"/>
-                <a:cs typeface="Courier New" pitchFamily="49" charset="0"/>
-              </a:rPr>
-              <a:t>]</a:t>
-            </a:r>
-            <a:endParaRPr lang="en-US" smtClean="0">
-              <a:latin typeface="Courier New" pitchFamily="49" charset="0"/>
-              <a:cs typeface="Courier New" pitchFamily="49" charset="0"/>
-            </a:endParaRPr>
-          </a:p>
-          <a:p>
-            <a:r>
-              <a:rPr lang="tr-TR" smtClean="0">
-                <a:latin typeface="Courier New" pitchFamily="49" charset="0"/>
-                <a:cs typeface="Courier New" pitchFamily="49" charset="0"/>
-              </a:rPr>
-              <a:t>Q[</a:t>
-            </a:r>
-            <a:r>
-              <a:rPr lang="en-US" smtClean="0">
-                <a:latin typeface="Courier New" pitchFamily="49" charset="0"/>
-                <a:cs typeface="Courier New" pitchFamily="49" charset="0"/>
-              </a:rPr>
-              <a:t>1</a:t>
-            </a:r>
-            <a:r>
-              <a:rPr lang="tr-TR" smtClean="0">
-                <a:latin typeface="Courier New" pitchFamily="49" charset="0"/>
-                <a:cs typeface="Courier New" pitchFamily="49" charset="0"/>
-              </a:rPr>
-              <a:t>, </a:t>
-            </a:r>
-            <a:r>
-              <a:rPr lang="en-US" smtClean="0">
-                <a:latin typeface="Courier New" pitchFamily="49" charset="0"/>
-                <a:cs typeface="Courier New" pitchFamily="49" charset="0"/>
-              </a:rPr>
-              <a:t>1</a:t>
-            </a:r>
-            <a:r>
-              <a:rPr lang="tr-TR" smtClean="0">
-                <a:latin typeface="Courier New" pitchFamily="49" charset="0"/>
-                <a:cs typeface="Courier New" pitchFamily="49" charset="0"/>
-              </a:rPr>
-              <a:t>]</a:t>
-            </a:r>
-            <a:endParaRPr lang="en-US" smtClean="0">
-              <a:latin typeface="Courier New" pitchFamily="49" charset="0"/>
-              <a:cs typeface="Courier New" pitchFamily="49" charset="0"/>
-            </a:endParaRPr>
-          </a:p>
-          <a:p>
-            <a:r>
-              <a:rPr lang="tr-TR" smtClean="0">
-                <a:latin typeface="Courier New" pitchFamily="49" charset="0"/>
-                <a:cs typeface="Courier New" pitchFamily="49" charset="0"/>
-              </a:rPr>
-              <a:t>Q[</a:t>
-            </a:r>
-            <a:r>
-              <a:rPr lang="en-US" smtClean="0">
-                <a:latin typeface="Courier New" pitchFamily="49" charset="0"/>
-                <a:cs typeface="Courier New" pitchFamily="49" charset="0"/>
-              </a:rPr>
-              <a:t>0</a:t>
-            </a:r>
-            <a:r>
-              <a:rPr lang="tr-TR" smtClean="0">
-                <a:latin typeface="Courier New" pitchFamily="49" charset="0"/>
-                <a:cs typeface="Courier New" pitchFamily="49" charset="0"/>
-              </a:rPr>
-              <a:t>, </a:t>
-            </a:r>
-            <a:r>
-              <a:rPr lang="en-US" smtClean="0">
-                <a:latin typeface="Courier New" pitchFamily="49" charset="0"/>
-                <a:cs typeface="Courier New" pitchFamily="49" charset="0"/>
-              </a:rPr>
-              <a:t>1</a:t>
-            </a:r>
-            <a:r>
-              <a:rPr lang="tr-TR" smtClean="0">
-                <a:latin typeface="Courier New" pitchFamily="49" charset="0"/>
-                <a:cs typeface="Courier New" pitchFamily="49" charset="0"/>
-              </a:rPr>
-              <a:t>]</a:t>
-            </a:r>
-            <a:endParaRPr lang="en-US" smtClean="0">
-              <a:latin typeface="Courier New" pitchFamily="49" charset="0"/>
-              <a:cs typeface="Courier New" pitchFamily="49" charset="0"/>
-            </a:endParaRPr>
-          </a:p>
-          <a:p>
-            <a:r>
-              <a:rPr lang="tr-TR" smtClean="0">
-                <a:latin typeface="Courier New" pitchFamily="49" charset="0"/>
-                <a:cs typeface="Courier New" pitchFamily="49" charset="0"/>
-              </a:rPr>
-              <a:t>Q[</a:t>
-            </a:r>
-            <a:r>
-              <a:rPr lang="en-US" smtClean="0">
-                <a:latin typeface="Courier New" pitchFamily="49" charset="0"/>
-                <a:cs typeface="Courier New" pitchFamily="49" charset="0"/>
-              </a:rPr>
-              <a:t>1</a:t>
-            </a:r>
-            <a:r>
-              <a:rPr lang="tr-TR" smtClean="0">
-                <a:latin typeface="Courier New" pitchFamily="49" charset="0"/>
-                <a:cs typeface="Courier New" pitchFamily="49" charset="0"/>
-              </a:rPr>
-              <a:t>, </a:t>
-            </a:r>
-            <a:r>
-              <a:rPr lang="en-US" smtClean="0">
-                <a:latin typeface="Courier New" pitchFamily="49" charset="0"/>
-                <a:cs typeface="Courier New" pitchFamily="49" charset="0"/>
-              </a:rPr>
-              <a:t>2</a:t>
-            </a:r>
-            <a:r>
-              <a:rPr lang="tr-TR" smtClean="0">
-                <a:latin typeface="Courier New" pitchFamily="49" charset="0"/>
-                <a:cs typeface="Courier New" pitchFamily="49" charset="0"/>
-              </a:rPr>
-              <a:t>]</a:t>
-            </a:r>
-            <a:endParaRPr lang="en-US" smtClean="0">
-              <a:latin typeface="Courier New" pitchFamily="49" charset="0"/>
-              <a:cs typeface="Courier New" pitchFamily="49" charset="0"/>
-            </a:endParaRPr>
-          </a:p>
-          <a:p>
-            <a:r>
-              <a:rPr lang="tr-TR" smtClean="0">
-                <a:latin typeface="Courier New" pitchFamily="49" charset="0"/>
-                <a:cs typeface="Courier New" pitchFamily="49" charset="0"/>
-              </a:rPr>
-              <a:t>Q[</a:t>
-            </a:r>
-            <a:r>
-              <a:rPr lang="en-US" smtClean="0">
-                <a:latin typeface="Courier New" pitchFamily="49" charset="0"/>
-                <a:cs typeface="Courier New" pitchFamily="49" charset="0"/>
-              </a:rPr>
-              <a:t>0</a:t>
-            </a:r>
-            <a:r>
-              <a:rPr lang="tr-TR" smtClean="0">
-                <a:latin typeface="Courier New" pitchFamily="49" charset="0"/>
-                <a:cs typeface="Courier New" pitchFamily="49" charset="0"/>
-              </a:rPr>
-              <a:t>, </a:t>
-            </a:r>
-            <a:r>
-              <a:rPr lang="en-US" smtClean="0">
-                <a:latin typeface="Courier New" pitchFamily="49" charset="0"/>
-                <a:cs typeface="Courier New" pitchFamily="49" charset="0"/>
-              </a:rPr>
-              <a:t>2</a:t>
-            </a:r>
-            <a:r>
-              <a:rPr lang="tr-TR" smtClean="0">
-                <a:latin typeface="Courier New" pitchFamily="49" charset="0"/>
-                <a:cs typeface="Courier New" pitchFamily="49" charset="0"/>
-              </a:rPr>
-              <a:t>]</a:t>
-            </a:r>
-            <a:endParaRPr lang="en-US" smtClean="0">
-              <a:latin typeface="Courier New" pitchFamily="49" charset="0"/>
-              <a:cs typeface="Courier New" pitchFamily="49" charset="0"/>
-            </a:endParaRPr>
-          </a:p>
-          <a:p>
-            <a:r>
-              <a:rPr lang="tr-TR" smtClean="0">
-                <a:latin typeface="Courier New" pitchFamily="49" charset="0"/>
-                <a:cs typeface="Courier New" pitchFamily="49" charset="0"/>
-              </a:rPr>
-              <a:t>Q[</a:t>
-            </a:r>
-            <a:r>
-              <a:rPr lang="en-US" smtClean="0">
-                <a:latin typeface="Courier New" pitchFamily="49" charset="0"/>
-                <a:cs typeface="Courier New" pitchFamily="49" charset="0"/>
-              </a:rPr>
-              <a:t>1</a:t>
             </a:r>
             <a:r>
               <a:rPr lang="tr-TR">
@@ -20730,55 +19798,260 @@
               <a:t>, </a:t>
             </a:r>
             <a:r>
-              <a:rPr lang="en-US" smtClean="0">
+              <a:rPr lang="en-US">
+                <a:latin typeface="Courier New" pitchFamily="49" charset="0"/>
+                <a:cs typeface="Courier New" pitchFamily="49" charset="0"/>
+              </a:rPr>
+              <a:t>0</a:t>
+            </a:r>
+            <a:r>
+              <a:rPr lang="tr-TR">
+                <a:latin typeface="Courier New" pitchFamily="49" charset="0"/>
+                <a:cs typeface="Courier New" pitchFamily="49" charset="0"/>
+              </a:rPr>
+              <a:t>]</a:t>
+            </a:r>
+            <a:endParaRPr lang="en-US">
+              <a:latin typeface="Courier New" pitchFamily="49" charset="0"/>
+              <a:cs typeface="Courier New" pitchFamily="49" charset="0"/>
+            </a:endParaRPr>
+          </a:p>
+          <a:p>
+            <a:r>
+              <a:rPr lang="tr-TR">
+                <a:latin typeface="Courier New" pitchFamily="49" charset="0"/>
+                <a:cs typeface="Courier New" pitchFamily="49" charset="0"/>
+              </a:rPr>
+              <a:t>Q[</a:t>
+            </a:r>
+            <a:r>
+              <a:rPr lang="en-US">
+                <a:latin typeface="Courier New" pitchFamily="49" charset="0"/>
+                <a:cs typeface="Courier New" pitchFamily="49" charset="0"/>
+              </a:rPr>
+              <a:t>1</a:t>
+            </a:r>
+            <a:r>
+              <a:rPr lang="tr-TR">
+                <a:latin typeface="Courier New" pitchFamily="49" charset="0"/>
+                <a:cs typeface="Courier New" pitchFamily="49" charset="0"/>
+              </a:rPr>
+              <a:t>, </a:t>
+            </a:r>
+            <a:r>
+              <a:rPr lang="en-US">
+                <a:latin typeface="Courier New" pitchFamily="49" charset="0"/>
+                <a:cs typeface="Courier New" pitchFamily="49" charset="0"/>
+              </a:rPr>
+              <a:t>1</a:t>
+            </a:r>
+            <a:r>
+              <a:rPr lang="tr-TR">
+                <a:latin typeface="Courier New" pitchFamily="49" charset="0"/>
+                <a:cs typeface="Courier New" pitchFamily="49" charset="0"/>
+              </a:rPr>
+              <a:t>]</a:t>
+            </a:r>
+            <a:endParaRPr lang="en-US">
+              <a:latin typeface="Courier New" pitchFamily="49" charset="0"/>
+              <a:cs typeface="Courier New" pitchFamily="49" charset="0"/>
+            </a:endParaRPr>
+          </a:p>
+          <a:p>
+            <a:r>
+              <a:rPr lang="tr-TR">
+                <a:latin typeface="Courier New" pitchFamily="49" charset="0"/>
+                <a:cs typeface="Courier New" pitchFamily="49" charset="0"/>
+              </a:rPr>
+              <a:t>Q[</a:t>
+            </a:r>
+            <a:r>
+              <a:rPr lang="en-US">
+                <a:latin typeface="Courier New" pitchFamily="49" charset="0"/>
+                <a:cs typeface="Courier New" pitchFamily="49" charset="0"/>
+              </a:rPr>
+              <a:t>0</a:t>
+            </a:r>
+            <a:r>
+              <a:rPr lang="tr-TR">
+                <a:latin typeface="Courier New" pitchFamily="49" charset="0"/>
+                <a:cs typeface="Courier New" pitchFamily="49" charset="0"/>
+              </a:rPr>
+              <a:t>, </a:t>
+            </a:r>
+            <a:r>
+              <a:rPr lang="en-US">
+                <a:latin typeface="Courier New" pitchFamily="49" charset="0"/>
+                <a:cs typeface="Courier New" pitchFamily="49" charset="0"/>
+              </a:rPr>
+              <a:t>1</a:t>
+            </a:r>
+            <a:r>
+              <a:rPr lang="tr-TR">
+                <a:latin typeface="Courier New" pitchFamily="49" charset="0"/>
+                <a:cs typeface="Courier New" pitchFamily="49" charset="0"/>
+              </a:rPr>
+              <a:t>]</a:t>
+            </a:r>
+            <a:endParaRPr lang="en-US">
+              <a:latin typeface="Courier New" pitchFamily="49" charset="0"/>
+              <a:cs typeface="Courier New" pitchFamily="49" charset="0"/>
+            </a:endParaRPr>
+          </a:p>
+          <a:p>
+            <a:r>
+              <a:rPr lang="tr-TR">
+                <a:latin typeface="Courier New" pitchFamily="49" charset="0"/>
+                <a:cs typeface="Courier New" pitchFamily="49" charset="0"/>
+              </a:rPr>
+              <a:t>Q[</a:t>
+            </a:r>
+            <a:r>
+              <a:rPr lang="en-US">
+                <a:latin typeface="Courier New" pitchFamily="49" charset="0"/>
+                <a:cs typeface="Courier New" pitchFamily="49" charset="0"/>
+              </a:rPr>
+              <a:t>1</a:t>
+            </a:r>
+            <a:r>
+              <a:rPr lang="tr-TR">
+                <a:latin typeface="Courier New" pitchFamily="49" charset="0"/>
+                <a:cs typeface="Courier New" pitchFamily="49" charset="0"/>
+              </a:rPr>
+              <a:t>, </a:t>
+            </a:r>
+            <a:r>
+              <a:rPr lang="en-US">
+                <a:latin typeface="Courier New" pitchFamily="49" charset="0"/>
+                <a:cs typeface="Courier New" pitchFamily="49" charset="0"/>
+              </a:rPr>
+              <a:t>2</a:t>
+            </a:r>
+            <a:r>
+              <a:rPr lang="tr-TR">
+                <a:latin typeface="Courier New" pitchFamily="49" charset="0"/>
+                <a:cs typeface="Courier New" pitchFamily="49" charset="0"/>
+              </a:rPr>
+              <a:t>]</a:t>
+            </a:r>
+            <a:endParaRPr lang="en-US">
+              <a:latin typeface="Courier New" pitchFamily="49" charset="0"/>
+              <a:cs typeface="Courier New" pitchFamily="49" charset="0"/>
+            </a:endParaRPr>
+          </a:p>
+          <a:p>
+            <a:r>
+              <a:rPr lang="tr-TR">
+                <a:latin typeface="Courier New" pitchFamily="49" charset="0"/>
+                <a:cs typeface="Courier New" pitchFamily="49" charset="0"/>
+              </a:rPr>
+              <a:t>Q[</a:t>
+            </a:r>
+            <a:r>
+              <a:rPr lang="en-US">
+                <a:latin typeface="Courier New" pitchFamily="49" charset="0"/>
+                <a:cs typeface="Courier New" pitchFamily="49" charset="0"/>
+              </a:rPr>
+              <a:t>0</a:t>
+            </a:r>
+            <a:r>
+              <a:rPr lang="tr-TR">
+                <a:latin typeface="Courier New" pitchFamily="49" charset="0"/>
+                <a:cs typeface="Courier New" pitchFamily="49" charset="0"/>
+              </a:rPr>
+              <a:t>, </a:t>
+            </a:r>
+            <a:r>
+              <a:rPr lang="en-US">
+                <a:latin typeface="Courier New" pitchFamily="49" charset="0"/>
+                <a:cs typeface="Courier New" pitchFamily="49" charset="0"/>
+              </a:rPr>
+              <a:t>2</a:t>
+            </a:r>
+            <a:r>
+              <a:rPr lang="tr-TR">
+                <a:latin typeface="Courier New" pitchFamily="49" charset="0"/>
+                <a:cs typeface="Courier New" pitchFamily="49" charset="0"/>
+              </a:rPr>
+              <a:t>]</a:t>
+            </a:r>
+            <a:endParaRPr lang="en-US">
+              <a:latin typeface="Courier New" pitchFamily="49" charset="0"/>
+              <a:cs typeface="Courier New" pitchFamily="49" charset="0"/>
+            </a:endParaRPr>
+          </a:p>
+          <a:p>
+            <a:r>
+              <a:rPr lang="tr-TR">
+                <a:latin typeface="Courier New" pitchFamily="49" charset="0"/>
+                <a:cs typeface="Courier New" pitchFamily="49" charset="0"/>
+              </a:rPr>
+              <a:t>Q[</a:t>
+            </a:r>
+            <a:r>
+              <a:rPr lang="en-US">
+                <a:latin typeface="Courier New" pitchFamily="49" charset="0"/>
+                <a:cs typeface="Courier New" pitchFamily="49" charset="0"/>
+              </a:rPr>
+              <a:t>1</a:t>
+            </a:r>
+            <a:r>
+              <a:rPr lang="tr-TR">
+                <a:latin typeface="Courier New" pitchFamily="49" charset="0"/>
+                <a:cs typeface="Courier New" pitchFamily="49" charset="0"/>
+              </a:rPr>
+              <a:t>, </a:t>
+            </a:r>
+            <a:r>
+              <a:rPr lang="en-US">
                 <a:latin typeface="Courier New" pitchFamily="49" charset="0"/>
                 <a:cs typeface="Courier New" pitchFamily="49" charset="0"/>
               </a:rPr>
               <a:t>3</a:t>
             </a:r>
             <a:r>
-              <a:rPr lang="tr-TR" smtClean="0">
+              <a:rPr lang="tr-TR">
                 <a:latin typeface="Courier New" pitchFamily="49" charset="0"/>
                 <a:cs typeface="Courier New" pitchFamily="49" charset="0"/>
               </a:rPr>
               <a:t>]</a:t>
             </a:r>
-            <a:endParaRPr lang="en-US" smtClean="0">
+            <a:endParaRPr lang="en-US">
               <a:latin typeface="Courier New" pitchFamily="49" charset="0"/>
               <a:cs typeface="Courier New" pitchFamily="49" charset="0"/>
             </a:endParaRPr>
           </a:p>
           <a:p>
             <a:r>
-              <a:rPr lang="tr-TR" smtClean="0">
+              <a:rPr lang="tr-TR">
                 <a:latin typeface="Courier New" pitchFamily="49" charset="0"/>
                 <a:cs typeface="Courier New" pitchFamily="49" charset="0"/>
               </a:rPr>
               <a:t>Q[</a:t>
             </a:r>
             <a:r>
-              <a:rPr lang="en-US" smtClean="0">
+              <a:rPr lang="en-US">
                 <a:latin typeface="Courier New" pitchFamily="49" charset="0"/>
                 <a:cs typeface="Courier New" pitchFamily="49" charset="0"/>
               </a:rPr>
               <a:t>0</a:t>
             </a:r>
             <a:r>
-              <a:rPr lang="tr-TR" smtClean="0">
+              <a:rPr lang="tr-TR">
                 <a:latin typeface="Courier New" pitchFamily="49" charset="0"/>
                 <a:cs typeface="Courier New" pitchFamily="49" charset="0"/>
               </a:rPr>
               <a:t>, </a:t>
             </a:r>
             <a:r>
-              <a:rPr lang="en-US" smtClean="0">
+              <a:rPr lang="en-US">
                 <a:latin typeface="Courier New" pitchFamily="49" charset="0"/>
                 <a:cs typeface="Courier New" pitchFamily="49" charset="0"/>
               </a:rPr>
               <a:t>3</a:t>
             </a:r>
             <a:r>
-              <a:rPr lang="tr-TR" smtClean="0">
+              <a:rPr lang="tr-TR">
                 <a:latin typeface="Courier New" pitchFamily="49" charset="0"/>
                 <a:cs typeface="Courier New" pitchFamily="49" charset="0"/>
               </a:rPr>
@@ -20798,13 +20071,6 @@
   <p:clrMapOvr>
     <a:masterClrMapping/>
   </p:clrMapOvr>
-  <p:timing>
-    <p:tnLst>
-      <p:par>
-        <p:cTn id="1" dur="indefinite" restart="never" nodeType="tmRoot"/>
-      </p:par>
-    </p:tnLst>
-  </p:timing>
 </p:sld>
 </file>
 
@@ -20852,13 +20118,8 @@
             </a:r>
             <a:r>
               <a:rPr lang="tr-TR" dirty="0"/>
-              <a:t>Şerit </a:t>
-            </a:r>
-            <a:r>
-              <a:rPr lang="tr-TR" dirty="0" smtClean="0"/>
-              <a:t>Eğrileri</a:t>
-            </a:r>
-            <a:endParaRPr lang="tr-TR" dirty="0"/>
+              <a:t>Şerit Eğrileri</a:t>
+            </a:r>
           </a:p>
         </p:txBody>
       </p:sp>
@@ -20890,7 +20151,7 @@
               </a:lnSpc>
             </a:pPr>
             <a:r>
-              <a:rPr lang="tr-TR" sz="2800" dirty="0" smtClean="0"/>
+              <a:rPr lang="tr-TR" sz="2800" dirty="0"/>
               <a:t>Renault otomobil parçalarının tasarımında kullanılmak üzere Fransız mühendisi </a:t>
             </a:r>
             <a:r>
@@ -20906,7 +20167,7 @@
               <a:t> </a:t>
             </a:r>
             <a:r>
-              <a:rPr lang="tr-TR" sz="2800" dirty="0" smtClean="0"/>
+              <a:rPr lang="tr-TR" sz="2800" dirty="0"/>
               <a:t>tarafından geliştirilmiştir.</a:t>
             </a:r>
           </a:p>
@@ -20917,7 +20178,7 @@
               </a:lnSpc>
             </a:pPr>
             <a:r>
-              <a:rPr lang="tr-TR" sz="2800" dirty="0" smtClean="0"/>
+              <a:rPr lang="tr-TR" sz="2800" dirty="0"/>
               <a:t>Yaygınlıkla kullanılan etkin bir şerit kestirim yaklaşımıdır.</a:t>
             </a:r>
             <a:endParaRPr lang="en-US" sz="2800" dirty="0"/>
@@ -20929,27 +20190,27 @@
               </a:lnSpc>
             </a:pPr>
             <a:r>
-              <a:rPr lang="tr-TR" sz="2800" dirty="0" smtClean="0"/>
+              <a:rPr lang="tr-TR" sz="2800" dirty="0"/>
               <a:t>Genelde 4 </a:t>
             </a:r>
             <a:r>
-              <a:rPr lang="tr-TR" sz="2800" smtClean="0"/>
+              <a:rPr lang="tr-TR" sz="2800"/>
               <a:t>adet </a:t>
             </a:r>
             <a:r>
-              <a:rPr lang="en-US" sz="2800" smtClean="0"/>
+              <a:rPr lang="en-US" sz="2800"/>
               <a:t>nokta </a:t>
             </a:r>
             <a:r>
-              <a:rPr lang="tr-TR" sz="2800" smtClean="0"/>
+              <a:rPr lang="tr-TR" sz="2800"/>
               <a:t>kullanılsa </a:t>
             </a:r>
             <a:r>
-              <a:rPr lang="tr-TR" sz="2800" dirty="0" smtClean="0"/>
+              <a:rPr lang="tr-TR" sz="2800" dirty="0"/>
               <a:t>da bir</a:t>
             </a:r>
             <a:r>
-              <a:rPr lang="en-US" sz="2800" dirty="0" smtClean="0"/>
+              <a:rPr lang="en-US" sz="2800" dirty="0"/>
               <a:t> </a:t>
             </a:r>
             <a:r>
@@ -20961,7 +20222,7 @@
               <a:t> </a:t>
             </a:r>
             <a:r>
-              <a:rPr lang="tr-TR" sz="2800" dirty="0" smtClean="0"/>
+              <a:rPr lang="tr-TR" sz="2800" dirty="0"/>
               <a:t>eğrisi herhangi sayıda noktaya uydurulabilir.</a:t>
             </a:r>
           </a:p>
@@ -20972,23 +20233,23 @@
               </a:lnSpc>
             </a:pPr>
             <a:r>
-              <a:rPr lang="tr-TR" sz="2800" dirty="0" smtClean="0"/>
+              <a:rPr lang="tr-TR" sz="2800" dirty="0"/>
               <a:t>Eğrinin tanımlanması için </a:t>
             </a:r>
             <a:r>
-              <a:rPr lang="tr-TR" sz="2800" dirty="0" err="1" smtClean="0"/>
+              <a:rPr lang="tr-TR" sz="2800" dirty="0" err="1"/>
               <a:t>Bernstein</a:t>
             </a:r>
             <a:r>
-              <a:rPr lang="tr-TR" sz="2800" dirty="0" smtClean="0"/>
+              <a:rPr lang="tr-TR" sz="2800" dirty="0"/>
               <a:t> </a:t>
             </a:r>
             <a:r>
-              <a:rPr lang="tr-TR" sz="2800" dirty="0" err="1" smtClean="0"/>
+              <a:rPr lang="tr-TR" sz="2800" dirty="0" err="1"/>
               <a:t>polinomlarını</a:t>
             </a:r>
             <a:r>
-              <a:rPr lang="tr-TR" sz="2800" dirty="0" smtClean="0"/>
+              <a:rPr lang="tr-TR" sz="2800" dirty="0"/>
               <a:t> taban fonksiyonu olarak kullanır.</a:t>
             </a:r>
           </a:p>
@@ -20998,7 +20259,7 @@
                 <a:spcPct val="120000"/>
               </a:lnSpc>
             </a:pPr>
-            <a:endParaRPr lang="tr-TR" sz="2800" dirty="0" smtClean="0"/>
+            <a:endParaRPr lang="tr-TR" sz="2800" dirty="0"/>
           </a:p>
         </p:txBody>
       </p:sp>
@@ -21140,13 +20401,6 @@
   <p:clrMapOvr>
     <a:masterClrMapping/>
   </p:clrMapOvr>
-  <p:timing>
-    <p:tnLst>
-      <p:par>
-        <p:cTn id="1" dur="indefinite" restart="never" nodeType="tmRoot"/>
-      </p:par>
-    </p:tnLst>
-  </p:timing>
 </p:sld>
 </file>
 
@@ -21194,13 +20448,8 @@
             </a:r>
             <a:r>
               <a:rPr lang="tr-TR" dirty="0"/>
-              <a:t>Şerit </a:t>
-            </a:r>
-            <a:r>
-              <a:rPr lang="tr-TR" dirty="0" smtClean="0"/>
-              <a:t>Eğrileri: 2 Kontrol Noktası</a:t>
-            </a:r>
-            <a:endParaRPr lang="tr-TR" dirty="0"/>
+              <a:t>Şerit Eğrileri: 2 Kontrol Noktası</a:t>
+            </a:r>
           </a:p>
         </p:txBody>
       </p:sp>
@@ -21232,11 +20481,11 @@
               </a:lnSpc>
             </a:pPr>
             <a:r>
-              <a:rPr lang="en-US" sz="2800" smtClean="0"/>
+              <a:rPr lang="en-US" sz="2800"/>
               <a:t>Doğru</a:t>
             </a:r>
             <a:r>
-              <a:rPr lang="tr-TR" sz="2800" smtClean="0"/>
+              <a:rPr lang="tr-TR" sz="2800"/>
               <a:t> </a:t>
             </a:r>
             <a:r>
@@ -21719,13 +20968,6 @@
   <p:clrMapOvr>
     <a:masterClrMapping/>
   </p:clrMapOvr>
-  <p:timing>
-    <p:tnLst>
-      <p:par>
-        <p:cTn id="1" dur="indefinite" restart="never" nodeType="tmRoot"/>
-      </p:par>
-    </p:tnLst>
-  </p:timing>
 </p:sld>
 </file>
 
@@ -21762,15 +21004,11 @@
           <a:lstStyle/>
           <a:p>
             <a:r>
-              <a:rPr lang="tr-TR" smtClean="0"/>
-              <a:t>Kullanım </a:t>
-            </a:r>
-            <a:r>
-              <a:rPr lang="tr-TR" smtClean="0"/>
-              <a:t>Alanları</a:t>
-            </a:r>
-            <a:r>
-              <a:rPr lang="en-US" smtClean="0"/>
+              <a:rPr lang="tr-TR"/>
+              <a:t>Kullanım Alanları</a:t>
+            </a:r>
+            <a:r>
+              <a:rPr lang="en-US"/>
               <a:t> - I</a:t>
             </a:r>
             <a:endParaRPr lang="tr-TR" dirty="0"/>
@@ -21793,24 +21031,20 @@
           <a:lstStyle/>
           <a:p>
             <a:r>
-              <a:rPr lang="tr-TR" smtClean="0"/>
+              <a:rPr lang="tr-TR"/>
               <a:t>2-B </a:t>
             </a:r>
             <a:r>
-              <a:rPr lang="tr-TR" dirty="0" smtClean="0"/>
+              <a:rPr lang="tr-TR" dirty="0"/>
               <a:t>çizimler</a:t>
             </a:r>
           </a:p>
           <a:p>
             <a:r>
-              <a:rPr lang="tr-TR" smtClean="0"/>
-              <a:t>Yazı </a:t>
-            </a:r>
-            <a:r>
-              <a:rPr lang="tr-TR" smtClean="0"/>
-              <a:t>tipi</a:t>
-            </a:r>
-            <a:endParaRPr lang="tr-TR" dirty="0" smtClean="0"/>
+              <a:rPr lang="tr-TR"/>
+              <a:t>Yazı tipi</a:t>
+            </a:r>
+            <a:endParaRPr lang="tr-TR" dirty="0"/>
           </a:p>
         </p:txBody>
       </p:sp>
@@ -21892,19 +21126,7 @@
             <a:pPr algn="ctr"/>
             <a:r>
               <a:rPr lang="en-US" altLang="en-US"/>
-              <a:t>Bir yüzey parçası, keserek düzenleme eğrileri </a:t>
-            </a:r>
-            <a:r>
-              <a:rPr lang="en-US" altLang="en-US"/>
-              <a:t>ile </a:t>
-            </a:r>
-            <a:r>
-              <a:rPr lang="en-US" altLang="en-US" smtClean="0"/>
-              <a:t>değiştirilebilir</a:t>
-            </a:r>
-            <a:r>
-              <a:rPr lang="en-US" altLang="en-US"/>
-              <a:t>.</a:t>
+              <a:t>Bir yüzey parçası, keserek düzenleme eğrileri ile değiştirilebilir.</a:t>
             </a:r>
             <a:endParaRPr lang="tr-TR"/>
           </a:p>
@@ -21985,7 +21207,7 @@
           <a:p>
             <a:pPr algn="ctr"/>
             <a:r>
-              <a:rPr lang="en-US" altLang="en-US" smtClean="0"/>
+              <a:rPr lang="en-US" altLang="en-US"/>
               <a:t>Belirli bir fonta ait karakter şerit parçaları ile tanımlanabilir.</a:t>
             </a:r>
             <a:endParaRPr lang="tr-TR"/>
@@ -22002,13 +21224,6 @@
   <p:clrMapOvr>
     <a:masterClrMapping/>
   </p:clrMapOvr>
-  <p:timing>
-    <p:tnLst>
-      <p:par>
-        <p:cTn id="1" dur="indefinite" restart="never" nodeType="tmRoot"/>
-      </p:par>
-    </p:tnLst>
-  </p:timing>
 </p:sld>
 </file>
 
@@ -22120,13 +21335,8 @@
             </a:r>
             <a:r>
               <a:rPr lang="tr-TR" dirty="0"/>
-              <a:t>Şerit </a:t>
-            </a:r>
-            <a:r>
-              <a:rPr lang="tr-TR" dirty="0" smtClean="0"/>
-              <a:t>Eğrileri: 3 Kontrol Noktası</a:t>
-            </a:r>
-            <a:endParaRPr lang="tr-TR" dirty="0"/>
+              <a:t>Şerit Eğrileri: 3 Kontrol Noktası</a:t>
+            </a:r>
           </a:p>
         </p:txBody>
       </p:sp>
@@ -22158,7 +21368,7 @@
               </a:lnSpc>
             </a:pPr>
             <a:r>
-              <a:rPr lang="tr-TR" sz="2300" dirty="0" smtClean="0"/>
+              <a:rPr lang="tr-TR" sz="2300" dirty="0"/>
               <a:t>3 kontrol noktası için n= 2 olur.</a:t>
             </a:r>
           </a:p>
@@ -22173,11 +21383,11 @@
               <a:t>İlk ve son nokta arasında </a:t>
             </a:r>
             <a:r>
-              <a:rPr lang="tr-TR" sz="2300" dirty="0" err="1" smtClean="0"/>
+              <a:rPr lang="tr-TR" sz="2300" dirty="0" err="1"/>
               <a:t>kuadratik</a:t>
             </a:r>
             <a:r>
-              <a:rPr lang="tr-TR" sz="2300" dirty="0" smtClean="0"/>
+              <a:rPr lang="tr-TR" sz="2300" dirty="0"/>
               <a:t> bir </a:t>
             </a:r>
             <a:r>
@@ -22195,7 +21405,7 @@
                 <a:spcPct val="120000"/>
               </a:lnSpc>
             </a:pPr>
-            <a:endParaRPr lang="tr-TR" sz="2300" dirty="0" smtClean="0"/>
+            <a:endParaRPr lang="tr-TR" sz="2300" dirty="0"/>
           </a:p>
         </p:txBody>
       </p:sp>
@@ -22814,41 +22024,41 @@
           <a:lstStyle/>
           <a:p>
             <a:r>
-              <a:rPr lang="tr-TR" b="1" dirty="0" smtClean="0"/>
+              <a:rPr lang="tr-TR" b="1" dirty="0"/>
               <a:t>Kontrol noktalarının katsayıları toplamı 1 olup ((1-u</a:t>
             </a:r>
             <a:r>
-              <a:rPr lang="tr-TR" b="1" smtClean="0"/>
+              <a:rPr lang="tr-TR" b="1"/>
               <a:t>)+u)</a:t>
             </a:r>
             <a:r>
-              <a:rPr lang="tr-TR" b="1" baseline="30000" smtClean="0"/>
+              <a:rPr lang="tr-TR" b="1" baseline="30000"/>
               <a:t>n</a:t>
             </a:r>
             <a:r>
-              <a:rPr lang="tr-TR" b="1" smtClean="0"/>
+              <a:rPr lang="tr-TR" b="1"/>
               <a:t> </a:t>
             </a:r>
             <a:r>
-              <a:rPr lang="tr-TR" b="1" dirty="0" err="1" smtClean="0"/>
+              <a:rPr lang="tr-TR" b="1" dirty="0" err="1"/>
               <a:t>binom</a:t>
             </a:r>
             <a:r>
-              <a:rPr lang="tr-TR" b="1" dirty="0" smtClean="0"/>
+              <a:rPr lang="tr-TR" b="1" dirty="0"/>
               <a:t> açılımı ile de türetilebilir. </a:t>
             </a:r>
           </a:p>
           <a:p>
             <a:r>
-              <a:rPr lang="tr-TR" b="1" dirty="0" smtClean="0"/>
+              <a:rPr lang="tr-TR" b="1" dirty="0"/>
               <a:t>Paskal üçgeninin satırları </a:t>
             </a:r>
             <a:r>
-              <a:rPr lang="tr-TR" b="1" dirty="0" err="1" smtClean="0"/>
+              <a:rPr lang="tr-TR" b="1" dirty="0" err="1"/>
               <a:t>binom</a:t>
             </a:r>
             <a:r>
-              <a:rPr lang="tr-TR" b="1" dirty="0" smtClean="0"/>
+              <a:rPr lang="tr-TR" b="1" dirty="0"/>
               <a:t> açılımını çözmede kullanılabilir.</a:t>
             </a:r>
           </a:p>
@@ -23033,13 +22243,8 @@
             </a:r>
             <a:r>
               <a:rPr lang="tr-TR" dirty="0"/>
-              <a:t>Şerit </a:t>
-            </a:r>
-            <a:r>
-              <a:rPr lang="tr-TR" dirty="0" smtClean="0"/>
-              <a:t>Eğrileri: 4 Kontrol Noktası</a:t>
-            </a:r>
-            <a:endParaRPr lang="tr-TR" dirty="0"/>
+              <a:t>Şerit Eğrileri: 4 Kontrol Noktası</a:t>
+            </a:r>
           </a:p>
         </p:txBody>
       </p:sp>
@@ -23071,7 +22276,7 @@
               </a:lnSpc>
             </a:pPr>
             <a:r>
-              <a:rPr lang="tr-TR" sz="2800" dirty="0" smtClean="0"/>
+              <a:rPr lang="tr-TR" sz="2800" dirty="0"/>
               <a:t>4 kontrol noktası için n= 3 olur.</a:t>
             </a:r>
           </a:p>
@@ -23082,15 +22287,15 @@
               </a:lnSpc>
             </a:pPr>
             <a:r>
-              <a:rPr lang="tr-TR" sz="2800" dirty="0" smtClean="0"/>
+              <a:rPr lang="tr-TR" sz="2800" dirty="0"/>
               <a:t>İlk ve son nokta arasında kübik bir </a:t>
             </a:r>
             <a:r>
-              <a:rPr lang="tr-TR" sz="2800" dirty="0" err="1" smtClean="0"/>
+              <a:rPr lang="tr-TR" sz="2800" dirty="0" err="1"/>
               <a:t>polinom</a:t>
             </a:r>
             <a:r>
-              <a:rPr lang="tr-TR" sz="2800" dirty="0" smtClean="0"/>
+              <a:rPr lang="tr-TR" sz="2800" dirty="0"/>
               <a:t> elde edilir.</a:t>
             </a:r>
           </a:p>
@@ -23849,41 +23054,41 @@
           <a:lstStyle/>
           <a:p>
             <a:r>
-              <a:rPr lang="tr-TR" b="1" dirty="0" smtClean="0"/>
+              <a:rPr lang="tr-TR" b="1" dirty="0"/>
               <a:t>Kontrol noktalarının katsayıları toplamı 1 olup ((1-u</a:t>
             </a:r>
             <a:r>
-              <a:rPr lang="tr-TR" b="1" smtClean="0"/>
+              <a:rPr lang="tr-TR" b="1"/>
               <a:t>)+u)</a:t>
             </a:r>
             <a:r>
-              <a:rPr lang="tr-TR" b="1" baseline="30000" smtClean="0"/>
+              <a:rPr lang="tr-TR" b="1" baseline="30000"/>
               <a:t>n</a:t>
             </a:r>
             <a:r>
-              <a:rPr lang="tr-TR" b="1" smtClean="0"/>
+              <a:rPr lang="tr-TR" b="1"/>
               <a:t> </a:t>
             </a:r>
             <a:r>
-              <a:rPr lang="tr-TR" b="1" dirty="0" err="1" smtClean="0"/>
+              <a:rPr lang="tr-TR" b="1" dirty="0" err="1"/>
               <a:t>binom</a:t>
             </a:r>
             <a:r>
-              <a:rPr lang="tr-TR" b="1" dirty="0" smtClean="0"/>
+              <a:rPr lang="tr-TR" b="1" dirty="0"/>
               <a:t> açılımı ile de türetilebilir. </a:t>
             </a:r>
           </a:p>
           <a:p>
             <a:r>
-              <a:rPr lang="tr-TR" b="1" dirty="0" smtClean="0"/>
+              <a:rPr lang="tr-TR" b="1" dirty="0"/>
               <a:t>Paskal üçgeninin satırları </a:t>
             </a:r>
             <a:r>
-              <a:rPr lang="tr-TR" b="1" dirty="0" err="1" smtClean="0"/>
+              <a:rPr lang="tr-TR" b="1" dirty="0" err="1"/>
               <a:t>binom</a:t>
             </a:r>
             <a:r>
-              <a:rPr lang="tr-TR" b="1" dirty="0" smtClean="0"/>
+              <a:rPr lang="tr-TR" b="1" dirty="0"/>
               <a:t> açılımını çözmede kullanılabilir.</a:t>
             </a:r>
           </a:p>
@@ -24196,20 +23401,15 @@
             </a:r>
             <a:r>
               <a:rPr lang="tr-TR" dirty="0"/>
-              <a:t>Şerit </a:t>
-            </a:r>
-            <a:r>
-              <a:rPr lang="tr-TR" dirty="0" smtClean="0"/>
-              <a:t>Eğrileri: 4 Kontrol Noktası</a:t>
+              <a:t>Şerit Eğrileri: 4 Kontrol Noktası</a:t>
             </a:r>
             <a:br>
-              <a:rPr lang="tr-TR" dirty="0" smtClean="0"/>
+              <a:rPr lang="tr-TR" dirty="0"/>
             </a:br>
             <a:r>
-              <a:rPr lang="tr-TR" dirty="0" smtClean="0"/>
+              <a:rPr lang="tr-TR" dirty="0"/>
               <a:t>Değişen Nokta Sıraları</a:t>
             </a:r>
-            <a:endParaRPr lang="tr-TR" dirty="0"/>
           </a:p>
         </p:txBody>
       </p:sp>
@@ -24236,7 +23436,7 @@
           <a:lstStyle/>
           <a:p>
             <a:r>
-              <a:rPr lang="tr-TR" sz="2800" dirty="0" smtClean="0"/>
+              <a:rPr lang="tr-TR" sz="2800" dirty="0"/>
               <a:t>Değişen nokta sıralarıyla farklı eğriler üretmek mümkün olur.</a:t>
             </a:r>
           </a:p>
@@ -24564,8 +23764,8 @@
           </p:sp>
         </mc:Fallback>
       </mc:AlternateContent>
-      <mc:AlternateContent xmlns:mc="http://schemas.openxmlformats.org/markup-compatibility/2006">
-        <mc:Choice xmlns:a14="http://schemas.microsoft.com/office/drawing/2010/main" Requires="a14">
+      <mc:AlternateContent xmlns:mc="http://schemas.openxmlformats.org/markup-compatibility/2006" xmlns:a14="http://schemas.microsoft.com/office/drawing/2010/main">
+        <mc:Choice Requires="a14">
           <p:sp>
             <p:nvSpPr>
               <p:cNvPr id="22" name="Metin kutusu 21"/>
@@ -24623,7 +23823,7 @@
             </p:txBody>
           </p:sp>
         </mc:Choice>
-        <mc:Fallback>
+        <mc:Fallback xmlns="">
           <p:sp>
             <p:nvSpPr>
               <p:cNvPr id="22" name="Metin kutusu 21"/>
@@ -24662,8 +23862,8 @@
           </p:sp>
         </mc:Fallback>
       </mc:AlternateContent>
-      <mc:AlternateContent xmlns:mc="http://schemas.openxmlformats.org/markup-compatibility/2006">
-        <mc:Choice xmlns:a14="http://schemas.microsoft.com/office/drawing/2010/main" Requires="a14">
+      <mc:AlternateContent xmlns:mc="http://schemas.openxmlformats.org/markup-compatibility/2006" xmlns:a14="http://schemas.microsoft.com/office/drawing/2010/main">
+        <mc:Choice Requires="a14">
           <p:sp>
             <p:nvSpPr>
               <p:cNvPr id="23" name="Metin kutusu 22"/>
@@ -24721,7 +23921,7 @@
             </p:txBody>
           </p:sp>
         </mc:Choice>
-        <mc:Fallback>
+        <mc:Fallback xmlns="">
           <p:sp>
             <p:nvSpPr>
               <p:cNvPr id="23" name="Metin kutusu 22"/>
@@ -25160,13 +24360,6 @@
   <p:clrMapOvr>
     <a:masterClrMapping/>
   </p:clrMapOvr>
-  <p:timing>
-    <p:tnLst>
-      <p:par>
-        <p:cTn id="1" dur="indefinite" restart="never" nodeType="tmRoot"/>
-      </p:par>
-    </p:tnLst>
-  </p:timing>
 </p:sld>
 </file>
 
@@ -25278,13 +24471,8 @@
             </a:r>
             <a:r>
               <a:rPr lang="tr-TR" dirty="0"/>
-              <a:t>Şerit </a:t>
-            </a:r>
-            <a:r>
-              <a:rPr lang="tr-TR" dirty="0" smtClean="0"/>
-              <a:t>Eğrileri: 5 Kontrol Noktası</a:t>
-            </a:r>
-            <a:endParaRPr lang="tr-TR" dirty="0"/>
+              <a:t>Şerit Eğrileri: 5 Kontrol Noktası</a:t>
+            </a:r>
           </a:p>
         </p:txBody>
       </p:sp>
@@ -25311,49 +24499,45 @@
           <a:lstStyle/>
           <a:p>
             <a:r>
-              <a:rPr lang="tr-TR" sz="2400" dirty="0" smtClean="0"/>
+              <a:rPr lang="tr-TR" sz="2400" dirty="0"/>
               <a:t>5 kontrol noktası için n= 4 olur.</a:t>
             </a:r>
           </a:p>
           <a:p>
             <a:r>
-              <a:rPr lang="tr-TR" sz="2400" dirty="0" smtClean="0"/>
+              <a:rPr lang="tr-TR" sz="2400" dirty="0"/>
               <a:t>İlk ve son nokta arasında dördüncü dereceden bir </a:t>
             </a:r>
             <a:r>
-              <a:rPr lang="tr-TR" sz="2400" dirty="0" err="1" smtClean="0"/>
+              <a:rPr lang="tr-TR" sz="2400" dirty="0" err="1"/>
               <a:t>polinom</a:t>
             </a:r>
             <a:r>
-              <a:rPr lang="tr-TR" sz="2400" dirty="0" smtClean="0"/>
+              <a:rPr lang="tr-TR" sz="2400" dirty="0"/>
               <a:t> elde edilir.</a:t>
             </a:r>
           </a:p>
           <a:p>
             <a:r>
-              <a:rPr lang="tr-TR" sz="2400" dirty="0" smtClean="0"/>
+              <a:rPr lang="tr-TR" sz="2400" dirty="0"/>
               <a:t>Benzer şekilde </a:t>
             </a:r>
             <a:r>
-              <a:rPr lang="tr-TR" sz="2400" dirty="0" err="1" smtClean="0"/>
+              <a:rPr lang="tr-TR" sz="2400" dirty="0" err="1"/>
               <a:t>polinom</a:t>
             </a:r>
             <a:r>
-              <a:rPr lang="tr-TR" sz="2400" dirty="0" smtClean="0"/>
+              <a:rPr lang="tr-TR" sz="2400" dirty="0"/>
               <a:t> düzeni </a:t>
             </a:r>
             <a:r>
-              <a:rPr lang="tr-TR" sz="2400" smtClean="0"/>
-              <a:t>arttırılabilir</a:t>
-            </a:r>
-            <a:r>
-              <a:rPr lang="tr-TR" sz="2400" smtClean="0"/>
-              <a:t>.</a:t>
-            </a:r>
-            <a:endParaRPr lang="en-US" sz="2400" smtClean="0"/>
-          </a:p>
-          <a:p>
-            <a:endParaRPr lang="tr-TR" sz="2400" dirty="0" smtClean="0"/>
+              <a:rPr lang="tr-TR" sz="2400"/>
+              <a:t>arttırılabilir.</a:t>
+            </a:r>
+            <a:endParaRPr lang="en-US" sz="2400"/>
+          </a:p>
+          <a:p>
+            <a:endParaRPr lang="tr-TR" sz="2400" dirty="0"/>
           </a:p>
         </p:txBody>
       </p:sp>
@@ -25421,8 +24605,8 @@
           </a:extLst>
         </p:spPr>
       </p:pic>
-      <mc:AlternateContent xmlns:mc="http://schemas.openxmlformats.org/markup-compatibility/2006">
-        <mc:Choice xmlns:a14="http://schemas.microsoft.com/office/drawing/2010/main" Requires="a14">
+      <mc:AlternateContent xmlns:mc="http://schemas.openxmlformats.org/markup-compatibility/2006" xmlns:a14="http://schemas.microsoft.com/office/drawing/2010/main">
+        <mc:Choice Requires="a14">
           <p:sp>
             <p:nvSpPr>
               <p:cNvPr id="15" name="Metin kutusu 14"/>
@@ -25478,7 +24662,7 @@
             </p:txBody>
           </p:sp>
         </mc:Choice>
-        <mc:Fallback>
+        <mc:Fallback xmlns="">
           <p:sp>
             <p:nvSpPr>
               <p:cNvPr id="15" name="Metin kutusu 14"/>
@@ -25517,8 +24701,8 @@
           </p:sp>
         </mc:Fallback>
       </mc:AlternateContent>
-      <mc:AlternateContent xmlns:mc="http://schemas.openxmlformats.org/markup-compatibility/2006">
-        <mc:Choice xmlns:a14="http://schemas.microsoft.com/office/drawing/2010/main" Requires="a14">
+      <mc:AlternateContent xmlns:mc="http://schemas.openxmlformats.org/markup-compatibility/2006" xmlns:a14="http://schemas.microsoft.com/office/drawing/2010/main">
+        <mc:Choice Requires="a14">
           <p:sp>
             <p:nvSpPr>
               <p:cNvPr id="16" name="Metin kutusu 15"/>
@@ -25574,7 +24758,7 @@
             </p:txBody>
           </p:sp>
         </mc:Choice>
-        <mc:Fallback>
+        <mc:Fallback xmlns="">
           <p:sp>
             <p:nvSpPr>
               <p:cNvPr id="16" name="Metin kutusu 15"/>
@@ -25687,13 +24871,6 @@
   <p:clrMapOvr>
     <a:masterClrMapping/>
   </p:clrMapOvr>
-  <p:timing>
-    <p:tnLst>
-      <p:par>
-        <p:cTn id="1" dur="indefinite" restart="never" nodeType="tmRoot"/>
-      </p:par>
-    </p:tnLst>
-  </p:timing>
 </p:sld>
 </file>
 
@@ -25732,37 +24909,33 @@
           <a:lstStyle/>
           <a:p>
             <a:r>
-              <a:rPr lang="en-US"/>
-              <a:t>Bézier </a:t>
-            </a:r>
-            <a:r>
-              <a:rPr lang="tr-TR"/>
-              <a:t>Şerit Eğrileri</a:t>
-            </a:r>
-            <a:r>
-              <a:rPr lang="tr-TR"/>
-              <a:t>: </a:t>
-            </a:r>
-            <a:r>
-              <a:rPr lang="en-US" smtClean="0"/>
+              <a:rPr lang="en-US" dirty="0" err="1"/>
+              <a:t>Bézier</a:t>
+            </a:r>
+            <a:r>
+              <a:rPr lang="en-US" dirty="0"/>
+              <a:t> </a:t>
+            </a:r>
+            <a:r>
+              <a:rPr lang="tr-TR" dirty="0"/>
+              <a:t>Şerit Eğrileri: </a:t>
+            </a:r>
+            <a:r>
+              <a:rPr lang="en-US" dirty="0"/>
               <a:t>5</a:t>
             </a:r>
             <a:r>
-              <a:rPr lang="tr-TR" smtClean="0"/>
-              <a:t> </a:t>
-            </a:r>
-            <a:r>
-              <a:rPr lang="tr-TR"/>
-              <a:t>Kontrol Noktası</a:t>
+              <a:rPr lang="tr-TR" dirty="0"/>
+              <a:t> Kontrol Noktası</a:t>
             </a:r>
             <a:br>
-              <a:rPr lang="tr-TR"/>
+              <a:rPr lang="tr-TR" dirty="0"/>
             </a:br>
             <a:r>
-              <a:rPr lang="tr-TR"/>
+              <a:rPr lang="tr-TR" dirty="0"/>
               <a:t>Değişen Nokta Sıraları</a:t>
             </a:r>
-            <a:endParaRPr lang="en-US" baseline="-25000" dirty="0" smtClean="0"/>
+            <a:endParaRPr lang="en-US" baseline="-25000" dirty="0"/>
           </a:p>
         </p:txBody>
       </p:sp>
@@ -25805,16 +24978,8 @@
               </a:lnSpc>
             </a:pPr>
             <a:r>
-              <a:rPr lang="en-US" altLang="en-US" sz="2400" smtClean="0"/>
-              <a:t>Bir koordinatta birden fazla kontrol noktası tanımlanarak bir </a:t>
-            </a:r>
-            <a:r>
               <a:rPr lang="en-US" altLang="en-US" sz="2400"/>
-              <a:t>Bézier </a:t>
-            </a:r>
-            <a:r>
-              <a:rPr lang="en-US" altLang="en-US" sz="2400" smtClean="0"/>
-              <a:t>eğrisinin belirli bir koordinat konumunun daha yakınından geçmesi sağlanabilir. </a:t>
+              <a:t>Bir koordinatta birden fazla kontrol noktası tanımlanarak bir Bézier eğrisinin belirli bir koordinat konumunun daha yakınından geçmesi sağlanabilir. </a:t>
             </a:r>
           </a:p>
         </p:txBody>
@@ -25923,8 +25088,8 @@
           </a:extLst>
         </p:spPr>
       </p:pic>
-      <mc:AlternateContent xmlns:mc="http://schemas.openxmlformats.org/markup-compatibility/2006">
-        <mc:Choice xmlns:a14="http://schemas.microsoft.com/office/drawing/2010/main" Requires="a14">
+      <mc:AlternateContent xmlns:mc="http://schemas.openxmlformats.org/markup-compatibility/2006" xmlns:a14="http://schemas.microsoft.com/office/drawing/2010/main">
+        <mc:Choice Requires="a14">
           <p:sp>
             <p:nvSpPr>
               <p:cNvPr id="7" name="Metin kutusu 6"/>
@@ -25980,7 +25145,7 @@
             </p:txBody>
           </p:sp>
         </mc:Choice>
-        <mc:Fallback>
+        <mc:Fallback xmlns="">
           <p:sp>
             <p:nvSpPr>
               <p:cNvPr id="7" name="Metin kutusu 6"/>
@@ -26019,8 +25184,8 @@
           </p:sp>
         </mc:Fallback>
       </mc:AlternateContent>
-      <mc:AlternateContent xmlns:mc="http://schemas.openxmlformats.org/markup-compatibility/2006">
-        <mc:Choice xmlns:a14="http://schemas.microsoft.com/office/drawing/2010/main" Requires="a14">
+      <mc:AlternateContent xmlns:mc="http://schemas.openxmlformats.org/markup-compatibility/2006" xmlns:a14="http://schemas.microsoft.com/office/drawing/2010/main">
+        <mc:Choice Requires="a14">
           <p:sp>
             <p:nvSpPr>
               <p:cNvPr id="8" name="Metin kutusu 7"/>
@@ -26076,7 +25241,7 @@
             </p:txBody>
           </p:sp>
         </mc:Choice>
-        <mc:Fallback>
+        <mc:Fallback xmlns="">
           <p:sp>
             <p:nvSpPr>
               <p:cNvPr id="8" name="Metin kutusu 7"/>
@@ -26115,8 +25280,8 @@
           </p:sp>
         </mc:Fallback>
       </mc:AlternateContent>
-      <mc:AlternateContent xmlns:mc="http://schemas.openxmlformats.org/markup-compatibility/2006">
-        <mc:Choice xmlns:a14="http://schemas.microsoft.com/office/drawing/2010/main" Requires="a14">
+      <mc:AlternateContent xmlns:mc="http://schemas.openxmlformats.org/markup-compatibility/2006" xmlns:a14="http://schemas.microsoft.com/office/drawing/2010/main">
+        <mc:Choice Requires="a14">
           <p:sp>
             <p:nvSpPr>
               <p:cNvPr id="9" name="Metin kutusu 8"/>
@@ -26172,7 +25337,7 @@
             </p:txBody>
           </p:sp>
         </mc:Choice>
-        <mc:Fallback>
+        <mc:Fallback xmlns="">
           <p:sp>
             <p:nvSpPr>
               <p:cNvPr id="9" name="Metin kutusu 8"/>
@@ -26211,8 +25376,8 @@
           </p:sp>
         </mc:Fallback>
       </mc:AlternateContent>
-      <mc:AlternateContent xmlns:mc="http://schemas.openxmlformats.org/markup-compatibility/2006">
-        <mc:Choice xmlns:a14="http://schemas.microsoft.com/office/drawing/2010/main" Requires="a14">
+      <mc:AlternateContent xmlns:mc="http://schemas.openxmlformats.org/markup-compatibility/2006" xmlns:a14="http://schemas.microsoft.com/office/drawing/2010/main">
+        <mc:Choice Requires="a14">
           <p:sp>
             <p:nvSpPr>
               <p:cNvPr id="10" name="Metin kutusu 9"/>
@@ -26268,7 +25433,7 @@
             </p:txBody>
           </p:sp>
         </mc:Choice>
-        <mc:Fallback>
+        <mc:Fallback xmlns="">
           <p:sp>
             <p:nvSpPr>
               <p:cNvPr id="10" name="Metin kutusu 9"/>
@@ -26317,13 +25482,6 @@
   <p:clrMapOvr>
     <a:masterClrMapping/>
   </p:clrMapOvr>
-  <p:timing>
-    <p:tnLst>
-      <p:par>
-        <p:cTn id="1" dur="indefinite" restart="never" nodeType="tmRoot"/>
-      </p:par>
-    </p:tnLst>
-  </p:timing>
 </p:sld>
 </file>
 
@@ -26371,13 +25529,8 @@
             </a:r>
             <a:r>
               <a:rPr lang="tr-TR" dirty="0"/>
-              <a:t>Şerit </a:t>
-            </a:r>
-            <a:r>
-              <a:rPr lang="tr-TR" dirty="0" smtClean="0"/>
-              <a:t>Eğrileri Özellikleri I</a:t>
-            </a:r>
-            <a:endParaRPr lang="tr-TR" dirty="0"/>
+              <a:t>Şerit Eğrileri Özellikleri I</a:t>
+            </a:r>
           </a:p>
         </p:txBody>
       </p:sp>
@@ -26411,15 +25564,15 @@
                   </a:lnSpc>
                 </a:pPr>
                 <a:r>
-                  <a:rPr lang="tr-TR" sz="2800" dirty="0" smtClean="0"/>
+                  <a:rPr lang="tr-TR" sz="2800" dirty="0"/>
                   <a:t>Bir </a:t>
                 </a:r>
                 <a:r>
-                  <a:rPr lang="tr-TR" sz="2800" dirty="0" err="1" smtClean="0"/>
+                  <a:rPr lang="tr-TR" sz="2800" dirty="0" err="1"/>
                   <a:t>Bezier</a:t>
                 </a:r>
                 <a:r>
-                  <a:rPr lang="tr-TR" sz="2800" dirty="0" smtClean="0"/>
+                  <a:rPr lang="tr-TR" sz="2800" dirty="0"/>
                   <a:t> eğrisi kontrol noktalarının konveks zarfındadır.</a:t>
                 </a:r>
               </a:p>
@@ -26430,27 +25583,27 @@
                   </a:lnSpc>
                 </a:pPr>
                 <a:r>
-                  <a:rPr lang="tr-TR" sz="2800" dirty="0" err="1" smtClean="0"/>
+                  <a:rPr lang="tr-TR" sz="2800" dirty="0" err="1"/>
                   <a:t>Bezier</a:t>
                 </a:r>
                 <a:r>
-                  <a:rPr lang="tr-TR" sz="2800" dirty="0" smtClean="0"/>
+                  <a:rPr lang="tr-TR" sz="2800" dirty="0"/>
                   <a:t> eğrileri sadece başlangıç ve bitiş noktalarını </a:t>
                 </a:r>
                 <a:r>
-                  <a:rPr lang="tr-TR" sz="2800" smtClean="0"/>
+                  <a:rPr lang="tr-TR" sz="2800"/>
                   <a:t>ara değerler</a:t>
                 </a:r>
                 <a:r>
-                  <a:rPr lang="en-US" sz="2800" smtClean="0"/>
+                  <a:rPr lang="en-US" sz="2800"/>
                   <a:t>, d</a:t>
                 </a:r>
                 <a:r>
-                  <a:rPr lang="tr-TR" sz="2800" smtClean="0"/>
+                  <a:rPr lang="tr-TR" sz="2800"/>
                   <a:t>iğer </a:t>
                 </a:r>
                 <a:r>
-                  <a:rPr lang="tr-TR" sz="2800" dirty="0" smtClean="0"/>
+                  <a:rPr lang="tr-TR" sz="2800" dirty="0"/>
                   <a:t>noktaları kestirir.</a:t>
                 </a:r>
               </a:p>
@@ -26602,7 +25755,7 @@
                   <a:rPr lang="tr-TR" sz="2400" dirty="0"/>
                   <a:t> </a:t>
                 </a:r>
-                <a:endParaRPr lang="tr-TR" dirty="0" smtClean="0"/>
+                <a:endParaRPr lang="tr-TR" dirty="0"/>
               </a:p>
               <a:p>
                 <a:pPr>
@@ -26611,7 +25764,7 @@
                   </a:lnSpc>
                 </a:pPr>
                 <a:r>
-                  <a:rPr lang="tr-TR" sz="2800" dirty="0" smtClean="0"/>
+                  <a:rPr lang="tr-TR" sz="2800" dirty="0"/>
                   <a:t>Katsayı toplamının 1 olması kuralından dolayı eğride çok keskin salınımlar olmaz.</a:t>
                 </a:r>
               </a:p>
@@ -27086,13 +26239,6 @@
   <p:clrMapOvr>
     <a:masterClrMapping/>
   </p:clrMapOvr>
-  <p:timing>
-    <p:tnLst>
-      <p:par>
-        <p:cTn id="1" dur="indefinite" restart="never" nodeType="tmRoot"/>
-      </p:par>
-    </p:tnLst>
-  </p:timing>
 </p:sld>
 </file>
 
@@ -27140,13 +26286,8 @@
             </a:r>
             <a:r>
               <a:rPr lang="tr-TR" dirty="0"/>
-              <a:t>Şerit </a:t>
-            </a:r>
-            <a:r>
-              <a:rPr lang="tr-TR" dirty="0" smtClean="0"/>
-              <a:t>Eğrileri Özellikleri II</a:t>
-            </a:r>
-            <a:endParaRPr lang="tr-TR" dirty="0"/>
+              <a:t>Şerit Eğrileri Özellikleri II</a:t>
+            </a:r>
           </a:p>
         </p:txBody>
       </p:sp>
@@ -27180,7 +26321,7 @@
                   </a:lnSpc>
                 </a:pPr>
                 <a:r>
-                  <a:rPr lang="tr-TR" sz="2800" dirty="0" smtClean="0"/>
+                  <a:rPr lang="tr-TR" sz="2800" dirty="0"/>
                   <a:t>Bezier eğrisinin sınır noktalarındaki birinci dereceden parametrik türevleri kontrol noktalarının koordinatları ile hesaplanır.</a:t>
                 </a:r>
               </a:p>
@@ -27303,7 +26444,7 @@
                     </m:r>
                   </m:oMath>
                 </a14:m>
-                <a:endParaRPr lang="tr-TR" sz="2400" b="0" dirty="0" smtClean="0"/>
+                <a:endParaRPr lang="tr-TR" sz="2400" b="0" dirty="0"/>
               </a:p>
               <a:p>
                 <a:pPr lvl="1">
@@ -27430,7 +26571,7 @@
                     </m:r>
                   </m:oMath>
                 </a14:m>
-                <a:endParaRPr lang="tr-TR" dirty="0" smtClean="0"/>
+                <a:endParaRPr lang="tr-TR" dirty="0"/>
               </a:p>
               <a:p>
                 <a:pPr>
@@ -27440,26 +26581,18 @@
                 </a:pPr>
                 <a:r>
                   <a:rPr lang="tr-TR" sz="2800" dirty="0"/>
-                  <a:t>Bezier eğrisinin sınır noktalarındaki </a:t>
-                </a:r>
-                <a:r>
-                  <a:rPr lang="tr-TR" sz="2800" dirty="0" smtClean="0"/>
-                  <a:t>ikinci dereceden </a:t>
+                  <a:t>Bezier eğrisinin sınır noktalarındaki ikinci dereceden </a:t>
                 </a:r>
                 <a:r>
                   <a:rPr lang="tr-TR" sz="2800"/>
-                  <a:t>parametrik </a:t>
+                  <a:t>parametrik türevleri</a:t>
                 </a:r>
                 <a:r>
-                  <a:rPr lang="tr-TR" sz="2800" smtClean="0"/>
-                  <a:t>türevleri</a:t>
-                </a:r>
-                <a:r>
-                  <a:rPr lang="en-US" sz="2800" smtClean="0"/>
+                  <a:rPr lang="en-US" sz="2800"/>
                   <a:t> yine</a:t>
                 </a:r>
                 <a:r>
-                  <a:rPr lang="tr-TR" sz="2800" smtClean="0"/>
+                  <a:rPr lang="tr-TR" sz="2800"/>
                   <a:t> </a:t>
                 </a:r>
                 <a:r>
@@ -28313,13 +27446,6 @@
   <p:clrMapOvr>
     <a:masterClrMapping/>
   </p:clrMapOvr>
-  <p:timing>
-    <p:tnLst>
-      <p:par>
-        <p:cTn id="1" dur="indefinite" restart="never" nodeType="tmRoot"/>
-      </p:par>
-    </p:tnLst>
-  </p:timing>
 </p:sld>
 </file>
 
@@ -28366,10 +27492,9 @@
               <a:t> </a:t>
             </a:r>
             <a:r>
-              <a:rPr lang="tr-TR" dirty="0" smtClean="0"/>
+              <a:rPr lang="tr-TR" dirty="0"/>
               <a:t>Eğri Parçalarını Birleştirme I</a:t>
             </a:r>
-            <a:endParaRPr lang="tr-TR" dirty="0"/>
           </a:p>
         </p:txBody>
       </p:sp>
@@ -28398,18 +27523,18 @@
               <a:lstStyle/>
               <a:p>
                 <a:r>
-                  <a:rPr lang="tr-TR" sz="2800" dirty="0" smtClean="0"/>
+                  <a:rPr lang="tr-TR" sz="2800" dirty="0"/>
                   <a:t>İki eğri parçasının bitiş ve başlangıç noktaları denklenerek G</a:t>
                 </a:r>
                 <a:r>
-                  <a:rPr lang="tr-TR" sz="2800" baseline="30000" dirty="0" smtClean="0"/>
+                  <a:rPr lang="tr-TR" sz="2800" baseline="30000" dirty="0"/>
                   <a:t>0</a:t>
                 </a:r>
                 <a:r>
-                  <a:rPr lang="tr-TR" sz="2800" dirty="0" smtClean="0"/>
+                  <a:rPr lang="tr-TR" sz="2800" dirty="0"/>
                   <a:t> sürekliliği sağlanmalıdır.</a:t>
                 </a:r>
-                <a:endParaRPr lang="tr-TR" sz="2800" i="1" dirty="0" smtClean="0">
+                <a:endParaRPr lang="tr-TR" sz="2800" i="1" dirty="0">
                   <a:latin typeface="Cambria Math"/>
                 </a:endParaRPr>
               </a:p>
@@ -28785,10 +27910,9 @@
               <a:t> </a:t>
             </a:r>
             <a:r>
-              <a:rPr lang="tr-TR" dirty="0" smtClean="0"/>
+              <a:rPr lang="tr-TR" dirty="0"/>
               <a:t>Eğri Parçalarını Birleştirme II</a:t>
             </a:r>
-            <a:endParaRPr lang="tr-TR" dirty="0"/>
           </a:p>
         </p:txBody>
       </p:sp>
@@ -28817,32 +27941,16 @@
               <a:lstStyle/>
               <a:p>
                 <a:r>
-                  <a:rPr lang="tr-TR" sz="2800" dirty="0" smtClean="0"/>
-                  <a:t>Daha düzgün birleşimler için iki </a:t>
+                  <a:rPr lang="tr-TR" sz="2800" dirty="0"/>
+                  <a:t>Daha düzgün birleşimler için iki eğri parçasının bitiş ve başlangıç noktalarındaki birinci dereceden türevler oranlanarak G</a:t>
+                </a:r>
+                <a:r>
+                  <a:rPr lang="tr-TR" sz="2800" baseline="30000" dirty="0"/>
+                  <a:t>1</a:t>
                 </a:r>
                 <a:r>
                   <a:rPr lang="tr-TR" sz="2800" dirty="0"/>
-                  <a:t>eğri parçasının bitiş ve başlangıç </a:t>
-                </a:r>
-                <a:r>
-                  <a:rPr lang="tr-TR" sz="2800" dirty="0" smtClean="0"/>
-                  <a:t>noktalarındaki birinci dereceden türevler oranlanarak G</a:t>
-                </a:r>
-                <a:r>
-                  <a:rPr lang="tr-TR" sz="2800" baseline="30000" dirty="0" smtClean="0"/>
-                  <a:t>1</a:t>
-                </a:r>
-                <a:r>
-                  <a:rPr lang="tr-TR" sz="2800" dirty="0" smtClean="0"/>
-                  <a:t> </a:t>
-                </a:r>
-                <a:r>
-                  <a:rPr lang="tr-TR" sz="2800" dirty="0"/>
-                  <a:t>sürekliliği sağlanmalıdır</a:t>
-                </a:r>
-                <a:r>
-                  <a:rPr lang="tr-TR" sz="2800" dirty="0" smtClean="0"/>
-                  <a:t>.</a:t>
+                  <a:t> sürekliliği sağlanmalıdır.</a:t>
                 </a:r>
                 <a:endParaRPr lang="tr-TR" sz="2800" i="1" dirty="0">
                   <a:latin typeface="Cambria Math"/>
@@ -28961,7 +28069,7 @@
                   </m:oMath>
                 </a14:m>
                 <a:r>
-                  <a:rPr lang="tr-TR" sz="2400" dirty="0" smtClean="0"/>
+                  <a:rPr lang="tr-TR" sz="2400" dirty="0"/>
                   <a:t>-</a:t>
                 </a:r>
                 <a14:m>
@@ -29004,7 +28112,7 @@
               <a:p>
                 <a:pPr lvl="1"/>
                 <a:r>
-                  <a:rPr lang="tr-TR" sz="2400" dirty="0" smtClean="0"/>
+                  <a:rPr lang="tr-TR" sz="2400" dirty="0"/>
                   <a:t>Böylece </a:t>
                 </a:r>
                 <a14:m>
@@ -29043,7 +28151,7 @@
                   </m:oMath>
                 </a14:m>
                 <a:r>
-                  <a:rPr lang="tr-TR" sz="2400" dirty="0" smtClean="0"/>
+                  <a:rPr lang="tr-TR" sz="2400" dirty="0"/>
                   <a:t>, </a:t>
                 </a:r>
                 <a14:m>
@@ -29076,7 +28184,7 @@
                   </m:oMath>
                 </a14:m>
                 <a:r>
-                  <a:rPr lang="tr-TR" sz="2400" dirty="0" smtClean="0"/>
+                  <a:rPr lang="tr-TR" sz="2400" dirty="0"/>
                   <a:t> ve </a:t>
                 </a:r>
                 <a14:m>
@@ -29109,10 +28217,9 @@
                   </m:oMath>
                 </a14:m>
                 <a:r>
-                  <a:rPr lang="tr-TR" sz="2400" dirty="0" smtClean="0"/>
+                  <a:rPr lang="tr-TR" sz="2400" dirty="0"/>
                   <a:t> aynı doğruya oturur.</a:t>
                 </a:r>
-                <a:endParaRPr lang="tr-TR" sz="2400" dirty="0"/>
               </a:p>
             </p:txBody>
           </p:sp>
@@ -29414,22 +28521,21 @@
           <a:lstStyle/>
           <a:p>
             <a:r>
-              <a:rPr lang="tr-TR" dirty="0" smtClean="0"/>
+              <a:rPr lang="tr-TR" dirty="0"/>
               <a:t>Kübik </a:t>
             </a:r>
             <a:r>
-              <a:rPr lang="en-US" dirty="0" err="1" smtClean="0"/>
+              <a:rPr lang="en-US" dirty="0" err="1"/>
               <a:t>Bézier</a:t>
             </a:r>
             <a:r>
-              <a:rPr lang="en-US" dirty="0" smtClean="0"/>
+              <a:rPr lang="en-US" dirty="0"/>
               <a:t> </a:t>
             </a:r>
             <a:r>
-              <a:rPr lang="tr-TR" dirty="0" smtClean="0"/>
+              <a:rPr lang="tr-TR" dirty="0"/>
               <a:t>Eğrisinin Matris Temsili</a:t>
             </a:r>
-            <a:endParaRPr lang="tr-TR" dirty="0"/>
           </a:p>
         </p:txBody>
       </p:sp>
@@ -29456,20 +28562,20 @@
           <a:lstStyle/>
           <a:p>
             <a:r>
-              <a:rPr lang="tr-TR" sz="2800" dirty="0" smtClean="0"/>
+              <a:rPr lang="tr-TR" sz="2800" dirty="0"/>
               <a:t>Kübik </a:t>
             </a:r>
             <a:r>
-              <a:rPr lang="tr-TR" sz="2800" dirty="0" err="1" smtClean="0"/>
+              <a:rPr lang="tr-TR" sz="2800" dirty="0" err="1"/>
               <a:t>Bezier</a:t>
             </a:r>
             <a:r>
-              <a:rPr lang="tr-TR" sz="2800" dirty="0" smtClean="0"/>
+              <a:rPr lang="tr-TR" sz="2800" dirty="0"/>
               <a:t> eğrisi</a:t>
             </a:r>
           </a:p>
           <a:p>
-            <a:endParaRPr lang="tr-TR" sz="2800" dirty="0" smtClean="0"/>
+            <a:endParaRPr lang="tr-TR" sz="2800" dirty="0"/>
           </a:p>
           <a:p>
             <a:endParaRPr lang="tr-TR" sz="2800" i="1" dirty="0">
@@ -29477,16 +28583,15 @@
             </a:endParaRPr>
           </a:p>
           <a:p>
-            <a:endParaRPr lang="tr-TR" sz="2800" i="1" dirty="0" smtClean="0">
+            <a:endParaRPr lang="tr-TR" sz="2800" i="1" dirty="0">
               <a:latin typeface="Cambria Math"/>
             </a:endParaRPr>
           </a:p>
           <a:p>
             <a:r>
-              <a:rPr lang="tr-TR" sz="2800" dirty="0" smtClean="0"/>
+              <a:rPr lang="tr-TR" sz="2800" dirty="0"/>
               <a:t>Matris temsili</a:t>
             </a:r>
-            <a:endParaRPr lang="tr-TR" sz="2800" dirty="0"/>
           </a:p>
         </p:txBody>
       </p:sp>
@@ -29499,7 +28604,7 @@
           <p:nvPr/>
         </p:nvPicPr>
         <p:blipFill>
-          <a:blip r:embed="rId3">
+          <a:blip r:embed="rId2">
             <a:extLst>
               <a:ext uri="{28A0092B-C50C-407E-A947-70E740481C1C}">
                 <a14:useLocalDpi xmlns:a14="http://schemas.microsoft.com/office/drawing/2010/main" val="0"/>
@@ -29563,7 +28668,7 @@
           <p:nvPr/>
         </p:nvPicPr>
         <p:blipFill>
-          <a:blip r:embed="rId4">
+          <a:blip r:embed="rId3">
             <a:extLst>
               <a:ext uri="{28A0092B-C50C-407E-A947-70E740481C1C}">
                 <a14:useLocalDpi xmlns:a14="http://schemas.microsoft.com/office/drawing/2010/main" val="0"/>
@@ -29640,12 +28745,12 @@
           <a:graphicData uri="http://schemas.openxmlformats.org/presentationml/2006/ole">
             <mc:AlternateContent xmlns:mc="http://schemas.openxmlformats.org/markup-compatibility/2006">
               <mc:Choice xmlns:v="urn:schemas-microsoft-com:vml" Requires="v">
-                <p:oleObj spid="_x0000_s24643" name="Denklem" r:id="rId5" imgW="4216320" imgH="241200" progId="Equation.3">
+                <p:oleObj name="Denklem" r:id="rId4" imgW="4216320" imgH="241200" progId="Equation.3">
                   <p:embed/>
                 </p:oleObj>
               </mc:Choice>
               <mc:Fallback>
-                <p:oleObj name="Denklem" r:id="rId5" imgW="4216320" imgH="241200" progId="Equation.3">
+                <p:oleObj name="Denklem" r:id="rId4" imgW="4216320" imgH="241200" progId="Equation.3">
                   <p:embed/>
                   <p:pic>
                     <p:nvPicPr>
@@ -29656,7 +28761,7 @@
                       <p:nvPr/>
                     </p:nvPicPr>
                     <p:blipFill>
-                      <a:blip r:embed="rId6"/>
+                      <a:blip r:embed="rId5"/>
                       <a:srcRect/>
                       <a:stretch>
                         <a:fillRect/>
@@ -29711,13 +28816,6 @@
   <p:clrMapOvr>
     <a:masterClrMapping/>
   </p:clrMapOvr>
-  <p:timing>
-    <p:tnLst>
-      <p:par>
-        <p:cTn id="1" dur="indefinite" restart="never" nodeType="tmRoot"/>
-      </p:par>
-    </p:tnLst>
-  </p:timing>
 </p:sld>
 </file>
 
@@ -29757,14 +28855,10 @@
           <a:p>
             <a:r>
               <a:rPr lang="tr-TR"/>
-              <a:t>Kullanım </a:t>
-            </a:r>
-            <a:r>
-              <a:rPr lang="tr-TR" smtClean="0"/>
-              <a:t>Alanları</a:t>
-            </a:r>
-            <a:r>
-              <a:rPr lang="en-US" smtClean="0"/>
+              <a:t>Kullanım Alanları</a:t>
+            </a:r>
+            <a:r>
+              <a:rPr lang="en-US"/>
               <a:t> - II</a:t>
             </a:r>
             <a:endParaRPr lang="tr-TR" dirty="0"/>
@@ -29805,7 +28899,7 @@
             </a:r>
           </a:p>
           <a:p>
-            <a:endParaRPr lang="tr-TR" sz="2800" dirty="0" smtClean="0"/>
+            <a:endParaRPr lang="tr-TR" sz="2800" dirty="0"/>
           </a:p>
         </p:txBody>
       </p:sp>
@@ -29938,82 +29032,58 @@
           <a:p>
             <a:pPr algn="ctr"/>
             <a:r>
-              <a:rPr lang="tr-TR" dirty="0" smtClean="0"/>
+              <a:rPr lang="tr-TR" dirty="0"/>
               <a:t>Otomotiv tasarımında kullanılan </a:t>
             </a:r>
             <a:r>
-              <a:rPr lang="tr-TR" smtClean="0"/>
-              <a:t>CAD </a:t>
-            </a:r>
-            <a:r>
-              <a:rPr lang="tr-TR" smtClean="0"/>
-              <a:t>uygulamasında</a:t>
-            </a:r>
-            <a:r>
-              <a:rPr lang="en-US" smtClean="0"/>
+              <a:rPr lang="tr-TR"/>
+              <a:t>CAD uygulamasında</a:t>
+            </a:r>
+            <a:r>
+              <a:rPr lang="en-US"/>
               <a:t> kestirilmiş</a:t>
             </a:r>
             <a:r>
-              <a:rPr lang="tr-TR" smtClean="0"/>
+              <a:rPr lang="tr-TR"/>
+              <a:t> bir şerit yüzeyi.</a:t>
+            </a:r>
+            <a:endParaRPr lang="tr-TR" dirty="0"/>
+          </a:p>
+          <a:p>
+            <a:pPr algn="ctr"/>
+            <a:r>
+              <a:rPr lang="tr-TR" dirty="0"/>
+              <a:t>Yüzey kontrol </a:t>
+            </a:r>
+            <a:r>
+              <a:rPr lang="tr-TR"/>
+              <a:t>noktaları düz</a:t>
+            </a:r>
+            <a:r>
+              <a:rPr lang="en-US"/>
+              <a:t>gün</a:t>
+            </a:r>
+            <a:r>
+              <a:rPr lang="tr-TR"/>
               <a:t> </a:t>
             </a:r>
             <a:r>
-              <a:rPr lang="tr-TR" smtClean="0"/>
-              <a:t>bir </a:t>
-            </a:r>
-            <a:r>
-              <a:rPr lang="tr-TR" smtClean="0"/>
-              <a:t>şerit yüzeyi</a:t>
-            </a:r>
-            <a:r>
-              <a:rPr lang="tr-TR" smtClean="0"/>
+              <a:rPr lang="en-US"/>
+              <a:t>doğru</a:t>
+            </a:r>
+            <a:r>
+              <a:rPr lang="tr-TR"/>
+              <a:t> parçaları</a:t>
+            </a:r>
+            <a:r>
+              <a:rPr lang="en-US"/>
+              <a:t> ile birleştirilmiştir</a:t>
+            </a:r>
+            <a:r>
+              <a:rPr lang="tr-TR"/>
               <a:t>.</a:t>
             </a:r>
-            <a:endParaRPr lang="tr-TR" dirty="0" smtClean="0"/>
-          </a:p>
-          <a:p>
-            <a:pPr algn="ctr"/>
-            <a:r>
-              <a:rPr lang="tr-TR" dirty="0" smtClean="0"/>
-              <a:t>Yüzey kontrol </a:t>
-            </a:r>
-            <a:r>
-              <a:rPr lang="tr-TR" smtClean="0"/>
-              <a:t>noktaları düz</a:t>
-            </a:r>
-            <a:r>
-              <a:rPr lang="en-US" smtClean="0"/>
-              <a:t>gün</a:t>
-            </a:r>
-            <a:r>
-              <a:rPr lang="tr-TR" smtClean="0"/>
-              <a:t> </a:t>
-            </a:r>
-            <a:r>
-              <a:rPr lang="en-US" smtClean="0"/>
-              <a:t>doğru</a:t>
-            </a:r>
-            <a:r>
-              <a:rPr lang="tr-TR" smtClean="0"/>
-              <a:t> </a:t>
-            </a:r>
-            <a:r>
-              <a:rPr lang="tr-TR" smtClean="0"/>
-              <a:t>parçaları</a:t>
-            </a:r>
-            <a:r>
-              <a:rPr lang="en-US" smtClean="0"/>
-              <a:t> ile </a:t>
-            </a:r>
-            <a:r>
-              <a:rPr lang="en-US" smtClean="0"/>
-              <a:t>birleştirilmiştir</a:t>
-            </a:r>
-            <a:r>
-              <a:rPr lang="tr-TR" smtClean="0"/>
-              <a:t>.</a:t>
-            </a:r>
-            <a:endParaRPr lang="tr-TR" dirty="0" smtClean="0"/>
+            <a:endParaRPr lang="tr-TR" dirty="0"/>
           </a:p>
           <a:p>
             <a:pPr algn="ctr"/>
@@ -30023,13 +29093,8 @@
             </a:r>
             <a:r>
               <a:rPr lang="tr-TR" dirty="0"/>
-              <a:t> eğri parçalarıyla yüzey sınırları çizilmiştir</a:t>
-            </a:r>
-            <a:r>
-              <a:rPr lang="tr-TR" dirty="0" smtClean="0"/>
-              <a:t>.</a:t>
-            </a:r>
-            <a:endParaRPr lang="tr-TR" dirty="0"/>
+              <a:t> eğri parçalarıyla yüzey sınırları çizilmiştir.</a:t>
+            </a:r>
           </a:p>
         </p:txBody>
       </p:sp>
@@ -30056,66 +29121,65 @@
           <a:p>
             <a:pPr algn="ctr"/>
             <a:r>
-              <a:rPr lang="tr-TR" dirty="0" smtClean="0"/>
+              <a:rPr lang="tr-TR" dirty="0"/>
               <a:t>ACM, 1987, «</a:t>
             </a:r>
             <a:r>
-              <a:rPr lang="tr-TR" dirty="0" err="1" smtClean="0"/>
+              <a:rPr lang="tr-TR" dirty="0" err="1"/>
               <a:t>Principles</a:t>
             </a:r>
             <a:r>
-              <a:rPr lang="tr-TR" dirty="0" smtClean="0"/>
+              <a:rPr lang="tr-TR" dirty="0"/>
               <a:t> of </a:t>
             </a:r>
             <a:r>
-              <a:rPr lang="tr-TR" dirty="0" err="1" smtClean="0"/>
+              <a:rPr lang="tr-TR" dirty="0" err="1"/>
               <a:t>traditional</a:t>
             </a:r>
             <a:r>
-              <a:rPr lang="tr-TR" dirty="0" smtClean="0"/>
+              <a:rPr lang="tr-TR" dirty="0"/>
               <a:t> </a:t>
             </a:r>
             <a:r>
-              <a:rPr lang="tr-TR" dirty="0" err="1" smtClean="0"/>
+              <a:rPr lang="tr-TR" dirty="0" err="1"/>
               <a:t>animation</a:t>
             </a:r>
             <a:r>
-              <a:rPr lang="tr-TR" dirty="0" smtClean="0"/>
+              <a:rPr lang="tr-TR" dirty="0"/>
               <a:t> </a:t>
             </a:r>
             <a:r>
-              <a:rPr lang="tr-TR" dirty="0" err="1" smtClean="0"/>
+              <a:rPr lang="tr-TR" dirty="0" err="1"/>
               <a:t>applied</a:t>
             </a:r>
             <a:r>
-              <a:rPr lang="tr-TR" dirty="0" smtClean="0"/>
+              <a:rPr lang="tr-TR" dirty="0"/>
               <a:t> </a:t>
             </a:r>
             <a:r>
-              <a:rPr lang="tr-TR" dirty="0" err="1" smtClean="0"/>
+              <a:rPr lang="tr-TR" dirty="0" err="1"/>
               <a:t>to</a:t>
             </a:r>
             <a:r>
-              <a:rPr lang="tr-TR" dirty="0" smtClean="0"/>
+              <a:rPr lang="tr-TR" dirty="0"/>
               <a:t> 3D </a:t>
             </a:r>
             <a:r>
-              <a:rPr lang="tr-TR" dirty="0" err="1" smtClean="0"/>
+              <a:rPr lang="tr-TR" dirty="0" err="1"/>
               <a:t>computer</a:t>
             </a:r>
             <a:r>
-              <a:rPr lang="tr-TR" dirty="0" smtClean="0"/>
+              <a:rPr lang="tr-TR" dirty="0"/>
               <a:t> </a:t>
             </a:r>
             <a:r>
-              <a:rPr lang="tr-TR" dirty="0" err="1" smtClean="0"/>
+              <a:rPr lang="tr-TR" dirty="0" err="1"/>
               <a:t>animation</a:t>
             </a:r>
             <a:r>
-              <a:rPr lang="tr-TR" dirty="0" smtClean="0"/>
+              <a:rPr lang="tr-TR" dirty="0"/>
               <a:t>.»</a:t>
             </a:r>
-            <a:endParaRPr lang="tr-TR" dirty="0"/>
           </a:p>
         </p:txBody>
       </p:sp>
@@ -30129,13 +29193,6 @@
   <p:clrMapOvr>
     <a:masterClrMapping/>
   </p:clrMapOvr>
-  <p:timing>
-    <p:tnLst>
-      <p:par>
-        <p:cTn id="1" dur="indefinite" restart="never" nodeType="tmRoot"/>
-      </p:par>
-    </p:tnLst>
-  </p:timing>
 </p:sld>
 </file>
 
@@ -30165,7 +29222,7 @@
           <p:nvPr/>
         </p:nvPicPr>
         <p:blipFill>
-          <a:blip r:embed="rId3">
+          <a:blip r:embed="rId2">
             <a:extLst>
               <a:ext uri="{28A0092B-C50C-407E-A947-70E740481C1C}">
                 <a14:useLocalDpi xmlns:a14="http://schemas.microsoft.com/office/drawing/2010/main" val="0"/>
@@ -30238,22 +29295,21 @@
           <a:lstStyle/>
           <a:p>
             <a:r>
-              <a:rPr lang="tr-TR" dirty="0" smtClean="0"/>
+              <a:rPr lang="tr-TR" dirty="0"/>
               <a:t>Kübik </a:t>
             </a:r>
             <a:r>
-              <a:rPr lang="en-US" dirty="0" err="1" smtClean="0"/>
+              <a:rPr lang="en-US" dirty="0" err="1"/>
               <a:t>Bézier</a:t>
             </a:r>
             <a:r>
-              <a:rPr lang="en-US" dirty="0" smtClean="0"/>
+              <a:rPr lang="en-US" dirty="0"/>
               <a:t> </a:t>
             </a:r>
             <a:r>
-              <a:rPr lang="tr-TR" dirty="0" smtClean="0"/>
+              <a:rPr lang="tr-TR" dirty="0"/>
               <a:t>Eğrisinin Taban Fonksiyonları</a:t>
             </a:r>
-            <a:endParaRPr lang="tr-TR" dirty="0"/>
           </a:p>
         </p:txBody>
       </p:sp>
@@ -30280,18 +29336,17 @@
           <a:lstStyle/>
           <a:p>
             <a:r>
-              <a:rPr lang="tr-TR" sz="2400" dirty="0" smtClean="0"/>
+              <a:rPr lang="tr-TR" sz="2400" dirty="0"/>
               <a:t>Kübik </a:t>
             </a:r>
             <a:r>
-              <a:rPr lang="tr-TR" sz="2400" dirty="0" err="1" smtClean="0"/>
+              <a:rPr lang="tr-TR" sz="2400" dirty="0" err="1"/>
               <a:t>Bezier</a:t>
             </a:r>
             <a:r>
-              <a:rPr lang="tr-TR" sz="2400" dirty="0" smtClean="0"/>
+              <a:rPr lang="tr-TR" sz="2400" dirty="0"/>
               <a:t> taban fonksiyonları</a:t>
             </a:r>
-            <a:endParaRPr lang="tr-TR" sz="2400" dirty="0"/>
           </a:p>
         </p:txBody>
       </p:sp>
@@ -30304,7 +29359,7 @@
           <p:nvPr>
             <p:extLst>
               <p:ext uri="{D42A27DB-BD31-4B8C-83A1-F6EECF244321}">
-                <p14:modId xmlns:p14="http://schemas.microsoft.com/office/powerpoint/2010/main" val="2493545171"/>
+                <p14:modId xmlns:p14="http://schemas.microsoft.com/office/powerpoint/2010/main" val="1493160922"/>
               </p:ext>
             </p:extLst>
           </p:nvPr>
@@ -30317,12 +29372,12 @@
           <a:graphicData uri="http://schemas.openxmlformats.org/presentationml/2006/ole">
             <mc:AlternateContent xmlns:mc="http://schemas.openxmlformats.org/markup-compatibility/2006">
               <mc:Choice xmlns:v="urn:schemas-microsoft-com:vml" Requires="v">
-                <p:oleObj spid="_x0000_s25667" name="Denklem" r:id="rId4" imgW="4216320" imgH="241200" progId="Equation.3">
+                <p:oleObj name="Denklem" r:id="rId3" imgW="4216320" imgH="241200" progId="Equation.3">
                   <p:embed/>
                 </p:oleObj>
               </mc:Choice>
               <mc:Fallback>
-                <p:oleObj name="Denklem" r:id="rId4" imgW="4216320" imgH="241200" progId="Equation.3">
+                <p:oleObj name="Denklem" r:id="rId3" imgW="4216320" imgH="241200" progId="Equation.3">
                   <p:embed/>
                   <p:pic>
                     <p:nvPicPr>
@@ -30333,7 +29388,7 @@
                       <p:nvPr/>
                     </p:nvPicPr>
                     <p:blipFill>
-                      <a:blip r:embed="rId5"/>
+                      <a:blip r:embed="rId4"/>
                       <a:srcRect/>
                       <a:stretch>
                         <a:fillRect/>
@@ -30351,25 +29406,6 @@
                       <a:ln>
                         <a:noFill/>
                       </a:ln>
-                      <a:extLst>
-                        <a:ext uri="{909E8E84-426E-40DD-AFC4-6F175D3DCCD1}">
-                          <a14:hiddenFill xmlns:a14="http://schemas.microsoft.com/office/drawing/2010/main">
-                            <a:solidFill>
-                              <a:srgbClr val="FFFFFF"/>
-                            </a:solidFill>
-                          </a14:hiddenFill>
-                        </a:ext>
-                        <a:ext uri="{91240B29-F687-4F45-9708-019B960494DF}">
-                          <a14:hiddenLine xmlns:a14="http://schemas.microsoft.com/office/drawing/2010/main" w="9525">
-                            <a:solidFill>
-                              <a:srgbClr val="000000"/>
-                            </a:solidFill>
-                            <a:miter lim="800000"/>
-                            <a:headEnd/>
-                            <a:tailEnd/>
-                          </a14:hiddenLine>
-                        </a:ext>
-                      </a:extLst>
                     </p:spPr>
                   </p:pic>
                 </p:oleObj>
@@ -30387,7 +29423,7 @@
           <p:nvPr/>
         </p:nvPicPr>
         <p:blipFill>
-          <a:blip r:embed="rId6">
+          <a:blip r:embed="rId5">
             <a:extLst>
               <a:ext uri="{28A0092B-C50C-407E-A947-70E740481C1C}">
                 <a14:useLocalDpi xmlns:a14="http://schemas.microsoft.com/office/drawing/2010/main" val="0"/>
@@ -30451,7 +29487,7 @@
           <p:nvPr/>
         </p:nvPicPr>
         <p:blipFill>
-          <a:blip r:embed="rId7">
+          <a:blip r:embed="rId6">
             <a:extLst>
               <a:ext uri="{28A0092B-C50C-407E-A947-70E740481C1C}">
                 <a14:useLocalDpi xmlns:a14="http://schemas.microsoft.com/office/drawing/2010/main" val="0"/>
@@ -30515,7 +29551,7 @@
           <p:nvPr/>
         </p:nvPicPr>
         <p:blipFill>
-          <a:blip r:embed="rId8">
+          <a:blip r:embed="rId7">
             <a:extLst>
               <a:ext uri="{28A0092B-C50C-407E-A947-70E740481C1C}">
                 <a14:useLocalDpi xmlns:a14="http://schemas.microsoft.com/office/drawing/2010/main" val="0"/>
@@ -30579,7 +29615,7 @@
           <p:nvPr/>
         </p:nvPicPr>
         <p:blipFill>
-          <a:blip r:embed="rId9">
+          <a:blip r:embed="rId8">
             <a:extLst>
               <a:ext uri="{28A0092B-C50C-407E-A947-70E740481C1C}">
                 <a14:useLocalDpi xmlns:a14="http://schemas.microsoft.com/office/drawing/2010/main" val="0"/>
@@ -30644,13 +29680,6 @@
   <p:clrMapOvr>
     <a:masterClrMapping/>
   </p:clrMapOvr>
-  <p:timing>
-    <p:tnLst>
-      <p:par>
-        <p:cTn id="1" dur="indefinite" restart="never" nodeType="tmRoot"/>
-      </p:par>
-    </p:tnLst>
-  </p:timing>
 </p:sld>
 </file>
 
@@ -30689,7 +29718,7 @@
           <a:lstStyle/>
           <a:p>
             <a:r>
-              <a:rPr lang="en-US" smtClean="0"/>
+              <a:rPr lang="en-US"/>
               <a:t>Altbölüm ile Kontrol Noktası Üretimi</a:t>
             </a:r>
             <a:endParaRPr lang="tr-TR" dirty="0"/>
@@ -30719,45 +29748,36 @@
           <a:lstStyle/>
           <a:p>
             <a:r>
-              <a:rPr lang="en-US" altLang="en-US" sz="2400" smtClean="0"/>
+              <a:rPr lang="en-US" altLang="en-US" sz="2400"/>
               <a:t>Kübik bir Bézier eğri parçası altbölüm ile iki eğri parçasına ayrılabilir.</a:t>
             </a:r>
           </a:p>
           <a:p>
             <a:pPr lvl="1"/>
             <a:r>
-              <a:rPr lang="en-US" altLang="en-US" sz="2000" smtClean="0"/>
+              <a:rPr lang="en-US" altLang="en-US" sz="2000"/>
               <a:t>Her bir eğri parçası dört kontrol noktası içerir.</a:t>
             </a:r>
           </a:p>
           <a:p>
             <a:r>
-              <a:rPr lang="en-US" sz="2400" smtClean="0"/>
+              <a:rPr lang="en-US" sz="2400"/>
               <a:t>Bu teknikle,</a:t>
             </a:r>
           </a:p>
           <a:p>
             <a:pPr lvl="1"/>
             <a:r>
-              <a:rPr lang="en-US" sz="2000" smtClean="0"/>
-              <a:t>üretilen </a:t>
-            </a:r>
-            <a:r>
               <a:rPr lang="en-US" sz="2000"/>
-              <a:t>eğrilerin</a:t>
-            </a:r>
-            <a:r>
-              <a:rPr lang="en-US" sz="2000" smtClean="0"/>
-              <a:t> hassasiyeti arttırılabilir.</a:t>
+              <a:t>üretilen eğrilerin hassasiyeti arttırılabilir.</a:t>
             </a:r>
           </a:p>
           <a:p>
             <a:pPr lvl="1"/>
             <a:r>
-              <a:rPr lang="en-US" sz="2000" smtClean="0"/>
+              <a:rPr lang="en-US" sz="2000"/>
               <a:t>eğrilerin belirli bir kontrol noktasını aradeğerlemesi sağlanabilir.</a:t>
             </a:r>
-            <a:endParaRPr lang="en-US" sz="2000"/>
           </a:p>
         </p:txBody>
       </p:sp>
@@ -30836,10 +29856,9 @@
           <a:lstStyle/>
           <a:p>
             <a:r>
-              <a:rPr lang="en-US" smtClean="0"/>
+              <a:rPr lang="en-US"/>
               <a:t>Bölümden önce</a:t>
             </a:r>
-            <a:endParaRPr lang="en-US"/>
           </a:p>
         </p:txBody>
       </p:sp>
@@ -30866,10 +29885,9 @@
           <a:lstStyle/>
           <a:p>
             <a:r>
-              <a:rPr lang="en-US" smtClean="0"/>
+              <a:rPr lang="en-US"/>
               <a:t>Bölümden sonra</a:t>
             </a:r>
-            <a:endParaRPr lang="en-US"/>
           </a:p>
         </p:txBody>
       </p:sp>
@@ -30883,13 +29901,6 @@
   <p:clrMapOvr>
     <a:masterClrMapping/>
   </p:clrMapOvr>
-  <p:timing>
-    <p:tnLst>
-      <p:par>
-        <p:cTn id="1" dur="indefinite" restart="never" nodeType="tmRoot"/>
-      </p:par>
-    </p:tnLst>
-  </p:timing>
 </p:sld>
 </file>
 
@@ -30936,10 +29947,10 @@
               <a:t> </a:t>
             </a:r>
             <a:r>
-              <a:rPr lang="tr-TR" dirty="0" smtClean="0"/>
+              <a:rPr lang="tr-TR" dirty="0"/>
               <a:t>Yüzeyleri</a:t>
             </a:r>
-            <a:endParaRPr lang="en-US" baseline="-25000" dirty="0" smtClean="0"/>
+            <a:endParaRPr lang="en-US" baseline="-25000" dirty="0"/>
           </a:p>
         </p:txBody>
       </p:sp>
@@ -31040,15 +30051,15 @@
               <a:buAutoNum type="alphaLcParenR"/>
             </a:pPr>
             <a:r>
-              <a:rPr lang="tr-TR" sz="2000" dirty="0" smtClean="0"/>
+              <a:rPr lang="tr-TR" sz="2000" dirty="0"/>
               <a:t>3x3’lük bir ağ şeklinde düzenlenen </a:t>
             </a:r>
             <a:r>
-              <a:rPr lang="en-US" sz="2000" dirty="0" smtClean="0"/>
+              <a:rPr lang="en-US" sz="2000" dirty="0"/>
               <a:t>9 </a:t>
             </a:r>
             <a:r>
-              <a:rPr lang="tr-TR" sz="2000" dirty="0" smtClean="0"/>
+              <a:rPr lang="tr-TR" sz="2000" dirty="0"/>
               <a:t>kontrol noktasıyla oluşturulmuş</a:t>
             </a:r>
           </a:p>
@@ -31058,19 +30069,11 @@
               <a:buAutoNum type="alphaLcParenR"/>
             </a:pPr>
             <a:r>
-              <a:rPr lang="tr-TR" sz="2000" dirty="0" smtClean="0"/>
-              <a:t>4x4’lük </a:t>
-            </a:r>
-            <a:r>
               <a:rPr lang="tr-TR" sz="2000" dirty="0"/>
-              <a:t>bir ağ şeklinde düzenlenen </a:t>
-            </a:r>
-            <a:r>
-              <a:rPr lang="tr-TR" sz="2000" dirty="0" smtClean="0"/>
-              <a:t>16</a:t>
-            </a:r>
-            <a:r>
-              <a:rPr lang="en-US" sz="2000" dirty="0" smtClean="0"/>
+              <a:t>4x4’lük bir ağ şeklinde düzenlenen 16</a:t>
+            </a:r>
+            <a:r>
+              <a:rPr lang="en-US" sz="2000" dirty="0"/>
               <a:t> </a:t>
             </a:r>
             <a:r>
@@ -31081,32 +30084,32 @@
           <a:p>
             <a:pPr lvl="1"/>
             <a:r>
-              <a:rPr lang="tr-TR" sz="2000" smtClean="0"/>
+              <a:rPr lang="tr-TR" sz="2000"/>
               <a:t>Kesikli </a:t>
             </a:r>
             <a:r>
-              <a:rPr lang="en-US" sz="2000" smtClean="0"/>
+              <a:rPr lang="en-US" sz="2000"/>
               <a:t>doğrular</a:t>
             </a:r>
             <a:r>
-              <a:rPr lang="tr-TR" sz="2000" smtClean="0"/>
+              <a:rPr lang="tr-TR" sz="2000"/>
               <a:t> </a:t>
             </a:r>
             <a:r>
-              <a:rPr lang="tr-TR" sz="2000" dirty="0" smtClean="0"/>
+              <a:rPr lang="tr-TR" sz="2000" dirty="0"/>
               <a:t>kontrol noktalarını birleştirmektedir</a:t>
             </a:r>
             <a:r>
-              <a:rPr lang="en-US" sz="2000" dirty="0" smtClean="0"/>
+              <a:rPr lang="en-US" sz="2000" dirty="0"/>
               <a:t>.</a:t>
             </a:r>
-            <a:endParaRPr lang="tr-TR" dirty="0" smtClean="0"/>
+            <a:endParaRPr lang="tr-TR" dirty="0"/>
           </a:p>
           <a:p>
             <a:endParaRPr lang="tr-TR" sz="3600" dirty="0"/>
           </a:p>
           <a:p>
-            <a:endParaRPr lang="tr-TR" b="1" dirty="0" smtClean="0">
+            <a:endParaRPr lang="tr-TR" b="1" dirty="0">
               <a:ea typeface="Cambria Math"/>
             </a:endParaRPr>
           </a:p>
@@ -31114,13 +30117,13 @@
             <a:pPr marL="457200" lvl="1" indent="0">
               <a:buNone/>
             </a:pPr>
-            <a:endParaRPr lang="tr-TR" b="1" dirty="0" smtClean="0"/>
+            <a:endParaRPr lang="tr-TR" b="1" dirty="0"/>
           </a:p>
           <a:p>
             <a:pPr marL="457200" lvl="1" indent="0">
               <a:buNone/>
             </a:pPr>
-            <a:endParaRPr lang="tr-TR" b="1" dirty="0" smtClean="0"/>
+            <a:endParaRPr lang="tr-TR" b="1" dirty="0"/>
           </a:p>
         </p:txBody>
       </p:sp>
@@ -31134,13 +30137,6 @@
   <p:clrMapOvr>
     <a:masterClrMapping/>
   </p:clrMapOvr>
-  <p:timing>
-    <p:tnLst>
-      <p:par>
-        <p:cTn id="1" dur="indefinite" restart="never" nodeType="tmRoot"/>
-      </p:par>
-    </p:tnLst>
-  </p:timing>
 </p:sld>
 </file>
 
@@ -31251,10 +30247,10 @@
               <a:t> </a:t>
             </a:r>
             <a:r>
-              <a:rPr lang="tr-TR" dirty="0" smtClean="0"/>
+              <a:rPr lang="tr-TR" dirty="0"/>
               <a:t>Yüzeyleri</a:t>
             </a:r>
-            <a:endParaRPr lang="en-US" baseline="-25000" dirty="0" smtClean="0"/>
+            <a:endParaRPr lang="en-US" baseline="-25000" dirty="0"/>
           </a:p>
         </p:txBody>
       </p:sp>
@@ -31286,17 +30282,9 @@
               </a:lnSpc>
             </a:pPr>
             <a:r>
-              <a:rPr lang="tr-TR" sz="2800" dirty="0" smtClean="0"/>
+              <a:rPr lang="tr-TR" sz="2800" dirty="0"/>
               <a:t>Taban fonksiyonları temsili</a:t>
             </a:r>
-          </a:p>
-          <a:p>
-            <a:pPr>
-              <a:lnSpc>
-                <a:spcPct val="120000"/>
-              </a:lnSpc>
-            </a:pPr>
-            <a:endParaRPr lang="tr-TR" sz="2800" dirty="0" smtClean="0"/>
           </a:p>
           <a:p>
             <a:pPr>
@@ -31312,18 +30300,7 @@
                 <a:spcPct val="120000"/>
               </a:lnSpc>
             </a:pPr>
-            <a:endParaRPr lang="tr-TR" sz="2800" dirty="0" smtClean="0"/>
-          </a:p>
-          <a:p>
-            <a:pPr>
-              <a:lnSpc>
-                <a:spcPct val="120000"/>
-              </a:lnSpc>
-            </a:pPr>
-            <a:r>
-              <a:rPr lang="tr-TR" sz="2800" dirty="0" smtClean="0"/>
-              <a:t>Taban fonksiyonu formülü</a:t>
-            </a:r>
+            <a:endParaRPr lang="tr-TR" sz="2800" dirty="0"/>
           </a:p>
           <a:p>
             <a:pPr>
@@ -31339,7 +30316,10 @@
                 <a:spcPct val="120000"/>
               </a:lnSpc>
             </a:pPr>
-            <a:endParaRPr lang="tr-TR" sz="2800" dirty="0" smtClean="0"/>
+            <a:r>
+              <a:rPr lang="tr-TR" sz="2800" dirty="0"/>
+              <a:t>Taban fonksiyonu formülü</a:t>
+            </a:r>
           </a:p>
           <a:p>
             <a:pPr>
@@ -31355,8 +30335,24 @@
                 <a:spcPct val="120000"/>
               </a:lnSpc>
             </a:pPr>
-            <a:r>
-              <a:rPr lang="tr-TR" sz="2800" dirty="0" smtClean="0"/>
+            <a:endParaRPr lang="tr-TR" sz="2800" dirty="0"/>
+          </a:p>
+          <a:p>
+            <a:pPr>
+              <a:lnSpc>
+                <a:spcPct val="120000"/>
+              </a:lnSpc>
+            </a:pPr>
+            <a:endParaRPr lang="tr-TR" sz="2800" dirty="0"/>
+          </a:p>
+          <a:p>
+            <a:pPr>
+              <a:lnSpc>
+                <a:spcPct val="120000"/>
+              </a:lnSpc>
+            </a:pPr>
+            <a:r>
+              <a:rPr lang="tr-TR" sz="2800" dirty="0"/>
               <a:t>4x4 kontrol noktası matrisi için m=n=3 olur.</a:t>
             </a:r>
           </a:p>
@@ -31367,10 +30363,9 @@
               </a:lnSpc>
             </a:pPr>
             <a:r>
-              <a:rPr lang="tr-TR" sz="2400" dirty="0" smtClean="0"/>
+              <a:rPr lang="tr-TR" sz="2400" dirty="0"/>
               <a:t>Çift kübik parça tanımı.</a:t>
             </a:r>
-            <a:endParaRPr lang="tr-TR" sz="2400" dirty="0"/>
           </a:p>
           <a:p>
             <a:pPr>
@@ -31386,7 +30381,7 @@
                 <a:spcPct val="120000"/>
               </a:lnSpc>
             </a:pPr>
-            <a:endParaRPr lang="tr-TR" b="1" dirty="0" smtClean="0">
+            <a:endParaRPr lang="tr-TR" b="1" dirty="0">
               <a:ea typeface="Cambria Math"/>
             </a:endParaRPr>
           </a:p>
@@ -31397,7 +30392,7 @@
               </a:lnSpc>
               <a:buNone/>
             </a:pPr>
-            <a:endParaRPr lang="tr-TR" b="1" dirty="0" smtClean="0"/>
+            <a:endParaRPr lang="tr-TR" b="1" dirty="0"/>
           </a:p>
           <a:p>
             <a:pPr marL="457200" lvl="1" indent="0">
@@ -31406,7 +30401,7 @@
               </a:lnSpc>
               <a:buNone/>
             </a:pPr>
-            <a:endParaRPr lang="tr-TR" b="1" dirty="0" smtClean="0"/>
+            <a:endParaRPr lang="tr-TR" b="1" dirty="0"/>
           </a:p>
         </p:txBody>
       </p:sp>
@@ -31548,13 +30543,6 @@
   <p:clrMapOvr>
     <a:masterClrMapping/>
   </p:clrMapOvr>
-  <p:timing>
-    <p:tnLst>
-      <p:par>
-        <p:cTn id="1" dur="indefinite" restart="never" nodeType="tmRoot"/>
-      </p:par>
-    </p:tnLst>
-  </p:timing>
 </p:sld>
 </file>
 
@@ -31665,10 +30653,10 @@
               <a:t> </a:t>
             </a:r>
             <a:r>
-              <a:rPr lang="tr-TR" dirty="0" smtClean="0"/>
+              <a:rPr lang="tr-TR" dirty="0"/>
               <a:t>Yüzeylerini Birleştirme</a:t>
             </a:r>
-            <a:endParaRPr lang="en-US" baseline="-25000" dirty="0" smtClean="0"/>
+            <a:endParaRPr lang="en-US" baseline="-25000" dirty="0"/>
           </a:p>
         </p:txBody>
       </p:sp>
@@ -31697,20 +30685,16 @@
               <a:lstStyle/>
               <a:p>
                 <a:r>
-                  <a:rPr lang="tr-TR" sz="2800" dirty="0" smtClean="0"/>
+                  <a:rPr lang="tr-TR" sz="2800" dirty="0"/>
                   <a:t>İki </a:t>
                 </a:r>
                 <a:r>
-                  <a:rPr lang="tr-TR" sz="2800" dirty="0" err="1" smtClean="0"/>
+                  <a:rPr lang="tr-TR" sz="2800" dirty="0" err="1"/>
                   <a:t>Bezier</a:t>
                 </a:r>
                 <a:r>
-                  <a:rPr lang="tr-TR" sz="2800" dirty="0" smtClean="0"/>
-                  <a:t> yüzeyinin bitiş </a:t>
-                </a:r>
-                <a:r>
                   <a:rPr lang="tr-TR" sz="2800" dirty="0"/>
-                  <a:t>ve başlangıç noktaları denklenerek G</a:t>
+                  <a:t> yüzeyinin bitiş ve başlangıç noktaları denklenerek G</a:t>
                 </a:r>
                 <a:r>
                   <a:rPr lang="tr-TR" sz="2800" baseline="30000" dirty="0"/>
@@ -31718,11 +30702,7 @@
                 </a:r>
                 <a:r>
                   <a:rPr lang="tr-TR" sz="2800" dirty="0"/>
-                  <a:t> sürekliliği sağlanmalıdır</a:t>
-                </a:r>
-                <a:r>
-                  <a:rPr lang="tr-TR" sz="2800" dirty="0" smtClean="0"/>
-                  <a:t>.</a:t>
+                  <a:t> sürekliliği sağlanmalıdır.</a:t>
                 </a:r>
               </a:p>
               <a:p>
@@ -31800,7 +30780,7 @@
                   </m:oMath>
                 </a14:m>
                 <a:r>
-                  <a:rPr lang="tr-TR" sz="2400" i="1" dirty="0" smtClean="0">
+                  <a:rPr lang="tr-TR" sz="2400" i="1" dirty="0">
                     <a:latin typeface="Cambria Math"/>
                   </a:rPr>
                   <a:t> , </a:t>
@@ -31827,7 +30807,7 @@
                     </m:r>
                   </m:oMath>
                 </a14:m>
-                <a:endParaRPr lang="tr-TR" sz="2400" i="1" dirty="0" smtClean="0">
+                <a:endParaRPr lang="tr-TR" sz="2400" i="1" dirty="0">
                   <a:latin typeface="Cambria Math"/>
                 </a:endParaRPr>
               </a:p>
@@ -31835,7 +30815,7 @@
                 <a:endParaRPr lang="tr-TR" sz="3600" dirty="0"/>
               </a:p>
               <a:p>
-                <a:endParaRPr lang="tr-TR" b="1" dirty="0" smtClean="0">
+                <a:endParaRPr lang="tr-TR" b="1" dirty="0">
                   <a:ea typeface="Cambria Math"/>
                 </a:endParaRPr>
               </a:p>
@@ -31843,13 +30823,13 @@
                 <a:pPr marL="457200" lvl="1" indent="0">
                   <a:buNone/>
                 </a:pPr>
-                <a:endParaRPr lang="tr-TR" b="1" dirty="0" smtClean="0"/>
+                <a:endParaRPr lang="tr-TR" b="1" dirty="0"/>
               </a:p>
               <a:p>
                 <a:pPr marL="457200" lvl="1" indent="0">
                   <a:buNone/>
                 </a:pPr>
-                <a:endParaRPr lang="tr-TR" b="1" dirty="0" smtClean="0"/>
+                <a:endParaRPr lang="tr-TR" b="1" dirty="0"/>
               </a:p>
             </p:txBody>
           </p:sp>
@@ -31902,13 +30882,6 @@
   <p:clrMapOvr>
     <a:masterClrMapping/>
   </p:clrMapOvr>
-  <p:timing>
-    <p:tnLst>
-      <p:par>
-        <p:cTn id="1" dur="indefinite" restart="never" nodeType="tmRoot"/>
-      </p:par>
-    </p:tnLst>
-  </p:timing>
 </p:sld>
 </file>
 
@@ -32019,10 +30992,10 @@
               <a:t> </a:t>
             </a:r>
             <a:r>
-              <a:rPr lang="tr-TR" dirty="0" smtClean="0"/>
+              <a:rPr lang="tr-TR" dirty="0"/>
               <a:t>Yüzeylerini Birleştirme</a:t>
             </a:r>
-            <a:endParaRPr lang="en-US" baseline="-25000" dirty="0" smtClean="0"/>
+            <a:endParaRPr lang="en-US" baseline="-25000" dirty="0"/>
           </a:p>
         </p:txBody>
       </p:sp>
@@ -32054,20 +31027,8 @@
               </a:lnSpc>
             </a:pPr>
             <a:r>
-              <a:rPr lang="tr-TR" sz="2800" dirty="0" smtClean="0"/>
-              <a:t>Daha </a:t>
-            </a:r>
-            <a:r>
               <a:rPr lang="tr-TR" sz="2800" dirty="0"/>
-              <a:t>düzgün birleşimler için iki eğri </a:t>
-            </a:r>
-            <a:r>
-              <a:rPr lang="tr-TR" sz="2800" dirty="0" smtClean="0"/>
-              <a:t>yüzeyinin bitiş </a:t>
-            </a:r>
-            <a:r>
-              <a:rPr lang="tr-TR" sz="2800" dirty="0"/>
-              <a:t>ve başlangıç noktalarındaki birinci dereceden türevler oranlanarak G</a:t>
+              <a:t>Daha düzgün birleşimler için iki eğri yüzeyinin bitiş ve başlangıç noktalarındaki birinci dereceden türevler oranlanarak G</a:t>
             </a:r>
             <a:r>
               <a:rPr lang="tr-TR" sz="2800" baseline="30000" dirty="0"/>
@@ -32075,11 +31036,7 @@
             </a:r>
             <a:r>
               <a:rPr lang="tr-TR" sz="2800" dirty="0"/>
-              <a:t> sürekliliği sağlanmalıdır</a:t>
-            </a:r>
-            <a:r>
-              <a:rPr lang="tr-TR" sz="2800" dirty="0" smtClean="0"/>
-              <a:t>.</a:t>
+              <a:t> sürekliliği sağlanmalıdır.</a:t>
             </a:r>
             <a:endParaRPr lang="tr-TR" sz="3600" dirty="0"/>
           </a:p>
@@ -32089,7 +31046,7 @@
                 <a:spcPct val="120000"/>
               </a:lnSpc>
             </a:pPr>
-            <a:endParaRPr lang="tr-TR" b="1" dirty="0" smtClean="0">
+            <a:endParaRPr lang="tr-TR" b="1" dirty="0">
               <a:ea typeface="Cambria Math"/>
             </a:endParaRPr>
           </a:p>
@@ -32100,7 +31057,7 @@
               </a:lnSpc>
               <a:buNone/>
             </a:pPr>
-            <a:endParaRPr lang="tr-TR" b="1" dirty="0" smtClean="0"/>
+            <a:endParaRPr lang="tr-TR" b="1" dirty="0"/>
           </a:p>
           <a:p>
             <a:pPr marL="457200" lvl="1" indent="0">
@@ -32109,7 +31066,7 @@
               </a:lnSpc>
               <a:buNone/>
             </a:pPr>
-            <a:endParaRPr lang="tr-TR" b="1" dirty="0" smtClean="0"/>
+            <a:endParaRPr lang="tr-TR" b="1" dirty="0"/>
           </a:p>
         </p:txBody>
       </p:sp>
@@ -32123,13 +31080,6 @@
   <p:clrMapOvr>
     <a:masterClrMapping/>
   </p:clrMapOvr>
-  <p:timing>
-    <p:tnLst>
-      <p:par>
-        <p:cTn id="1" dur="indefinite" restart="never" nodeType="tmRoot"/>
-      </p:par>
-    </p:tnLst>
-  </p:timing>
 </p:sld>
 </file>
 
@@ -32240,10 +31190,10 @@
               <a:t> </a:t>
             </a:r>
             <a:r>
-              <a:rPr lang="tr-TR" dirty="0" smtClean="0"/>
+              <a:rPr lang="tr-TR" dirty="0"/>
               <a:t>Yüzeylerini Birleştirme</a:t>
             </a:r>
-            <a:endParaRPr lang="en-US" baseline="-25000" dirty="0" smtClean="0"/>
+            <a:endParaRPr lang="en-US" baseline="-25000" dirty="0"/>
           </a:p>
         </p:txBody>
       </p:sp>
@@ -32277,20 +31227,8 @@
                   </a:lnSpc>
                 </a:pPr>
                 <a:r>
-                  <a:rPr lang="tr-TR" sz="2800" dirty="0" smtClean="0"/>
-                  <a:t>Daha </a:t>
-                </a:r>
-                <a:r>
                   <a:rPr lang="tr-TR" sz="2800" dirty="0"/>
-                  <a:t>düzgün birleşimler için iki eğri </a:t>
-                </a:r>
-                <a:r>
-                  <a:rPr lang="tr-TR" sz="2800" dirty="0" smtClean="0"/>
-                  <a:t>yüzeyinin bitiş </a:t>
-                </a:r>
-                <a:r>
-                  <a:rPr lang="tr-TR" sz="2800" dirty="0"/>
-                  <a:t>ve başlangıç noktalarındaki birinci dereceden türevler oranlanarak G</a:t>
+                  <a:t>Daha düzgün birleşimler için iki eğri yüzeyinin bitiş ve başlangıç noktalarındaki birinci dereceden türevler oranlanarak G</a:t>
                 </a:r>
                 <a:r>
                   <a:rPr lang="tr-TR" sz="2800" baseline="30000" dirty="0"/>
@@ -32298,11 +31236,7 @@
                 </a:r>
                 <a:r>
                   <a:rPr lang="tr-TR" sz="2800" dirty="0"/>
-                  <a:t> sürekliliği sağlanmalıdır</a:t>
-                </a:r>
-                <a:r>
-                  <a:rPr lang="tr-TR" sz="2800" dirty="0" smtClean="0"/>
-                  <a:t>.</a:t>
+                  <a:t> sürekliliği sağlanmalıdır.</a:t>
                 </a:r>
               </a:p>
               <a:p>
@@ -32351,7 +31285,7 @@
                   </m:oMath>
                 </a14:m>
                 <a:r>
-                  <a:rPr lang="tr-TR" sz="2400" dirty="0" smtClean="0"/>
+                  <a:rPr lang="tr-TR" sz="2400" dirty="0"/>
                   <a:t>, </a:t>
                 </a:r>
                 <a14:m>
@@ -32429,7 +31363,7 @@
                   </m:oMath>
                 </a14:m>
                 <a:r>
-                  <a:rPr lang="tr-TR" sz="2400" i="1" dirty="0" smtClean="0">
+                  <a:rPr lang="tr-TR" sz="2400" i="1" dirty="0">
                     <a:latin typeface="Cambria Math"/>
                   </a:rPr>
                   <a:t>, </a:t>
@@ -32457,18 +31391,10 @@
                   </m:oMath>
                 </a14:m>
                 <a:r>
-                  <a:rPr lang="tr-TR" sz="2400" dirty="0" smtClean="0"/>
-                  <a:t> </a:t>
+                  <a:rPr lang="tr-TR" sz="2400" dirty="0"/>
+                  <a:t> aynı doğruya oturur.</a:t>
                 </a:r>
-                <a:r>
-                  <a:rPr lang="tr-TR" sz="2400" dirty="0"/>
-                  <a:t>aynı </a:t>
-                </a:r>
-                <a:r>
-                  <a:rPr lang="tr-TR" sz="2400" dirty="0" smtClean="0"/>
-                  <a:t>doğruya oturur.</a:t>
-                </a:r>
-                <a:endParaRPr lang="tr-TR" sz="2800" i="1" dirty="0" smtClean="0">
+                <a:endParaRPr lang="tr-TR" sz="2800" i="1" dirty="0">
                   <a:latin typeface="Cambria Math"/>
                 </a:endParaRPr>
               </a:p>
@@ -32622,13 +31548,6 @@
   <p:clrMapOvr>
     <a:masterClrMapping/>
   </p:clrMapOvr>
-  <p:timing>
-    <p:tnLst>
-      <p:par>
-        <p:cTn id="1" dur="indefinite" restart="never" nodeType="tmRoot"/>
-      </p:par>
-    </p:tnLst>
-  </p:timing>
 </p:sld>
 </file>
 
@@ -32801,10 +31720,10 @@
               <a:t> </a:t>
             </a:r>
             <a:r>
-              <a:rPr lang="tr-TR" dirty="0" smtClean="0"/>
+              <a:rPr lang="tr-TR" dirty="0"/>
               <a:t>Yüzeylerini Birleştirme</a:t>
             </a:r>
-            <a:endParaRPr lang="en-US" baseline="-25000" dirty="0" smtClean="0"/>
+            <a:endParaRPr lang="en-US" baseline="-25000" dirty="0"/>
           </a:p>
         </p:txBody>
       </p:sp>
@@ -32838,20 +31757,8 @@
                   </a:lnSpc>
                 </a:pPr>
                 <a:r>
-                  <a:rPr lang="tr-TR" sz="2800" dirty="0" smtClean="0"/>
-                  <a:t>Daha </a:t>
-                </a:r>
-                <a:r>
                   <a:rPr lang="tr-TR" sz="2800" dirty="0"/>
-                  <a:t>düzgün birleşimler için iki eğri </a:t>
-                </a:r>
-                <a:r>
-                  <a:rPr lang="tr-TR" sz="2800" dirty="0" smtClean="0"/>
-                  <a:t>yüzeyinin bitiş </a:t>
-                </a:r>
-                <a:r>
-                  <a:rPr lang="tr-TR" sz="2800" dirty="0"/>
-                  <a:t>ve başlangıç noktalarındaki birinci dereceden türevler oranlanarak G</a:t>
+                  <a:t>Daha düzgün birleşimler için iki eğri yüzeyinin bitiş ve başlangıç noktalarındaki birinci dereceden türevler oranlanarak G</a:t>
                 </a:r>
                 <a:r>
                   <a:rPr lang="tr-TR" sz="2800" baseline="30000" dirty="0"/>
@@ -32859,11 +31766,7 @@
                 </a:r>
                 <a:r>
                   <a:rPr lang="tr-TR" sz="2800" dirty="0"/>
-                  <a:t> sürekliliği sağlanmalıdır</a:t>
-                </a:r>
-                <a:r>
-                  <a:rPr lang="tr-TR" sz="2800" dirty="0" smtClean="0"/>
-                  <a:t>.</a:t>
+                  <a:t> sürekliliği sağlanmalıdır.</a:t>
                 </a:r>
               </a:p>
               <a:p>
@@ -32912,7 +31815,7 @@
                   </m:oMath>
                 </a14:m>
                 <a:r>
-                  <a:rPr lang="tr-TR" sz="2400" dirty="0" smtClean="0"/>
+                  <a:rPr lang="tr-TR" sz="2400" dirty="0"/>
                   <a:t>, </a:t>
                 </a:r>
                 <a14:m>
@@ -32990,7 +31893,7 @@
                   </m:oMath>
                 </a14:m>
                 <a:r>
-                  <a:rPr lang="tr-TR" sz="2400" i="1" dirty="0" smtClean="0">
+                  <a:rPr lang="tr-TR" sz="2400" i="1" dirty="0">
                     <a:latin typeface="Cambria Math"/>
                   </a:rPr>
                   <a:t>, </a:t>
@@ -33018,16 +31921,8 @@
                   </m:oMath>
                 </a14:m>
                 <a:r>
-                  <a:rPr lang="tr-TR" sz="2400" dirty="0" smtClean="0"/>
-                  <a:t> </a:t>
-                </a:r>
-                <a:r>
                   <a:rPr lang="tr-TR" sz="2400" dirty="0"/>
-                  <a:t>aynı </a:t>
-                </a:r>
-                <a:r>
-                  <a:rPr lang="tr-TR" sz="2400" dirty="0" smtClean="0"/>
-                  <a:t>doğruya oturur.</a:t>
+                  <a:t> aynı doğruya oturur.</a:t>
                 </a:r>
               </a:p>
               <a:p>
@@ -33191,13 +32086,6 @@
   <p:clrMapOvr>
     <a:masterClrMapping/>
   </p:clrMapOvr>
-  <p:timing>
-    <p:tnLst>
-      <p:par>
-        <p:cTn id="1" dur="indefinite" restart="never" nodeType="tmRoot"/>
-      </p:par>
-    </p:tnLst>
-  </p:timing>
 </p:sld>
 </file>
 
@@ -33296,18 +32184,18 @@
           <a:p>
             <a:pPr eaLnBrk="1" hangingPunct="1"/>
             <a:r>
-              <a:rPr lang="en-US" dirty="0" err="1" smtClean="0"/>
+              <a:rPr lang="en-US" dirty="0" err="1"/>
               <a:t>Bézier</a:t>
             </a:r>
             <a:r>
-              <a:rPr lang="en-US" dirty="0" smtClean="0"/>
+              <a:rPr lang="en-US" dirty="0"/>
               <a:t> </a:t>
             </a:r>
             <a:r>
-              <a:rPr lang="tr-TR" dirty="0" smtClean="0"/>
+              <a:rPr lang="tr-TR" dirty="0"/>
               <a:t>Eğrisi Örneği</a:t>
             </a:r>
-            <a:endParaRPr lang="en-US" baseline="-25000" dirty="0" smtClean="0"/>
+            <a:endParaRPr lang="en-US" baseline="-25000" dirty="0"/>
           </a:p>
         </p:txBody>
       </p:sp>
@@ -33498,13 +32386,6 @@
   <p:clrMapOvr>
     <a:masterClrMapping/>
   </p:clrMapOvr>
-  <p:timing>
-    <p:tnLst>
-      <p:par>
-        <p:cTn id="1" dur="indefinite" restart="never" nodeType="tmRoot"/>
-      </p:par>
-    </p:tnLst>
-  </p:timing>
 </p:sld>
 </file>
 
@@ -33548,7 +32429,7 @@
           <a:lstStyle/>
           <a:p>
             <a:r>
-              <a:rPr lang="en-US" altLang="tr-TR" smtClean="0"/>
+              <a:rPr lang="en-US" altLang="tr-TR"/>
               <a:t>OpenGL </a:t>
             </a:r>
             <a:r>
@@ -33556,14 +32437,14 @@
               <a:t>Bézier</a:t>
             </a:r>
             <a:r>
-              <a:rPr lang="tr-TR" altLang="tr-TR" smtClean="0"/>
+              <a:rPr lang="tr-TR" altLang="tr-TR"/>
               <a:t> </a:t>
             </a:r>
             <a:r>
-              <a:rPr lang="tr-TR" altLang="tr-TR" dirty="0" smtClean="0"/>
+              <a:rPr lang="tr-TR" altLang="tr-TR" dirty="0"/>
               <a:t>Fonksiyonları Özeti</a:t>
             </a:r>
-            <a:endParaRPr lang="en-US" altLang="tr-TR" dirty="0" smtClean="0"/>
+            <a:endParaRPr lang="en-US" altLang="tr-TR" dirty="0"/>
           </a:p>
         </p:txBody>
       </p:sp>
@@ -33629,13 +32510,6 @@
   <p:clrMapOvr>
     <a:masterClrMapping/>
   </p:clrMapOvr>
-  <p:timing>
-    <p:tnLst>
-      <p:par>
-        <p:cTn id="1" dur="indefinite" restart="never" nodeType="tmRoot"/>
-      </p:par>
-    </p:tnLst>
-  </p:timing>
 </p:sld>
 </file>
 
@@ -33684,7 +32558,7 @@
               </a:lnSpc>
             </a:pPr>
             <a:r>
-              <a:rPr lang="tr-TR" dirty="0" smtClean="0"/>
+              <a:rPr lang="tr-TR" dirty="0"/>
               <a:t>Kontrol noktaları ara değerlenerek veya kestirilerek şeritler tanımlanabilir.</a:t>
             </a:r>
           </a:p>
@@ -33695,7 +32569,7 @@
               </a:lnSpc>
             </a:pPr>
             <a:r>
-              <a:rPr lang="tr-TR" dirty="0" smtClean="0"/>
+              <a:rPr lang="tr-TR" dirty="0"/>
               <a:t>Ara değerleme:</a:t>
             </a:r>
           </a:p>
@@ -33706,15 +32580,15 @@
               </a:lnSpc>
             </a:pPr>
             <a:r>
-              <a:rPr lang="tr-TR" dirty="0" smtClean="0"/>
+              <a:rPr lang="tr-TR" dirty="0"/>
               <a:t>Parçalı sürekli </a:t>
             </a:r>
             <a:r>
-              <a:rPr lang="tr-TR" dirty="0" err="1" smtClean="0"/>
+              <a:rPr lang="tr-TR" dirty="0" err="1"/>
               <a:t>polinom</a:t>
             </a:r>
             <a:r>
-              <a:rPr lang="tr-TR" dirty="0" smtClean="0"/>
+              <a:rPr lang="tr-TR" dirty="0"/>
               <a:t> kesimleri tüm kontrol noktalarından geçer.</a:t>
             </a:r>
           </a:p>
@@ -33725,7 +32599,7 @@
               </a:lnSpc>
             </a:pPr>
             <a:r>
-              <a:rPr lang="tr-TR" dirty="0" smtClean="0"/>
+              <a:rPr lang="tr-TR" dirty="0"/>
               <a:t>Kontrol noktaları ara değerlenir.</a:t>
             </a:r>
           </a:p>
@@ -33744,10 +32618,9 @@
               </a:lnSpc>
             </a:pPr>
             <a:r>
-              <a:rPr lang="tr-TR" dirty="0" smtClean="0"/>
+              <a:rPr lang="tr-TR" dirty="0"/>
               <a:t>Kestirim:</a:t>
             </a:r>
-            <a:endParaRPr lang="tr-TR" dirty="0"/>
           </a:p>
           <a:p>
             <a:pPr lvl="1">
@@ -33765,11 +32638,7 @@
             </a:r>
             <a:r>
               <a:rPr lang="tr-TR" dirty="0"/>
-              <a:t> kesimleri tüm kontrol noktalarından </a:t>
-            </a:r>
-            <a:r>
-              <a:rPr lang="tr-TR" dirty="0" smtClean="0"/>
-              <a:t>geçmez.</a:t>
+              <a:t> kesimleri tüm kontrol noktalarından geçmez.</a:t>
             </a:r>
           </a:p>
           <a:p>
@@ -33779,7 +32648,7 @@
               </a:lnSpc>
             </a:pPr>
             <a:r>
-              <a:rPr lang="tr-TR" altLang="tr-TR" dirty="0" smtClean="0"/>
+              <a:rPr lang="tr-TR" altLang="tr-TR" dirty="0"/>
               <a:t>Kontrol noktaları kestirilir.</a:t>
             </a:r>
           </a:p>
@@ -33789,7 +32658,7 @@
                 <a:spcPct val="120000"/>
               </a:lnSpc>
             </a:pPr>
-            <a:endParaRPr lang="tr-TR" altLang="tr-TR" dirty="0" smtClean="0"/>
+            <a:endParaRPr lang="tr-TR" altLang="tr-TR" dirty="0"/>
           </a:p>
           <a:p>
             <a:pPr lvl="1">
@@ -33797,7 +32666,7 @@
                 <a:spcPct val="120000"/>
               </a:lnSpc>
             </a:pPr>
-            <a:endParaRPr lang="tr-TR" altLang="tr-TR" dirty="0" smtClean="0"/>
+            <a:endParaRPr lang="tr-TR" altLang="tr-TR" dirty="0"/>
           </a:p>
           <a:p>
             <a:pPr>
@@ -33828,10 +32697,10 @@
           <a:p>
             <a:pPr eaLnBrk="1" hangingPunct="1"/>
             <a:r>
-              <a:rPr lang="tr-TR" dirty="0" smtClean="0"/>
+              <a:rPr lang="tr-TR" dirty="0"/>
               <a:t>Ara Değerleme ve Kestirim</a:t>
             </a:r>
-            <a:endParaRPr lang="en-US" dirty="0" smtClean="0"/>
+            <a:endParaRPr lang="en-US" dirty="0"/>
           </a:p>
         </p:txBody>
       </p:sp>
@@ -33949,13 +32818,6 @@
   <p:clrMapOvr>
     <a:masterClrMapping/>
   </p:clrMapOvr>
-  <p:timing>
-    <p:tnLst>
-      <p:par>
-        <p:cTn id="1" dur="indefinite" restart="never" nodeType="tmRoot"/>
-      </p:par>
-    </p:tnLst>
-  </p:timing>
 </p:sld>
 </file>
 
@@ -34000,14 +32862,14 @@
           <a:p>
             <a:pPr eaLnBrk="1" hangingPunct="1"/>
             <a:r>
-              <a:rPr lang="en-US" altLang="tr-TR" dirty="0" smtClean="0"/>
+              <a:rPr lang="en-US" altLang="tr-TR" dirty="0"/>
               <a:t>OpenGL </a:t>
             </a:r>
             <a:r>
-              <a:rPr lang="tr-TR" altLang="tr-TR" dirty="0" smtClean="0"/>
+              <a:rPr lang="tr-TR" altLang="tr-TR" dirty="0"/>
               <a:t>B-eğrisi Fonksiyonları Özeti</a:t>
             </a:r>
-            <a:endParaRPr lang="en-US" altLang="tr-TR" dirty="0" smtClean="0"/>
+            <a:endParaRPr lang="en-US" altLang="tr-TR" dirty="0"/>
           </a:p>
         </p:txBody>
       </p:sp>
@@ -34073,13 +32935,6 @@
   <p:clrMapOvr>
     <a:masterClrMapping/>
   </p:clrMapOvr>
-  <p:timing>
-    <p:tnLst>
-      <p:par>
-        <p:cTn id="1" dur="indefinite" restart="never" nodeType="tmRoot"/>
-      </p:par>
-    </p:tnLst>
-  </p:timing>
 </p:sld>
 </file>
 
@@ -34124,14 +32979,14 @@
           <a:p>
             <a:pPr eaLnBrk="1" hangingPunct="1"/>
             <a:r>
-              <a:rPr lang="en-US" altLang="tr-TR" dirty="0" smtClean="0"/>
+              <a:rPr lang="en-US" altLang="tr-TR" dirty="0"/>
               <a:t>OpenGL </a:t>
             </a:r>
             <a:r>
-              <a:rPr lang="tr-TR" altLang="tr-TR" dirty="0" smtClean="0"/>
+              <a:rPr lang="tr-TR" altLang="tr-TR" dirty="0"/>
               <a:t>B-eğrisi Fonksiyonları Özeti (Devam)</a:t>
             </a:r>
-            <a:endParaRPr lang="en-US" altLang="tr-TR" dirty="0" smtClean="0"/>
+            <a:endParaRPr lang="en-US" altLang="tr-TR" dirty="0"/>
           </a:p>
         </p:txBody>
       </p:sp>
@@ -34197,13 +33052,6 @@
   <p:clrMapOvr>
     <a:masterClrMapping/>
   </p:clrMapOvr>
-  <p:timing>
-    <p:tnLst>
-      <p:par>
-        <p:cTn id="1" dur="indefinite" restart="never" nodeType="tmRoot"/>
-      </p:par>
-    </p:tnLst>
-  </p:timing>
 </p:sld>
 </file>
 
@@ -34248,14 +33096,14 @@
           <a:p>
             <a:pPr eaLnBrk="1" hangingPunct="1"/>
             <a:r>
-              <a:rPr lang="en-US" altLang="tr-TR" dirty="0" smtClean="0"/>
+              <a:rPr lang="en-US" altLang="tr-TR" dirty="0"/>
               <a:t>OpenGL </a:t>
             </a:r>
             <a:r>
-              <a:rPr lang="tr-TR" altLang="tr-TR" dirty="0" smtClean="0"/>
+              <a:rPr lang="tr-TR" altLang="tr-TR" dirty="0"/>
               <a:t>B-eğrisi Fonksiyonları Özeti (Devam)</a:t>
             </a:r>
-            <a:endParaRPr lang="en-US" altLang="tr-TR" dirty="0" smtClean="0"/>
+            <a:endParaRPr lang="en-US" altLang="tr-TR" dirty="0"/>
           </a:p>
         </p:txBody>
       </p:sp>
@@ -34321,13 +33169,6 @@
   <p:clrMapOvr>
     <a:masterClrMapping/>
   </p:clrMapOvr>
-  <p:timing>
-    <p:tnLst>
-      <p:par>
-        <p:cTn id="1" dur="indefinite" restart="never" nodeType="tmRoot"/>
-      </p:par>
-    </p:tnLst>
-  </p:timing>
 </p:sld>
 </file>
 
@@ -34364,26 +33205,25 @@
           <a:lstStyle/>
           <a:p>
             <a:r>
-              <a:rPr lang="tr-TR" dirty="0" smtClean="0"/>
+              <a:rPr lang="tr-TR" dirty="0"/>
               <a:t>Konveks Zarf (</a:t>
             </a:r>
             <a:r>
-              <a:rPr lang="tr-TR" dirty="0" err="1" smtClean="0"/>
+              <a:rPr lang="tr-TR" dirty="0" err="1"/>
               <a:t>Convex</a:t>
             </a:r>
             <a:r>
-              <a:rPr lang="tr-TR" dirty="0" smtClean="0"/>
+              <a:rPr lang="tr-TR" dirty="0"/>
               <a:t> </a:t>
             </a:r>
             <a:r>
-              <a:rPr lang="tr-TR" dirty="0" err="1" smtClean="0"/>
+              <a:rPr lang="tr-TR" dirty="0" err="1"/>
               <a:t>Hull</a:t>
             </a:r>
             <a:r>
-              <a:rPr lang="tr-TR" dirty="0" smtClean="0"/>
+              <a:rPr lang="tr-TR" dirty="0"/>
               <a:t>)</a:t>
             </a:r>
-            <a:endParaRPr lang="tr-TR" dirty="0"/>
           </a:p>
         </p:txBody>
       </p:sp>
@@ -34415,7 +33255,7 @@
               </a:lnSpc>
             </a:pPr>
             <a:r>
-              <a:rPr lang="tr-TR" dirty="0" smtClean="0"/>
+              <a:rPr lang="tr-TR" dirty="0"/>
               <a:t>Konveks zarf tüm noktaları içeren en küçük konveks poligondur.</a:t>
             </a:r>
           </a:p>
@@ -34426,7 +33266,7 @@
               </a:lnSpc>
             </a:pPr>
             <a:r>
-              <a:rPr lang="tr-TR" dirty="0" smtClean="0"/>
+              <a:rPr lang="tr-TR" dirty="0"/>
               <a:t>Bir eğri veya yüzeyin koordinat kapsamının ölçüsünü verir.</a:t>
             </a:r>
           </a:p>
@@ -34437,7 +33277,7 @@
               </a:lnSpc>
             </a:pPr>
             <a:r>
-              <a:rPr lang="tr-TR" dirty="0" smtClean="0"/>
+              <a:rPr lang="tr-TR" dirty="0"/>
               <a:t>Kırpma veya bakış rutinleri için kullanışlıdır.</a:t>
             </a:r>
           </a:p>
@@ -34449,37 +33289,28 @@
             </a:pPr>
             <a:r>
               <a:rPr lang="tr-TR"/>
-              <a:t>x-y </a:t>
-            </a:r>
-            <a:r>
-              <a:rPr lang="tr-TR" smtClean="0"/>
-              <a:t>düzleminde</a:t>
-            </a:r>
-            <a:r>
-              <a:rPr lang="en-US" smtClean="0"/>
+              <a:t>x-y düzleminde</a:t>
+            </a:r>
+            <a:r>
+              <a:rPr lang="en-US"/>
               <a:t>ki </a:t>
             </a:r>
             <a:r>
-              <a:rPr lang="tr-TR" smtClean="0"/>
+              <a:rPr lang="tr-TR"/>
               <a:t>kontrol nokta</a:t>
             </a:r>
             <a:r>
-              <a:rPr lang="en-US" smtClean="0"/>
+              <a:rPr lang="en-US"/>
               <a:t>larının iki</a:t>
             </a:r>
             <a:r>
-              <a:rPr lang="tr-TR" smtClean="0"/>
+              <a:rPr lang="tr-TR"/>
               <a:t> </a:t>
             </a:r>
             <a:r>
               <a:rPr lang="tr-TR" dirty="0"/>
-              <a:t>kümesi için konveks zarf kesikli çizgilerle ifade edilmiştir</a:t>
-            </a:r>
-            <a:r>
-              <a:rPr lang="tr-TR" dirty="0" smtClean="0"/>
-              <a:t>.</a:t>
-            </a:r>
-            <a:endParaRPr lang="tr-TR" dirty="0"/>
+              <a:t>kümesi için konveks zarf kesikli çizgilerle ifade edilmiştir.</a:t>
+            </a:r>
           </a:p>
         </p:txBody>
       </p:sp>
@@ -34545,13 +33376,6 @@
   <p:clrMapOvr>
     <a:masterClrMapping/>
   </p:clrMapOvr>
-  <p:timing>
-    <p:tnLst>
-      <p:par>
-        <p:cTn id="1" dur="indefinite" restart="never" nodeType="tmRoot"/>
-      </p:par>
-    </p:tnLst>
-  </p:timing>
 </p:sld>
 </file>
 
@@ -34591,10 +33415,10 @@
           <a:p>
             <a:pPr eaLnBrk="1" hangingPunct="1"/>
             <a:r>
-              <a:rPr lang="tr-TR" dirty="0" smtClean="0"/>
+              <a:rPr lang="tr-TR" dirty="0"/>
               <a:t>Kontrol Çizgesi</a:t>
             </a:r>
-            <a:endParaRPr lang="en-US" dirty="0" smtClean="0"/>
+            <a:endParaRPr lang="en-US" dirty="0"/>
           </a:p>
         </p:txBody>
       </p:sp>
@@ -34678,10 +33502,10 @@
               </a:lnSpc>
             </a:pPr>
             <a:r>
-              <a:rPr lang="tr-TR" smtClean="0"/>
+              <a:rPr lang="tr-TR"/>
               <a:t>Kontrol çizgesi</a:t>
             </a:r>
-            <a:endParaRPr lang="en-US" smtClean="0"/>
+            <a:endParaRPr lang="en-US"/>
           </a:p>
           <a:p>
             <a:pPr lvl="1">
@@ -34690,55 +33514,51 @@
               </a:lnSpc>
             </a:pPr>
             <a:r>
-              <a:rPr lang="tr-TR" smtClean="0"/>
+              <a:rPr lang="tr-TR"/>
               <a:t>kontrol </a:t>
             </a:r>
             <a:r>
-              <a:rPr lang="tr-TR" dirty="0" smtClean="0"/>
+              <a:rPr lang="tr-TR" dirty="0"/>
               <a:t>noktalarını </a:t>
             </a:r>
             <a:r>
-              <a:rPr lang="tr-TR" smtClean="0"/>
+              <a:rPr lang="tr-TR"/>
               <a:t>sıralı </a:t>
             </a:r>
             <a:r>
-              <a:rPr lang="en-US" smtClean="0"/>
+              <a:rPr lang="en-US"/>
               <a:t>olarak </a:t>
             </a:r>
             <a:r>
-              <a:rPr lang="tr-TR" smtClean="0"/>
+              <a:rPr lang="tr-TR"/>
               <a:t>bağlayan</a:t>
             </a:r>
             <a:r>
-              <a:rPr lang="en-US" smtClean="0"/>
+              <a:rPr lang="en-US"/>
               <a:t> bir</a:t>
             </a:r>
             <a:r>
-              <a:rPr lang="tr-TR" smtClean="0"/>
+              <a:rPr lang="tr-TR"/>
+              <a:t> çoklu </a:t>
+            </a:r>
+            <a:r>
+              <a:rPr lang="en-US"/>
+              <a:t>doğrudur</a:t>
+            </a:r>
+            <a:r>
+              <a:rPr lang="tr-TR"/>
               <a:t> </a:t>
             </a:r>
             <a:r>
-              <a:rPr lang="tr-TR" smtClean="0"/>
-              <a:t>çoklu </a:t>
-            </a:r>
-            <a:r>
-              <a:rPr lang="en-US" smtClean="0"/>
-              <a:t>doğrudur</a:t>
-            </a:r>
-            <a:r>
-              <a:rPr lang="tr-TR" smtClean="0"/>
-              <a:t> </a:t>
-            </a:r>
-            <a:r>
-              <a:rPr lang="tr-TR" dirty="0" smtClean="0"/>
+              <a:rPr lang="tr-TR" dirty="0"/>
               <a:t>(</a:t>
             </a:r>
             <a:r>
-              <a:rPr lang="tr-TR" dirty="0" err="1" smtClean="0"/>
+              <a:rPr lang="tr-TR" dirty="0" err="1"/>
               <a:t>polyline</a:t>
             </a:r>
             <a:r>
-              <a:rPr lang="tr-TR" dirty="0" smtClean="0"/>
+              <a:rPr lang="tr-TR" dirty="0"/>
               <a:t>).</a:t>
             </a:r>
           </a:p>
@@ -34749,27 +33569,27 @@
               </a:lnSpc>
             </a:pPr>
             <a:r>
-              <a:rPr lang="tr-TR" smtClean="0"/>
+              <a:rPr lang="tr-TR"/>
               <a:t>Poligon </a:t>
             </a:r>
             <a:r>
-              <a:rPr lang="tr-TR" dirty="0" smtClean="0"/>
+              <a:rPr lang="tr-TR" dirty="0"/>
               <a:t>değil bir </a:t>
             </a:r>
             <a:r>
-              <a:rPr lang="tr-TR" smtClean="0"/>
+              <a:rPr lang="tr-TR"/>
               <a:t>çoklu </a:t>
             </a:r>
             <a:r>
-              <a:rPr lang="en-US" smtClean="0"/>
+              <a:rPr lang="en-US"/>
               <a:t>doğru</a:t>
             </a:r>
             <a:r>
-              <a:rPr lang="tr-TR" smtClean="0"/>
+              <a:rPr lang="tr-TR"/>
               <a:t> </a:t>
             </a:r>
             <a:r>
-              <a:rPr lang="tr-TR" dirty="0" smtClean="0"/>
+              <a:rPr lang="tr-TR" dirty="0"/>
               <a:t>olsa da kontrol poligonu veya karakteristik poligon olarak da bilinir.</a:t>
             </a:r>
           </a:p>
@@ -34780,7 +33600,7 @@
               </a:lnSpc>
             </a:pPr>
             <a:r>
-              <a:rPr lang="tr-TR" dirty="0" smtClean="0"/>
+              <a:rPr lang="tr-TR" dirty="0"/>
               <a:t>Kontrol noktalarının konum ve sırasını hatırlatmak için kullanılır.</a:t>
             </a:r>
           </a:p>
@@ -34791,27 +33611,27 @@
               </a:lnSpc>
             </a:pPr>
             <a:r>
-              <a:rPr lang="tr-TR" smtClean="0"/>
+              <a:rPr lang="tr-TR"/>
               <a:t>x-y düzleminde</a:t>
             </a:r>
             <a:r>
-              <a:rPr lang="en-US" smtClean="0"/>
+              <a:rPr lang="en-US"/>
               <a:t>ki </a:t>
             </a:r>
             <a:r>
-              <a:rPr lang="tr-TR" smtClean="0"/>
+              <a:rPr lang="tr-TR"/>
               <a:t>kontrol nokta</a:t>
             </a:r>
             <a:r>
-              <a:rPr lang="en-US" smtClean="0"/>
+              <a:rPr lang="en-US"/>
               <a:t>larının iki</a:t>
             </a:r>
             <a:r>
-              <a:rPr lang="tr-TR" smtClean="0"/>
+              <a:rPr lang="tr-TR"/>
               <a:t> </a:t>
             </a:r>
             <a:r>
-              <a:rPr lang="tr-TR" dirty="0" smtClean="0"/>
+              <a:rPr lang="tr-TR" dirty="0"/>
               <a:t>kümesi için kontrol çizgesi şekilleri kesikli çizgilerle ifade edilmiştir.</a:t>
             </a:r>
           </a:p>
@@ -34827,13 +33647,6 @@
   <p:clrMapOvr>
     <a:masterClrMapping/>
   </p:clrMapOvr>
-  <p:timing>
-    <p:tnLst>
-      <p:par>
-        <p:cTn id="1" dur="indefinite" restart="never" nodeType="tmRoot"/>
-      </p:par>
-    </p:tnLst>
-  </p:timing>
 </p:sld>
 </file>
 
@@ -34873,10 +33686,10 @@
           <a:p>
             <a:pPr eaLnBrk="1" hangingPunct="1"/>
             <a:r>
-              <a:rPr lang="tr-TR" dirty="0" smtClean="0"/>
+              <a:rPr lang="tr-TR" dirty="0"/>
               <a:t>Parametrik Süreklilik Koşulları</a:t>
             </a:r>
-            <a:endParaRPr lang="en-US" dirty="0" smtClean="0"/>
+            <a:endParaRPr lang="en-US" dirty="0"/>
           </a:p>
         </p:txBody>
       </p:sp>
@@ -34910,7 +33723,7 @@
                   </a:lnSpc>
                 </a:pPr>
                 <a:r>
-                  <a:rPr lang="tr-TR" dirty="0" smtClean="0"/>
+                  <a:rPr lang="tr-TR" dirty="0"/>
                   <a:t>Bir eğrinin parçalı olarak üretilmesi sürecinde parçalar arasındaki geçişlerin düzgün olması istenir.</a:t>
                 </a:r>
               </a:p>
@@ -35018,7 +33831,7 @@
                     </m:sSub>
                   </m:oMath>
                 </a14:m>
-                <a:endParaRPr lang="tr-TR" dirty="0" smtClean="0"/>
+                <a:endParaRPr lang="tr-TR" dirty="0"/>
               </a:p>
             </p:txBody>
           </p:sp>
@@ -35136,10 +33949,9 @@
           <a:lstStyle/>
           <a:p>
             <a:r>
-              <a:rPr lang="tr-TR" dirty="0" smtClean="0"/>
+              <a:rPr lang="tr-TR" dirty="0"/>
               <a:t>P(u)</a:t>
             </a:r>
-            <a:endParaRPr lang="tr-TR" dirty="0"/>
           </a:p>
         </p:txBody>
       </p:sp>
@@ -35166,10 +33978,9 @@
           <a:lstStyle/>
           <a:p>
             <a:r>
-              <a:rPr lang="tr-TR" dirty="0" smtClean="0"/>
+              <a:rPr lang="tr-TR" dirty="0"/>
               <a:t>Q(v)</a:t>
             </a:r>
-            <a:endParaRPr lang="tr-TR" dirty="0"/>
           </a:p>
         </p:txBody>
       </p:sp>
@@ -35196,10 +34007,9 @@
           <a:lstStyle/>
           <a:p>
             <a:r>
-              <a:rPr lang="tr-TR" dirty="0" smtClean="0"/>
+              <a:rPr lang="tr-TR" dirty="0"/>
               <a:t>P(u)</a:t>
             </a:r>
-            <a:endParaRPr lang="tr-TR" dirty="0"/>
           </a:p>
         </p:txBody>
       </p:sp>
@@ -35226,10 +34036,9 @@
           <a:lstStyle/>
           <a:p>
             <a:r>
-              <a:rPr lang="tr-TR" dirty="0" smtClean="0"/>
+              <a:rPr lang="tr-TR" dirty="0"/>
               <a:t>Q(v)</a:t>
             </a:r>
-            <a:endParaRPr lang="tr-TR" dirty="0"/>
           </a:p>
         </p:txBody>
       </p:sp>
@@ -35256,10 +34065,9 @@
           <a:lstStyle/>
           <a:p>
             <a:r>
-              <a:rPr lang="tr-TR" dirty="0" smtClean="0"/>
+              <a:rPr lang="tr-TR" dirty="0"/>
               <a:t>P(u)</a:t>
             </a:r>
-            <a:endParaRPr lang="tr-TR" dirty="0"/>
           </a:p>
         </p:txBody>
       </p:sp>
@@ -35286,10 +34094,9 @@
           <a:lstStyle/>
           <a:p>
             <a:r>
-              <a:rPr lang="tr-TR" dirty="0" smtClean="0"/>
+              <a:rPr lang="tr-TR" dirty="0"/>
               <a:t>Q(v)</a:t>
             </a:r>
-            <a:endParaRPr lang="tr-TR" dirty="0"/>
           </a:p>
         </p:txBody>
       </p:sp>
@@ -35303,13 +34110,6 @@
   <p:clrMapOvr>
     <a:masterClrMapping/>
   </p:clrMapOvr>
-  <p:timing>
-    <p:tnLst>
-      <p:par>
-        <p:cTn id="1" dur="indefinite" restart="never" nodeType="tmRoot"/>
-      </p:par>
-    </p:tnLst>
-  </p:timing>
 </p:sld>
 </file>
 
@@ -35349,10 +34149,10 @@
           <a:p>
             <a:pPr eaLnBrk="1" hangingPunct="1"/>
             <a:r>
-              <a:rPr lang="tr-TR" dirty="0" smtClean="0"/>
+              <a:rPr lang="tr-TR" dirty="0"/>
               <a:t>Parametrik Süreklilik Koşulları</a:t>
             </a:r>
-            <a:endParaRPr lang="en-US" dirty="0" smtClean="0"/>
+            <a:endParaRPr lang="en-US" dirty="0"/>
           </a:p>
         </p:txBody>
       </p:sp>
@@ -35438,7 +34238,7 @@
                   </a:lnSpc>
                 </a:pPr>
                 <a:r>
-                  <a:rPr lang="tr-TR" dirty="0" smtClean="0"/>
+                  <a:rPr lang="tr-TR" dirty="0"/>
                   <a:t>İki eğri parçası farklı süreklilik derecelerinde birbirleriyle birleştirilebilir.</a:t>
                 </a:r>
               </a:p>
@@ -35451,7 +34251,7 @@
                   <a:buAutoNum type="alphaLcParenR"/>
                 </a:pPr>
                 <a:r>
-                  <a:rPr lang="tr-TR" dirty="0" smtClean="0"/>
+                  <a:rPr lang="tr-TR" dirty="0"/>
                   <a:t>Sıfır derecesinde süreklilik: </a:t>
                 </a:r>
                 <a14:m>
@@ -35499,7 +34299,7 @@
                     </m:r>
                   </m:oMath>
                 </a14:m>
-                <a:endParaRPr lang="tr-TR" dirty="0" smtClean="0"/>
+                <a:endParaRPr lang="tr-TR" dirty="0"/>
               </a:p>
               <a:p>
                 <a:pPr marL="627063" lvl="2">
@@ -35508,15 +34308,15 @@
                   </a:lnSpc>
                 </a:pPr>
                 <a:r>
-                  <a:rPr lang="tr-TR" dirty="0" smtClean="0"/>
+                  <a:rPr lang="tr-TR" dirty="0"/>
                   <a:t>C</a:t>
                 </a:r>
                 <a:r>
-                  <a:rPr lang="tr-TR" baseline="30000" dirty="0" smtClean="0"/>
+                  <a:rPr lang="tr-TR" baseline="30000" dirty="0"/>
                   <a:t>0</a:t>
                 </a:r>
                 <a:r>
-                  <a:rPr lang="tr-TR" dirty="0" smtClean="0"/>
+                  <a:rPr lang="tr-TR" dirty="0"/>
                   <a:t> süreklilik olarak bilinir.</a:t>
                 </a:r>
               </a:p>
@@ -35527,20 +34327,8 @@
                   </a:lnSpc>
                 </a:pPr>
                 <a:r>
-                  <a:rPr lang="tr-TR" dirty="0" smtClean="0"/>
-                  <a:t>Birleşim </a:t>
-                </a:r>
-                <a:r>
                   <a:rPr lang="tr-TR" dirty="0"/>
-                  <a:t>noktalarındaki </a:t>
-                </a:r>
-                <a:r>
-                  <a:rPr lang="tr-TR" dirty="0" smtClean="0"/>
-                  <a:t>koordinatları </a:t>
-                </a:r>
-                <a:r>
-                  <a:rPr lang="tr-TR" dirty="0"/>
-                  <a:t>eşitler.</a:t>
+                  <a:t>Birleşim noktalarındaki koordinatları eşitler.</a:t>
                 </a:r>
               </a:p>
               <a:p>
@@ -35648,20 +34436,16 @@
                   </a:lnSpc>
                 </a:pPr>
                 <a:r>
-                  <a:rPr lang="tr-TR" dirty="0" smtClean="0"/>
+                  <a:rPr lang="tr-TR" dirty="0"/>
                   <a:t>C</a:t>
                 </a:r>
                 <a:r>
-                  <a:rPr lang="tr-TR" baseline="30000" dirty="0" smtClean="0"/>
+                  <a:rPr lang="tr-TR" baseline="30000" dirty="0"/>
                   <a:t>1</a:t>
                 </a:r>
                 <a:r>
-                  <a:rPr lang="tr-TR" dirty="0" smtClean="0"/>
-                  <a:t> </a:t>
-                </a:r>
-                <a:r>
                   <a:rPr lang="tr-TR" dirty="0"/>
-                  <a:t>süreklilik olarak bilinir.</a:t>
+                  <a:t> süreklilik olarak bilinir.</a:t>
                 </a:r>
               </a:p>
               <a:p>
@@ -35671,7 +34455,7 @@
                   </a:lnSpc>
                 </a:pPr>
                 <a:r>
-                  <a:rPr lang="tr-TR" dirty="0" smtClean="0"/>
+                  <a:rPr lang="tr-TR" dirty="0"/>
                   <a:t>Birleşim noktalarındaki birinci dereceden türevleri (tanjant doğrularını) eşitler.</a:t>
                 </a:r>
               </a:p>
@@ -35682,10 +34466,9 @@
                   </a:lnSpc>
                 </a:pPr>
                 <a:r>
-                  <a:rPr lang="tr-TR" dirty="0" smtClean="0"/>
+                  <a:rPr lang="tr-TR" dirty="0"/>
                   <a:t>Basit dijital çizimler için yeterlidir.</a:t>
                 </a:r>
-                <a:endParaRPr lang="tr-TR" dirty="0"/>
               </a:p>
               <a:p>
                 <a:pPr marL="574675" lvl="1" indent="-228600">
@@ -35868,20 +34651,16 @@
                   </a:lnSpc>
                 </a:pPr>
                 <a:r>
-                  <a:rPr lang="tr-TR" dirty="0" smtClean="0"/>
+                  <a:rPr lang="tr-TR" dirty="0"/>
                   <a:t>C</a:t>
                 </a:r>
                 <a:r>
-                  <a:rPr lang="tr-TR" baseline="30000" dirty="0" smtClean="0"/>
+                  <a:rPr lang="tr-TR" baseline="30000" dirty="0"/>
                   <a:t>2</a:t>
                 </a:r>
                 <a:r>
-                  <a:rPr lang="tr-TR" dirty="0" smtClean="0"/>
-                  <a:t> </a:t>
-                </a:r>
-                <a:r>
                   <a:rPr lang="tr-TR" dirty="0"/>
-                  <a:t>süreklilik olarak bilinir.</a:t>
+                  <a:t> süreklilik olarak bilinir.</a:t>
                 </a:r>
               </a:p>
               <a:p>
@@ -35892,19 +34671,7 @@
                 </a:pPr>
                 <a:r>
                   <a:rPr lang="tr-TR" dirty="0"/>
-                  <a:t>Birleşim noktalarındaki </a:t>
-                </a:r>
-                <a:r>
-                  <a:rPr lang="tr-TR" dirty="0" smtClean="0"/>
-                  <a:t>hem birinci hem de ikinci dereceden </a:t>
-                </a:r>
-                <a:r>
-                  <a:rPr lang="tr-TR" dirty="0"/>
-                  <a:t>türevleri </a:t>
-                </a:r>
-                <a:r>
-                  <a:rPr lang="tr-TR" dirty="0" smtClean="0"/>
-                  <a:t>eşitler.</a:t>
+                  <a:t>Birleşim noktalarındaki hem birinci hem de ikinci dereceden türevleri eşitler.</a:t>
                 </a:r>
               </a:p>
               <a:p>
@@ -35914,7 +34681,7 @@
                   </a:lnSpc>
                 </a:pPr>
                 <a:r>
-                  <a:rPr lang="tr-TR" dirty="0" smtClean="0"/>
+                  <a:rPr lang="tr-TR" dirty="0"/>
                   <a:t>Eğri parçalarının kıvrımları eşitlenir.</a:t>
                 </a:r>
               </a:p>
@@ -35925,10 +34692,9 @@
                   </a:lnSpc>
                 </a:pPr>
                 <a:r>
-                  <a:rPr lang="tr-TR" dirty="0" smtClean="0"/>
+                  <a:rPr lang="tr-TR" dirty="0"/>
                   <a:t>Animasyon veya hassas tasarım uygulamaları için gereklidir.</a:t>
                 </a:r>
-                <a:endParaRPr lang="tr-TR" dirty="0"/>
               </a:p>
               <a:p>
                 <a:pPr marL="627063" lvl="1" indent="-228600">
@@ -35936,7 +34702,7 @@
                     <a:spcPct val="120000"/>
                   </a:lnSpc>
                 </a:pPr>
-                <a:endParaRPr lang="tr-TR" dirty="0" smtClean="0"/>
+                <a:endParaRPr lang="tr-TR" dirty="0"/>
               </a:p>
             </p:txBody>
           </p:sp>
@@ -36002,10 +34768,9 @@
           <a:lstStyle/>
           <a:p>
             <a:r>
-              <a:rPr lang="tr-TR" dirty="0" smtClean="0"/>
+              <a:rPr lang="tr-TR" dirty="0"/>
               <a:t>P(u)</a:t>
             </a:r>
-            <a:endParaRPr lang="tr-TR" dirty="0"/>
           </a:p>
         </p:txBody>
       </p:sp>
@@ -36032,10 +34797,9 @@
           <a:lstStyle/>
           <a:p>
             <a:r>
-              <a:rPr lang="tr-TR" dirty="0" smtClean="0"/>
+              <a:rPr lang="tr-TR" dirty="0"/>
               <a:t>Q(v)</a:t>
             </a:r>
-            <a:endParaRPr lang="tr-TR" dirty="0"/>
           </a:p>
         </p:txBody>
       </p:sp>
@@ -36062,10 +34826,9 @@
           <a:lstStyle/>
           <a:p>
             <a:r>
-              <a:rPr lang="tr-TR" dirty="0" smtClean="0"/>
+              <a:rPr lang="tr-TR" dirty="0"/>
               <a:t>P(u)</a:t>
             </a:r>
-            <a:endParaRPr lang="tr-TR" dirty="0"/>
           </a:p>
         </p:txBody>
       </p:sp>
@@ -36092,10 +34855,9 @@
           <a:lstStyle/>
           <a:p>
             <a:r>
-              <a:rPr lang="tr-TR" dirty="0" smtClean="0"/>
+              <a:rPr lang="tr-TR" dirty="0"/>
               <a:t>Q(v)</a:t>
             </a:r>
-            <a:endParaRPr lang="tr-TR" dirty="0"/>
           </a:p>
         </p:txBody>
       </p:sp>
@@ -36122,10 +34884,9 @@
           <a:lstStyle/>
           <a:p>
             <a:r>
-              <a:rPr lang="tr-TR" dirty="0" smtClean="0"/>
+              <a:rPr lang="tr-TR" dirty="0"/>
               <a:t>P(u)</a:t>
             </a:r>
-            <a:endParaRPr lang="tr-TR" dirty="0"/>
           </a:p>
         </p:txBody>
       </p:sp>
@@ -36152,10 +34913,9 @@
           <a:lstStyle/>
           <a:p>
             <a:r>
-              <a:rPr lang="tr-TR" dirty="0" smtClean="0"/>
+              <a:rPr lang="tr-TR" dirty="0"/>
               <a:t>Q(v)</a:t>
             </a:r>
-            <a:endParaRPr lang="tr-TR" dirty="0"/>
           </a:p>
         </p:txBody>
       </p:sp>
@@ -36169,13 +34929,6 @@
   <p:clrMapOvr>
     <a:masterClrMapping/>
   </p:clrMapOvr>
-  <p:timing>
-    <p:tnLst>
-      <p:par>
-        <p:cTn id="1" dur="indefinite" restart="never" nodeType="tmRoot"/>
-      </p:par>
-    </p:tnLst>
-  </p:timing>
 </p:sld>
 </file>
 
